--- a/slides.pptx
+++ b/slides.pptx
@@ -6419,7 +6419,7 @@
           <a:p>
             <a:r>
               <a:rPr lang="en-ES" dirty="0"/>
-              <a:t>Esto no quiere decir que los elementos que te acabamos de enseñar ya no existan – simplemente son implícitos</a:t>
+              <a:t>Esto no quiere decir que los elementos que te acabamos de enseñar ya no existan – simplemente están implícitos</a:t>
             </a:r>
           </a:p>
           <a:p>
@@ -6896,6 +6896,13 @@
             <a:r>
               <a:rPr lang="en-ES" dirty="0"/>
               <a:t>¡…podréis modificar en vivo el contenido de dichas variables!</a:t>
+            </a:r>
+          </a:p>
+          <a:p>
+            <a:pPr lvl="1"/>
+            <a:r>
+              <a:rPr lang="en-ES" dirty="0"/>
+              <a:t>Y también podréis evaluar expresiones</a:t>
             </a:r>
           </a:p>
         </p:txBody>

--- a/slides.pptx
+++ b/slides.pptx
@@ -5,33 +5,47 @@
     <p:sldMasterId id="2147483648" r:id="rId1"/>
   </p:sldMasterIdLst>
   <p:notesMasterIdLst>
-    <p:notesMasterId r:id="rId26"/>
+    <p:notesMasterId r:id="rId40"/>
   </p:notesMasterIdLst>
   <p:sldIdLst>
     <p:sldId id="256" r:id="rId2"/>
     <p:sldId id="260" r:id="rId3"/>
     <p:sldId id="257" r:id="rId4"/>
     <p:sldId id="258" r:id="rId5"/>
-    <p:sldId id="259" r:id="rId6"/>
-    <p:sldId id="262" r:id="rId7"/>
-    <p:sldId id="263" r:id="rId8"/>
-    <p:sldId id="264" r:id="rId9"/>
-    <p:sldId id="265" r:id="rId10"/>
-    <p:sldId id="266" r:id="rId11"/>
-    <p:sldId id="279" r:id="rId12"/>
-    <p:sldId id="267" r:id="rId13"/>
-    <p:sldId id="268" r:id="rId14"/>
-    <p:sldId id="269" r:id="rId15"/>
-    <p:sldId id="270" r:id="rId16"/>
-    <p:sldId id="271" r:id="rId17"/>
-    <p:sldId id="272" r:id="rId18"/>
-    <p:sldId id="273" r:id="rId19"/>
-    <p:sldId id="274" r:id="rId20"/>
-    <p:sldId id="275" r:id="rId21"/>
-    <p:sldId id="276" r:id="rId22"/>
-    <p:sldId id="277" r:id="rId23"/>
-    <p:sldId id="278" r:id="rId24"/>
-    <p:sldId id="261" r:id="rId25"/>
+    <p:sldId id="292" r:id="rId6"/>
+    <p:sldId id="259" r:id="rId7"/>
+    <p:sldId id="262" r:id="rId8"/>
+    <p:sldId id="263" r:id="rId9"/>
+    <p:sldId id="264" r:id="rId10"/>
+    <p:sldId id="265" r:id="rId11"/>
+    <p:sldId id="266" r:id="rId12"/>
+    <p:sldId id="279" r:id="rId13"/>
+    <p:sldId id="267" r:id="rId14"/>
+    <p:sldId id="268" r:id="rId15"/>
+    <p:sldId id="269" r:id="rId16"/>
+    <p:sldId id="270" r:id="rId17"/>
+    <p:sldId id="271" r:id="rId18"/>
+    <p:sldId id="272" r:id="rId19"/>
+    <p:sldId id="273" r:id="rId20"/>
+    <p:sldId id="274" r:id="rId21"/>
+    <p:sldId id="275" r:id="rId22"/>
+    <p:sldId id="276" r:id="rId23"/>
+    <p:sldId id="277" r:id="rId24"/>
+    <p:sldId id="278" r:id="rId25"/>
+    <p:sldId id="293" r:id="rId26"/>
+    <p:sldId id="280" r:id="rId27"/>
+    <p:sldId id="282" r:id="rId28"/>
+    <p:sldId id="283" r:id="rId29"/>
+    <p:sldId id="284" r:id="rId30"/>
+    <p:sldId id="285" r:id="rId31"/>
+    <p:sldId id="288" r:id="rId32"/>
+    <p:sldId id="286" r:id="rId33"/>
+    <p:sldId id="287" r:id="rId34"/>
+    <p:sldId id="289" r:id="rId35"/>
+    <p:sldId id="290" r:id="rId36"/>
+    <p:sldId id="291" r:id="rId37"/>
+    <p:sldId id="281" r:id="rId38"/>
+    <p:sldId id="261" r:id="rId39"/>
   </p:sldIdLst>
   <p:sldSz cx="12192000" cy="6858000"/>
   <p:notesSz cx="6858000" cy="9144000"/>
@@ -130,6 +144,11 @@
       </a:defRPr>
     </a:lvl9pPr>
   </p:defaultTextStyle>
+  <p:extLst>
+    <p:ext uri="{EFAFB233-063F-42B5-8137-9DF3F51BA10A}">
+      <p15:sldGuideLst xmlns:p15="http://schemas.microsoft.com/office/powerpoint/2012/main"/>
+    </p:ext>
+  </p:extLst>
 </p:presentation>
 </file>
 
@@ -215,7 +234,7 @@
           <a:p>
             <a:fld id="{1AD6DC05-692C-E74A-896E-80D826AD999D}" type="datetimeFigureOut">
               <a:rPr lang="en-ES" smtClean="0"/>
-              <a:t>27/11/21</a:t>
+              <a:t>29/11/21</a:t>
             </a:fld>
             <a:endParaRPr lang="en-ES"/>
           </a:p>
@@ -548,7 +567,7 @@
           <a:p>
             <a:fld id="{AAC7439A-2255-A140-8BF1-5C29D5F5C464}" type="slidenum">
               <a:rPr lang="en-ES" smtClean="0"/>
-              <a:t>8</a:t>
+              <a:t>9</a:t>
             </a:fld>
             <a:endParaRPr lang="en-ES"/>
           </a:p>
@@ -716,7 +735,7 @@
           <a:p>
             <a:fld id="{BC77E3AD-23E6-2845-B715-FE1BABD4367A}" type="datetime1">
               <a:rPr lang="es-ES_tradnl" smtClean="0"/>
-              <a:t>27/11/21</a:t>
+              <a:t>29/11/21</a:t>
             </a:fld>
             <a:endParaRPr lang="en-ES"/>
           </a:p>
@@ -916,7 +935,7 @@
           <a:p>
             <a:fld id="{BF675B99-F0A2-554E-AB00-49EC8EF682B7}" type="datetime1">
               <a:rPr lang="es-ES_tradnl" smtClean="0"/>
-              <a:t>27/11/21</a:t>
+              <a:t>29/11/21</a:t>
             </a:fld>
             <a:endParaRPr lang="en-ES"/>
           </a:p>
@@ -1126,7 +1145,7 @@
           <a:p>
             <a:fld id="{5B8EDDED-5E92-C842-A990-8B34246F0707}" type="datetime1">
               <a:rPr lang="es-ES_tradnl" smtClean="0"/>
-              <a:t>27/11/21</a:t>
+              <a:t>29/11/21</a:t>
             </a:fld>
             <a:endParaRPr lang="en-ES"/>
           </a:p>
@@ -1326,7 +1345,7 @@
           <a:p>
             <a:fld id="{39332535-6C69-1C45-B1BB-5662901FDB85}" type="datetime1">
               <a:rPr lang="es-ES_tradnl" smtClean="0"/>
-              <a:t>27/11/21</a:t>
+              <a:t>29/11/21</a:t>
             </a:fld>
             <a:endParaRPr lang="en-ES"/>
           </a:p>
@@ -1602,7 +1621,7 @@
           <a:p>
             <a:fld id="{C19204E2-215A-E042-978E-8D53D10B4CB1}" type="datetime1">
               <a:rPr lang="es-ES_tradnl" smtClean="0"/>
-              <a:t>27/11/21</a:t>
+              <a:t>29/11/21</a:t>
             </a:fld>
             <a:endParaRPr lang="en-ES"/>
           </a:p>
@@ -1870,7 +1889,7 @@
           <a:p>
             <a:fld id="{0D63F1B1-186B-B744-AF26-96C1155BEBD3}" type="datetime1">
               <a:rPr lang="es-ES_tradnl" smtClean="0"/>
-              <a:t>27/11/21</a:t>
+              <a:t>29/11/21</a:t>
             </a:fld>
             <a:endParaRPr lang="en-ES"/>
           </a:p>
@@ -2285,7 +2304,7 @@
           <a:p>
             <a:fld id="{543B29CC-E627-0D49-9997-D2AF4F1252B8}" type="datetime1">
               <a:rPr lang="es-ES_tradnl" smtClean="0"/>
-              <a:t>27/11/21</a:t>
+              <a:t>29/11/21</a:t>
             </a:fld>
             <a:endParaRPr lang="en-ES"/>
           </a:p>
@@ -2427,7 +2446,7 @@
           <a:p>
             <a:fld id="{68F338B3-C24C-0644-AF33-5B3086E9B5A5}" type="datetime1">
               <a:rPr lang="es-ES_tradnl" smtClean="0"/>
-              <a:t>27/11/21</a:t>
+              <a:t>29/11/21</a:t>
             </a:fld>
             <a:endParaRPr lang="en-ES"/>
           </a:p>
@@ -2540,7 +2559,7 @@
           <a:p>
             <a:fld id="{B23FE550-3D7C-5D4F-910E-9C13E7619C37}" type="datetime1">
               <a:rPr lang="es-ES_tradnl" smtClean="0"/>
-              <a:t>27/11/21</a:t>
+              <a:t>29/11/21</a:t>
             </a:fld>
             <a:endParaRPr lang="en-ES"/>
           </a:p>
@@ -2853,7 +2872,7 @@
           <a:p>
             <a:fld id="{32876D41-7438-A94F-B281-4B7362D3B28B}" type="datetime1">
               <a:rPr lang="es-ES_tradnl" smtClean="0"/>
-              <a:t>27/11/21</a:t>
+              <a:t>29/11/21</a:t>
             </a:fld>
             <a:endParaRPr lang="en-ES"/>
           </a:p>
@@ -3142,7 +3161,7 @@
           <a:p>
             <a:fld id="{36974878-83DE-7C48-A90B-FDCC442C4A53}" type="datetime1">
               <a:rPr lang="es-ES_tradnl" smtClean="0"/>
-              <a:t>27/11/21</a:t>
+              <a:t>29/11/21</a:t>
             </a:fld>
             <a:endParaRPr lang="en-ES"/>
           </a:p>
@@ -3385,7 +3404,7 @@
           <a:p>
             <a:fld id="{A49AADC7-DC8B-734E-8AE3-A54946DEEA8C}" type="datetime1">
               <a:rPr lang="es-ES_tradnl" smtClean="0"/>
-              <a:t>27/11/21</a:t>
+              <a:t>29/11/21</a:t>
             </a:fld>
             <a:endParaRPr lang="en-ES"/>
           </a:p>
@@ -3873,6 +3892,251 @@
 </file>
 
 <file path=ppt/slides/slide10.xml><?xml version="1.0" encoding="utf-8"?>
+<p:sld xmlns:a="http://schemas.openxmlformats.org/drawingml/2006/main" xmlns:r="http://schemas.openxmlformats.org/officeDocument/2006/relationships" xmlns:p="http://schemas.openxmlformats.org/presentationml/2006/main" show="0">
+  <p:cSld>
+    <p:spTree>
+      <p:nvGrpSpPr>
+        <p:cNvPr id="1" name=""/>
+        <p:cNvGrpSpPr/>
+        <p:nvPr/>
+      </p:nvGrpSpPr>
+      <p:grpSpPr>
+        <a:xfrm>
+          <a:off x="0" y="0"/>
+          <a:ext cx="0" cy="0"/>
+          <a:chOff x="0" y="0"/>
+          <a:chExt cx="0" cy="0"/>
+        </a:xfrm>
+      </p:grpSpPr>
+      <p:sp>
+        <p:nvSpPr>
+          <p:cNvPr id="2" name="Title 1">
+            <a:extLst>
+              <a:ext uri="{FF2B5EF4-FFF2-40B4-BE49-F238E27FC236}">
+                <a16:creationId xmlns:a16="http://schemas.microsoft.com/office/drawing/2014/main" id="{161BC258-B37A-474F-A19E-3EFB56A41C03}"/>
+              </a:ext>
+            </a:extLst>
+          </p:cNvPr>
+          <p:cNvSpPr>
+            <a:spLocks noGrp="1"/>
+          </p:cNvSpPr>
+          <p:nvPr>
+            <p:ph type="title"/>
+          </p:nvPr>
+        </p:nvSpPr>
+        <p:spPr/>
+        <p:txBody>
+          <a:bodyPr/>
+          <a:lstStyle/>
+          <a:p>
+            <a:r>
+              <a:rPr lang="en-ES" dirty="0"/>
+              <a:t>Ejercicio de ampliación (II)</a:t>
+            </a:r>
+          </a:p>
+        </p:txBody>
+      </p:sp>
+      <p:sp>
+        <p:nvSpPr>
+          <p:cNvPr id="3" name="Content Placeholder 2">
+            <a:extLst>
+              <a:ext uri="{FF2B5EF4-FFF2-40B4-BE49-F238E27FC236}">
+                <a16:creationId xmlns:a16="http://schemas.microsoft.com/office/drawing/2014/main" id="{FDBA2B52-ED69-E240-9EA0-FC15E1B9C657}"/>
+              </a:ext>
+            </a:extLst>
+          </p:cNvPr>
+          <p:cNvSpPr>
+            <a:spLocks noGrp="1"/>
+          </p:cNvSpPr>
+          <p:nvPr>
+            <p:ph idx="1"/>
+          </p:nvPr>
+        </p:nvSpPr>
+        <p:spPr/>
+        <p:txBody>
+          <a:bodyPr/>
+          <a:lstStyle/>
+          <a:p>
+            <a:r>
+              <a:rPr lang="en-ES" dirty="0"/>
+              <a:t>Aunque en el taller vamos a usar Visual Studio Code, en realidad solo nos haría falta un navegador Web</a:t>
+            </a:r>
+          </a:p>
+          <a:p>
+            <a:r>
+              <a:rPr lang="en-ES" dirty="0"/>
+              <a:t>Navega a la siguiente aplicación Web</a:t>
+            </a:r>
+          </a:p>
+          <a:p>
+            <a:pPr lvl="1"/>
+            <a:r>
+              <a:rPr lang="en-GB" dirty="0">
+                <a:hlinkClick r:id="rId2"/>
+              </a:rPr>
+              <a:t>https://dotnetfiddle.net</a:t>
+            </a:r>
+            <a:endParaRPr lang="en-GB" dirty="0"/>
+          </a:p>
+          <a:p>
+            <a:r>
+              <a:rPr lang="en-GB" dirty="0" err="1"/>
+              <a:t>Escoge</a:t>
+            </a:r>
+            <a:r>
+              <a:rPr lang="en-GB" dirty="0"/>
+              <a:t> las </a:t>
+            </a:r>
+            <a:r>
+              <a:rPr lang="en-GB" dirty="0" err="1"/>
+              <a:t>siguientes</a:t>
+            </a:r>
+            <a:r>
+              <a:rPr lang="en-GB" dirty="0"/>
+              <a:t> </a:t>
+            </a:r>
+            <a:r>
+              <a:rPr lang="en-GB" dirty="0" err="1"/>
+              <a:t>opciones</a:t>
+            </a:r>
+            <a:r>
+              <a:rPr lang="en-GB" dirty="0"/>
+              <a:t> </a:t>
+            </a:r>
+            <a:r>
+              <a:rPr lang="en-GB" dirty="0" err="1"/>
+              <a:t>en</a:t>
+            </a:r>
+            <a:r>
+              <a:rPr lang="en-GB" dirty="0"/>
+              <a:t> el </a:t>
+            </a:r>
+            <a:r>
+              <a:rPr lang="en-GB" dirty="0" err="1"/>
+              <a:t>menú</a:t>
+            </a:r>
+            <a:r>
+              <a:rPr lang="en-GB" dirty="0"/>
+              <a:t> de la </a:t>
+            </a:r>
+            <a:r>
+              <a:rPr lang="en-GB" dirty="0" err="1"/>
+              <a:t>izquierda</a:t>
+            </a:r>
+            <a:endParaRPr lang="en-GB" dirty="0"/>
+          </a:p>
+          <a:p>
+            <a:pPr lvl="1"/>
+            <a:r>
+              <a:rPr lang="en-GB" dirty="0"/>
+              <a:t>Language &gt; C#</a:t>
+            </a:r>
+          </a:p>
+          <a:p>
+            <a:pPr lvl="1"/>
+            <a:r>
+              <a:rPr lang="en-GB" dirty="0"/>
+              <a:t>Project Type &gt; Console</a:t>
+            </a:r>
+          </a:p>
+          <a:p>
+            <a:pPr lvl="1"/>
+            <a:r>
+              <a:rPr lang="en-GB" dirty="0"/>
+              <a:t>Compiler &gt; .NET 6</a:t>
+            </a:r>
+          </a:p>
+          <a:p>
+            <a:r>
+              <a:rPr lang="en-GB" dirty="0" err="1"/>
+              <a:t>Ejecuta</a:t>
+            </a:r>
+            <a:r>
+              <a:rPr lang="en-GB" dirty="0"/>
+              <a:t> el </a:t>
+            </a:r>
+            <a:r>
+              <a:rPr lang="en-GB" dirty="0" err="1"/>
+              <a:t>programa</a:t>
+            </a:r>
+            <a:r>
+              <a:rPr lang="en-GB" dirty="0"/>
+              <a:t> </a:t>
+            </a:r>
+            <a:r>
+              <a:rPr lang="en-GB" dirty="0" err="1"/>
+              <a:t>pulsando</a:t>
+            </a:r>
+            <a:r>
+              <a:rPr lang="en-GB" dirty="0"/>
+              <a:t> "</a:t>
+            </a:r>
+            <a:r>
+              <a:rPr lang="en-GB" dirty="0">
+                <a:latin typeface="Consolas" panose="020B0609020204030204" pitchFamily="49" charset="0"/>
+                <a:cs typeface="Consolas" panose="020B0609020204030204" pitchFamily="49" charset="0"/>
+              </a:rPr>
+              <a:t>Run</a:t>
+            </a:r>
+            <a:r>
+              <a:rPr lang="en-GB" dirty="0"/>
+              <a:t>" </a:t>
+            </a:r>
+            <a:r>
+              <a:rPr lang="en-GB" dirty="0" err="1"/>
+              <a:t>en</a:t>
+            </a:r>
+            <a:r>
+              <a:rPr lang="en-GB" dirty="0"/>
+              <a:t> el panel superior</a:t>
+            </a:r>
+            <a:endParaRPr lang="en-ES" dirty="0"/>
+          </a:p>
+        </p:txBody>
+      </p:sp>
+      <p:sp>
+        <p:nvSpPr>
+          <p:cNvPr id="4" name="Slide Number Placeholder 3">
+            <a:extLst>
+              <a:ext uri="{FF2B5EF4-FFF2-40B4-BE49-F238E27FC236}">
+                <a16:creationId xmlns:a16="http://schemas.microsoft.com/office/drawing/2014/main" id="{F82F604D-2539-4C4E-9D42-0EA01F1B6B82}"/>
+              </a:ext>
+            </a:extLst>
+          </p:cNvPr>
+          <p:cNvSpPr>
+            <a:spLocks noGrp="1"/>
+          </p:cNvSpPr>
+          <p:nvPr>
+            <p:ph type="sldNum" sz="quarter" idx="12"/>
+          </p:nvPr>
+        </p:nvSpPr>
+        <p:spPr/>
+        <p:txBody>
+          <a:bodyPr/>
+          <a:lstStyle/>
+          <a:p>
+            <a:fld id="{AA58ECC7-594B-3F4D-BC70-865823762D99}" type="slidenum">
+              <a:rPr lang="en-ES" smtClean="0"/>
+              <a:t>10</a:t>
+            </a:fld>
+            <a:endParaRPr lang="en-ES"/>
+          </a:p>
+        </p:txBody>
+      </p:sp>
+    </p:spTree>
+    <p:extLst>
+      <p:ext uri="{BB962C8B-B14F-4D97-AF65-F5344CB8AC3E}">
+        <p14:creationId xmlns:p14="http://schemas.microsoft.com/office/powerpoint/2010/main" val="738537230"/>
+      </p:ext>
+    </p:extLst>
+  </p:cSld>
+  <p:clrMapOvr>
+    <a:masterClrMapping/>
+  </p:clrMapOvr>
+</p:sld>
+</file>
+
+<file path=ppt/slides/slide11.xml><?xml version="1.0" encoding="utf-8"?>
 <p:sld xmlns:a="http://schemas.openxmlformats.org/drawingml/2006/main" xmlns:r="http://schemas.openxmlformats.org/officeDocument/2006/relationships" xmlns:p="http://schemas.openxmlformats.org/presentationml/2006/main">
   <p:cSld>
     <p:spTree>
@@ -3912,17 +4176,9 @@
           <a:p>
             <a:r>
               <a:rPr lang="en-ES" dirty="0">
-                <a:latin typeface="Consolas" panose="020B0609020204030204" pitchFamily="49" charset="0"/>
-                <a:cs typeface="Consolas" panose="020B0609020204030204" pitchFamily="49" charset="0"/>
-              </a:rPr>
-              <a:t>"Hello, world</a:t>
-            </a:r>
-            <a:r>
-              <a:rPr lang="en-ES" dirty="0">
-                <a:latin typeface="Calibri" panose="020F0502020204030204" pitchFamily="34" charset="0"/>
                 <a:cs typeface="Calibri" panose="020F0502020204030204" pitchFamily="34" charset="0"/>
               </a:rPr>
-              <a:t>!" – Ficheros *.cs y *.csproj</a:t>
+              <a:t>Ficheros *.cs y *.csproj</a:t>
             </a:r>
           </a:p>
         </p:txBody>
@@ -4099,7 +4355,7 @@
           <a:p>
             <a:fld id="{AA58ECC7-594B-3F4D-BC70-865823762D99}" type="slidenum">
               <a:rPr lang="en-ES" smtClean="0"/>
-              <a:t>10</a:t>
+              <a:t>11</a:t>
             </a:fld>
             <a:endParaRPr lang="en-ES"/>
           </a:p>
@@ -4118,7 +4374,7 @@
 </p:sld>
 </file>
 
-<file path=ppt/slides/slide11.xml><?xml version="1.0" encoding="utf-8"?>
+<file path=ppt/slides/slide12.xml><?xml version="1.0" encoding="utf-8"?>
 <p:sld xmlns:a="http://schemas.openxmlformats.org/drawingml/2006/main" xmlns:r="http://schemas.openxmlformats.org/officeDocument/2006/relationships" xmlns:p="http://schemas.openxmlformats.org/presentationml/2006/main" show="0">
   <p:cSld>
     <p:spTree>
@@ -4240,7 +4496,7 @@
           <a:p>
             <a:fld id="{AA58ECC7-594B-3F4D-BC70-865823762D99}" type="slidenum">
               <a:rPr lang="en-ES" smtClean="0"/>
-              <a:t>11</a:t>
+              <a:t>12</a:t>
             </a:fld>
             <a:endParaRPr lang="en-ES"/>
           </a:p>
@@ -4410,186 +4666,6 @@
     <p:extLst>
       <p:ext uri="{BB962C8B-B14F-4D97-AF65-F5344CB8AC3E}">
         <p14:creationId xmlns:p14="http://schemas.microsoft.com/office/powerpoint/2010/main" val="203585089"/>
-      </p:ext>
-    </p:extLst>
-  </p:cSld>
-  <p:clrMapOvr>
-    <a:masterClrMapping/>
-  </p:clrMapOvr>
-</p:sld>
-</file>
-
-<file path=ppt/slides/slide12.xml><?xml version="1.0" encoding="utf-8"?>
-<p:sld xmlns:a="http://schemas.openxmlformats.org/drawingml/2006/main" xmlns:r="http://schemas.openxmlformats.org/officeDocument/2006/relationships" xmlns:p="http://schemas.openxmlformats.org/presentationml/2006/main">
-  <p:cSld>
-    <p:spTree>
-      <p:nvGrpSpPr>
-        <p:cNvPr id="1" name=""/>
-        <p:cNvGrpSpPr/>
-        <p:nvPr/>
-      </p:nvGrpSpPr>
-      <p:grpSpPr>
-        <a:xfrm>
-          <a:off x="0" y="0"/>
-          <a:ext cx="0" cy="0"/>
-          <a:chOff x="0" y="0"/>
-          <a:chExt cx="0" cy="0"/>
-        </a:xfrm>
-      </p:grpSpPr>
-      <p:sp>
-        <p:nvSpPr>
-          <p:cNvPr id="2" name="Title 1">
-            <a:extLst>
-              <a:ext uri="{FF2B5EF4-FFF2-40B4-BE49-F238E27FC236}">
-                <a16:creationId xmlns:a16="http://schemas.microsoft.com/office/drawing/2014/main" id="{B6F9C299-DA4E-1545-BCCD-318D2D5A2180}"/>
-              </a:ext>
-            </a:extLst>
-          </p:cNvPr>
-          <p:cNvSpPr>
-            <a:spLocks noGrp="1"/>
-          </p:cNvSpPr>
-          <p:nvPr>
-            <p:ph type="title"/>
-          </p:nvPr>
-        </p:nvSpPr>
-        <p:spPr/>
-        <p:txBody>
-          <a:bodyPr/>
-          <a:lstStyle/>
-          <a:p>
-            <a:r>
-              <a:rPr lang="en-ES" dirty="0">
-                <a:latin typeface="Consolas" panose="020B0609020204030204" pitchFamily="49" charset="0"/>
-                <a:cs typeface="Consolas" panose="020B0609020204030204" pitchFamily="49" charset="0"/>
-              </a:rPr>
-              <a:t>"Hello, world</a:t>
-            </a:r>
-            <a:r>
-              <a:rPr lang="en-ES" dirty="0">
-                <a:latin typeface="Calibri" panose="020F0502020204030204" pitchFamily="34" charset="0"/>
-                <a:cs typeface="Calibri" panose="020F0502020204030204" pitchFamily="34" charset="0"/>
-              </a:rPr>
-              <a:t>!" – Ficheros *.sln</a:t>
-            </a:r>
-            <a:endParaRPr lang="en-ES" dirty="0"/>
-          </a:p>
-        </p:txBody>
-      </p:sp>
-      <p:sp>
-        <p:nvSpPr>
-          <p:cNvPr id="3" name="Content Placeholder 2">
-            <a:extLst>
-              <a:ext uri="{FF2B5EF4-FFF2-40B4-BE49-F238E27FC236}">
-                <a16:creationId xmlns:a16="http://schemas.microsoft.com/office/drawing/2014/main" id="{7F1FD7D0-03DC-6541-8BB0-69FB285DB1F8}"/>
-              </a:ext>
-            </a:extLst>
-          </p:cNvPr>
-          <p:cNvSpPr>
-            <a:spLocks noGrp="1"/>
-          </p:cNvSpPr>
-          <p:nvPr>
-            <p:ph idx="1"/>
-          </p:nvPr>
-        </p:nvSpPr>
-        <p:spPr/>
-        <p:txBody>
-          <a:bodyPr>
-            <a:normAutofit lnSpcReduction="10000"/>
-          </a:bodyPr>
-          <a:lstStyle/>
-          <a:p>
-            <a:r>
-              <a:rPr lang="en-ES" dirty="0"/>
-              <a:t>También os podréis encontrar hoy con ficheros *.sln</a:t>
-            </a:r>
-          </a:p>
-          <a:p>
-            <a:r>
-              <a:rPr lang="en-ES" dirty="0"/>
-              <a:t>Son ficheros de solución de C-Sharp.</a:t>
-            </a:r>
-          </a:p>
-          <a:p>
-            <a:r>
-              <a:rPr lang="en-ES" dirty="0"/>
-              <a:t>La jerarquía es sencilla:</a:t>
-            </a:r>
-          </a:p>
-          <a:p>
-            <a:pPr lvl="1"/>
-            <a:r>
-              <a:rPr lang="en-ES" dirty="0"/>
-              <a:t>Una solución puede referenciar uno o más proyectos</a:t>
-            </a:r>
-          </a:p>
-          <a:p>
-            <a:pPr lvl="1"/>
-            <a:r>
-              <a:rPr lang="en-ES" dirty="0"/>
-              <a:t>Un proyecto representa un artefacto:</a:t>
-            </a:r>
-          </a:p>
-          <a:p>
-            <a:pPr lvl="2"/>
-            <a:r>
-              <a:rPr lang="en-ES" dirty="0"/>
-              <a:t>Una aplicación .EXE</a:t>
-            </a:r>
-          </a:p>
-          <a:p>
-            <a:pPr lvl="2"/>
-            <a:r>
-              <a:rPr lang="en-ES" dirty="0"/>
-              <a:t>Una biblioteca .DLL</a:t>
-            </a:r>
-          </a:p>
-          <a:p>
-            <a:r>
-              <a:rPr lang="en-ES" dirty="0"/>
-              <a:t>Con dotnet new console no se crea por defecto</a:t>
-            </a:r>
-          </a:p>
-          <a:p>
-            <a:r>
-              <a:rPr lang="en-ES" dirty="0"/>
-              <a:t>En este taller no los vamos a usar (pero pueden aparecer en el de Unity)</a:t>
-            </a:r>
-          </a:p>
-        </p:txBody>
-      </p:sp>
-      <p:sp>
-        <p:nvSpPr>
-          <p:cNvPr id="4" name="Slide Number Placeholder 3">
-            <a:extLst>
-              <a:ext uri="{FF2B5EF4-FFF2-40B4-BE49-F238E27FC236}">
-                <a16:creationId xmlns:a16="http://schemas.microsoft.com/office/drawing/2014/main" id="{3535A688-7A43-A943-B31D-8BF71BDDF022}"/>
-              </a:ext>
-            </a:extLst>
-          </p:cNvPr>
-          <p:cNvSpPr>
-            <a:spLocks noGrp="1"/>
-          </p:cNvSpPr>
-          <p:nvPr>
-            <p:ph type="sldNum" sz="quarter" idx="12"/>
-          </p:nvPr>
-        </p:nvSpPr>
-        <p:spPr/>
-        <p:txBody>
-          <a:bodyPr/>
-          <a:lstStyle/>
-          <a:p>
-            <a:fld id="{AA58ECC7-594B-3F4D-BC70-865823762D99}" type="slidenum">
-              <a:rPr lang="en-ES" smtClean="0"/>
-              <a:t>12</a:t>
-            </a:fld>
-            <a:endParaRPr lang="en-ES"/>
-          </a:p>
-        </p:txBody>
-      </p:sp>
-    </p:spTree>
-    <p:extLst>
-      <p:ext uri="{BB962C8B-B14F-4D97-AF65-F5344CB8AC3E}">
-        <p14:creationId xmlns:p14="http://schemas.microsoft.com/office/powerpoint/2010/main" val="524870894"/>
       </p:ext>
     </p:extLst>
   </p:cSld>
@@ -4621,7 +4697,7 @@
           <p:cNvPr id="2" name="Title 1">
             <a:extLst>
               <a:ext uri="{FF2B5EF4-FFF2-40B4-BE49-F238E27FC236}">
-                <a16:creationId xmlns:a16="http://schemas.microsoft.com/office/drawing/2014/main" id="{1726C32E-C538-C040-84FA-74AD796169C4}"/>
+                <a16:creationId xmlns:a16="http://schemas.microsoft.com/office/drawing/2014/main" id="{B6F9C299-DA4E-1545-BCCD-318D2D5A2180}"/>
               </a:ext>
             </a:extLst>
           </p:cNvPr>
@@ -4639,17 +4715,9 @@
           <a:p>
             <a:r>
               <a:rPr lang="en-ES" dirty="0">
-                <a:latin typeface="Consolas" panose="020B0609020204030204" pitchFamily="49" charset="0"/>
-                <a:cs typeface="Consolas" panose="020B0609020204030204" pitchFamily="49" charset="0"/>
-              </a:rPr>
-              <a:t>"Hello, world</a:t>
-            </a:r>
-            <a:r>
-              <a:rPr lang="en-ES" dirty="0">
-                <a:latin typeface="Calibri" panose="020F0502020204030204" pitchFamily="34" charset="0"/>
                 <a:cs typeface="Calibri" panose="020F0502020204030204" pitchFamily="34" charset="0"/>
               </a:rPr>
-              <a:t>!" – Ejecutar desde VSCode</a:t>
+              <a:t>Ficheros *.sln</a:t>
             </a:r>
             <a:endParaRPr lang="en-ES" dirty="0"/>
           </a:p>
@@ -4660,7 +4728,7 @@
           <p:cNvPr id="3" name="Content Placeholder 2">
             <a:extLst>
               <a:ext uri="{FF2B5EF4-FFF2-40B4-BE49-F238E27FC236}">
-                <a16:creationId xmlns:a16="http://schemas.microsoft.com/office/drawing/2014/main" id="{FAB954E7-F43B-6C42-AC5E-A399691CA85C}"/>
+                <a16:creationId xmlns:a16="http://schemas.microsoft.com/office/drawing/2014/main" id="{7F1FD7D0-03DC-6541-8BB0-69FB285DB1F8}"/>
               </a:ext>
             </a:extLst>
           </p:cNvPr>
@@ -4671,60 +4739,68 @@
             <p:ph idx="1"/>
           </p:nvPr>
         </p:nvSpPr>
-        <p:spPr>
-          <a:xfrm>
-            <a:off x="838200" y="1825625"/>
-            <a:ext cx="10515600" cy="3268889"/>
-          </a:xfrm>
-        </p:spPr>
-        <p:txBody>
-          <a:bodyPr/>
-          <a:lstStyle/>
-          <a:p>
-            <a:r>
-              <a:rPr lang="en-ES" dirty="0"/>
-              <a:t>Para ejecutar desde Visual Studio Code:</a:t>
+        <p:spPr/>
+        <p:txBody>
+          <a:bodyPr>
+            <a:normAutofit lnSpcReduction="10000"/>
+          </a:bodyPr>
+          <a:lstStyle/>
+          <a:p>
+            <a:r>
+              <a:rPr lang="en-ES" dirty="0"/>
+              <a:t>También os podréis encontrar hoy con ficheros *.sln</a:t>
+            </a:r>
+          </a:p>
+          <a:p>
+            <a:r>
+              <a:rPr lang="en-ES" dirty="0"/>
+              <a:t>Son ficheros de solución de Visual Studio (no solo C#)</a:t>
+            </a:r>
+          </a:p>
+          <a:p>
+            <a:r>
+              <a:rPr lang="en-ES" dirty="0"/>
+              <a:t>La jerarquía es sencilla:</a:t>
             </a:r>
           </a:p>
           <a:p>
             <a:pPr lvl="1"/>
             <a:r>
               <a:rPr lang="en-ES" dirty="0"/>
-              <a:t>Opción 1) Busca el menú de “Run &amp; Debug”</a:t>
+              <a:t>Una solución puede referenciar uno o más proyectos</a:t>
             </a:r>
           </a:p>
           <a:p>
             <a:pPr lvl="1"/>
             <a:r>
               <a:rPr lang="en-ES" dirty="0"/>
-              <a:t>Opción 2) Pulsa F5</a:t>
-            </a:r>
-          </a:p>
-          <a:p>
-            <a:r>
-              <a:rPr lang="en-ES" dirty="0"/>
-              <a:t>VS Code te pedirá añadir los recursos que faltan para automatizar la tarea</a:t>
-            </a:r>
-          </a:p>
-          <a:p>
-            <a:pPr lvl="1"/>
-            <a:r>
-              <a:rPr lang="en-ES" dirty="0"/>
-              <a:t>Se creará un directorio llamado .vscode:</a:t>
+              <a:t>Un proyecto representa un artefacto:</a:t>
             </a:r>
           </a:p>
           <a:p>
             <a:pPr lvl="2"/>
             <a:r>
               <a:rPr lang="en-ES" dirty="0"/>
-              <a:t>.vscode/launch.json &gt; Información para ejecutar tu aplicación</a:t>
+              <a:t>Una aplicación .EXE</a:t>
             </a:r>
           </a:p>
           <a:p>
             <a:pPr lvl="2"/>
             <a:r>
               <a:rPr lang="en-ES" dirty="0"/>
-              <a:t>.vscode/tasks.json &gt; Información para construir y limpiar los artefactos de tu aplicación</a:t>
+              <a:t>Una biblioteca .DLL</a:t>
+            </a:r>
+          </a:p>
+          <a:p>
+            <a:r>
+              <a:rPr lang="en-ES" dirty="0"/>
+              <a:t>Con dotnet new console no se crea por defecto</a:t>
+            </a:r>
+          </a:p>
+          <a:p>
+            <a:r>
+              <a:rPr lang="en-ES" dirty="0"/>
+              <a:t>En este taller no los vamos a usar (pero pueden aparecer en el de Unity)</a:t>
             </a:r>
           </a:p>
         </p:txBody>
@@ -4734,7 +4810,7 @@
           <p:cNvPr id="4" name="Slide Number Placeholder 3">
             <a:extLst>
               <a:ext uri="{FF2B5EF4-FFF2-40B4-BE49-F238E27FC236}">
-                <a16:creationId xmlns:a16="http://schemas.microsoft.com/office/drawing/2014/main" id="{3D96EC03-C5AC-5747-91F9-526592A046A4}"/>
+                <a16:creationId xmlns:a16="http://schemas.microsoft.com/office/drawing/2014/main" id="{3535A688-7A43-A943-B31D-8BF71BDDF022}"/>
               </a:ext>
             </a:extLst>
           </p:cNvPr>
@@ -4761,7 +4837,7 @@
     </p:spTree>
     <p:extLst>
       <p:ext uri="{BB962C8B-B14F-4D97-AF65-F5344CB8AC3E}">
-        <p14:creationId xmlns:p14="http://schemas.microsoft.com/office/powerpoint/2010/main" val="2097511888"/>
+        <p14:creationId xmlns:p14="http://schemas.microsoft.com/office/powerpoint/2010/main" val="524870894"/>
       </p:ext>
     </p:extLst>
   </p:cSld>
@@ -4793,7 +4869,7 @@
           <p:cNvPr id="2" name="Title 1">
             <a:extLst>
               <a:ext uri="{FF2B5EF4-FFF2-40B4-BE49-F238E27FC236}">
-                <a16:creationId xmlns:a16="http://schemas.microsoft.com/office/drawing/2014/main" id="{60EE8BD8-41F7-1C43-B3A9-1C1020A1F95F}"/>
+                <a16:creationId xmlns:a16="http://schemas.microsoft.com/office/drawing/2014/main" id="{1726C32E-C538-C040-84FA-74AD796169C4}"/>
               </a:ext>
             </a:extLst>
           </p:cNvPr>
@@ -4811,17 +4887,9 @@
           <a:p>
             <a:r>
               <a:rPr lang="en-ES" dirty="0">
-                <a:latin typeface="Consolas" panose="020B0609020204030204" pitchFamily="49" charset="0"/>
-                <a:cs typeface="Consolas" panose="020B0609020204030204" pitchFamily="49" charset="0"/>
-              </a:rPr>
-              <a:t>"Hello, world</a:t>
-            </a:r>
-            <a:r>
-              <a:rPr lang="en-ES" dirty="0">
-                <a:latin typeface="Calibri" panose="020F0502020204030204" pitchFamily="34" charset="0"/>
                 <a:cs typeface="Calibri" panose="020F0502020204030204" pitchFamily="34" charset="0"/>
               </a:rPr>
-              <a:t>!" – Ejecutar desde CLI</a:t>
+              <a:t>Ejecutar desde VSCode</a:t>
             </a:r>
             <a:endParaRPr lang="en-ES" dirty="0"/>
           </a:p>
@@ -4832,7 +4900,7 @@
           <p:cNvPr id="3" name="Content Placeholder 2">
             <a:extLst>
               <a:ext uri="{FF2B5EF4-FFF2-40B4-BE49-F238E27FC236}">
-                <a16:creationId xmlns:a16="http://schemas.microsoft.com/office/drawing/2014/main" id="{202D5B31-0B77-9048-B0B7-B10A948DD847}"/>
+                <a16:creationId xmlns:a16="http://schemas.microsoft.com/office/drawing/2014/main" id="{FAB954E7-F43B-6C42-AC5E-A399691CA85C}"/>
               </a:ext>
             </a:extLst>
           </p:cNvPr>
@@ -4846,7 +4914,7 @@
         <p:spPr>
           <a:xfrm>
             <a:off x="838200" y="1825625"/>
-            <a:ext cx="10515600" cy="2169432"/>
+            <a:ext cx="10515600" cy="3268889"/>
           </a:xfrm>
         </p:spPr>
         <p:txBody>
@@ -4855,34 +4923,48 @@
           <a:p>
             <a:r>
               <a:rPr lang="en-ES" dirty="0"/>
-              <a:t>El comando "dotnet" es todo lo que necesitas</a:t>
-            </a:r>
-          </a:p>
-          <a:p>
-            <a:r>
-              <a:rPr lang="en-ES" dirty="0"/>
-              <a:t>Por defecto, "dotnet run"...:</a:t>
+              <a:t>Para ejecutar desde Visual Studio Code:</a:t>
             </a:r>
           </a:p>
           <a:p>
             <a:pPr lvl="1"/>
             <a:r>
               <a:rPr lang="en-ES" dirty="0"/>
-              <a:t>Coge el único fichero *.csproj que haya en el directorio</a:t>
+              <a:t>Opción 1) Busca el menú de “Run &amp; Debug”</a:t>
             </a:r>
           </a:p>
           <a:p>
             <a:pPr lvl="1"/>
             <a:r>
               <a:rPr lang="en-ES" dirty="0"/>
-              <a:t>Compila el artefacto que represente</a:t>
+              <a:t>Opción 2) Pulsa F5</a:t>
+            </a:r>
+          </a:p>
+          <a:p>
+            <a:r>
+              <a:rPr lang="en-ES" dirty="0"/>
+              <a:t>VS Code te pedirá añadir los recursos que faltan para automatizar la tarea</a:t>
             </a:r>
           </a:p>
           <a:p>
             <a:pPr lvl="1"/>
             <a:r>
               <a:rPr lang="en-ES" dirty="0"/>
-              <a:t>Si el artefacto es una aplicación ejecutable, ¡la ejecuta!</a:t>
+              <a:t>Se creará un directorio llamado .vscode:</a:t>
+            </a:r>
+          </a:p>
+          <a:p>
+            <a:pPr lvl="2"/>
+            <a:r>
+              <a:rPr lang="en-ES" dirty="0"/>
+              <a:t>.vscode/launch.json &gt; Información para ejecutar tu aplicación</a:t>
+            </a:r>
+          </a:p>
+          <a:p>
+            <a:pPr lvl="2"/>
+            <a:r>
+              <a:rPr lang="en-ES" dirty="0"/>
+              <a:t>.vscode/tasks.json &gt; Información para construir y limpiar los artefactos de tu aplicación</a:t>
             </a:r>
           </a:p>
         </p:txBody>
@@ -4892,7 +4974,7 @@
           <p:cNvPr id="4" name="Slide Number Placeholder 3">
             <a:extLst>
               <a:ext uri="{FF2B5EF4-FFF2-40B4-BE49-F238E27FC236}">
-                <a16:creationId xmlns:a16="http://schemas.microsoft.com/office/drawing/2014/main" id="{3289CBDB-BCBB-1449-956A-30F08A90E9A6}"/>
+                <a16:creationId xmlns:a16="http://schemas.microsoft.com/office/drawing/2014/main" id="{3D96EC03-C5AC-5747-91F9-526592A046A4}"/>
               </a:ext>
             </a:extLst>
           </p:cNvPr>
@@ -4916,122 +4998,10 @@
           </a:p>
         </p:txBody>
       </p:sp>
-      <p:sp>
-        <p:nvSpPr>
-          <p:cNvPr id="5" name="TextBox 4">
-            <a:extLst>
-              <a:ext uri="{FF2B5EF4-FFF2-40B4-BE49-F238E27FC236}">
-                <a16:creationId xmlns:a16="http://schemas.microsoft.com/office/drawing/2014/main" id="{7767E573-CEA8-5849-A6B5-35310CEC320F}"/>
-              </a:ext>
-            </a:extLst>
-          </p:cNvPr>
-          <p:cNvSpPr txBox="1"/>
-          <p:nvPr/>
-        </p:nvSpPr>
-        <p:spPr>
-          <a:xfrm>
-            <a:off x="2443842" y="4760205"/>
-            <a:ext cx="7304315" cy="830997"/>
-          </a:xfrm>
-          <a:prstGeom prst="rect">
-            <a:avLst/>
-          </a:prstGeom>
-          <a:solidFill>
-            <a:srgbClr val="002060"/>
-          </a:solidFill>
-        </p:spPr>
-        <p:txBody>
-          <a:bodyPr wrap="square" rtlCol="0">
-            <a:spAutoFit/>
-          </a:bodyPr>
-          <a:lstStyle/>
-          <a:p>
-            <a:r>
-              <a:rPr lang="es-ES" sz="2400" dirty="0">
-                <a:solidFill>
-                  <a:schemeClr val="bg1"/>
-                </a:solidFill>
-                <a:latin typeface="Consolas" panose="020B0609020204030204" pitchFamily="49" charset="0"/>
-                <a:cs typeface="Consolas" panose="020B0609020204030204" pitchFamily="49" charset="0"/>
-              </a:rPr>
-              <a:t>$ </a:t>
-            </a:r>
-            <a:r>
-              <a:rPr lang="es-ES" sz="2400" dirty="0" err="1">
-                <a:solidFill>
-                  <a:schemeClr val="bg1"/>
-                </a:solidFill>
-                <a:latin typeface="Consolas" panose="020B0609020204030204" pitchFamily="49" charset="0"/>
-                <a:cs typeface="Consolas" panose="020B0609020204030204" pitchFamily="49" charset="0"/>
-              </a:rPr>
-              <a:t>dotnet</a:t>
-            </a:r>
-            <a:r>
-              <a:rPr lang="es-ES" sz="2400" dirty="0">
-                <a:solidFill>
-                  <a:schemeClr val="bg1"/>
-                </a:solidFill>
-                <a:latin typeface="Consolas" panose="020B0609020204030204" pitchFamily="49" charset="0"/>
-                <a:cs typeface="Consolas" panose="020B0609020204030204" pitchFamily="49" charset="0"/>
-              </a:rPr>
-              <a:t> run</a:t>
-            </a:r>
-          </a:p>
-          <a:p>
-            <a:r>
-              <a:rPr lang="es-ES" sz="2400" dirty="0" err="1">
-                <a:solidFill>
-                  <a:schemeClr val="bg1"/>
-                </a:solidFill>
-                <a:latin typeface="Consolas" panose="020B0609020204030204" pitchFamily="49" charset="0"/>
-                <a:cs typeface="Consolas" panose="020B0609020204030204" pitchFamily="49" charset="0"/>
-              </a:rPr>
-              <a:t>Hello</a:t>
-            </a:r>
-            <a:r>
-              <a:rPr lang="es-ES" sz="2400" dirty="0">
-                <a:solidFill>
-                  <a:schemeClr val="bg1"/>
-                </a:solidFill>
-                <a:latin typeface="Consolas" panose="020B0609020204030204" pitchFamily="49" charset="0"/>
-                <a:cs typeface="Consolas" panose="020B0609020204030204" pitchFamily="49" charset="0"/>
-              </a:rPr>
-              <a:t>, </a:t>
-            </a:r>
-            <a:r>
-              <a:rPr lang="es-ES" sz="2400" dirty="0" err="1">
-                <a:solidFill>
-                  <a:schemeClr val="bg1"/>
-                </a:solidFill>
-                <a:latin typeface="Consolas" panose="020B0609020204030204" pitchFamily="49" charset="0"/>
-                <a:cs typeface="Consolas" panose="020B0609020204030204" pitchFamily="49" charset="0"/>
-              </a:rPr>
-              <a:t>World</a:t>
-            </a:r>
-            <a:r>
-              <a:rPr lang="es-ES" sz="2400" dirty="0">
-                <a:solidFill>
-                  <a:schemeClr val="bg1"/>
-                </a:solidFill>
-                <a:latin typeface="Consolas" panose="020B0609020204030204" pitchFamily="49" charset="0"/>
-                <a:cs typeface="Consolas" panose="020B0609020204030204" pitchFamily="49" charset="0"/>
-              </a:rPr>
-              <a:t>!</a:t>
-            </a:r>
-            <a:endParaRPr lang="en-ES" sz="2400" dirty="0">
-              <a:solidFill>
-                <a:schemeClr val="bg1"/>
-              </a:solidFill>
-              <a:latin typeface="Consolas" panose="020B0609020204030204" pitchFamily="49" charset="0"/>
-              <a:cs typeface="Consolas" panose="020B0609020204030204" pitchFamily="49" charset="0"/>
-            </a:endParaRPr>
-          </a:p>
-        </p:txBody>
-      </p:sp>
     </p:spTree>
     <p:extLst>
       <p:ext uri="{BB962C8B-B14F-4D97-AF65-F5344CB8AC3E}">
-        <p14:creationId xmlns:p14="http://schemas.microsoft.com/office/powerpoint/2010/main" val="154809569"/>
+        <p14:creationId xmlns:p14="http://schemas.microsoft.com/office/powerpoint/2010/main" val="2097511888"/>
       </p:ext>
     </p:extLst>
   </p:cSld>
@@ -5063,7 +5033,7 @@
           <p:cNvPr id="2" name="Title 1">
             <a:extLst>
               <a:ext uri="{FF2B5EF4-FFF2-40B4-BE49-F238E27FC236}">
-                <a16:creationId xmlns:a16="http://schemas.microsoft.com/office/drawing/2014/main" id="{D72EB187-EEB2-5444-9E28-8888B502A060}"/>
+                <a16:creationId xmlns:a16="http://schemas.microsoft.com/office/drawing/2014/main" id="{60EE8BD8-41F7-1C43-B3A9-1C1020A1F95F}"/>
               </a:ext>
             </a:extLst>
           </p:cNvPr>
@@ -5080,8 +5050,71 @@
           <a:lstStyle/>
           <a:p>
             <a:r>
-              <a:rPr lang="en-ES" dirty="0"/>
-              <a:t>Las capas de nuestro programa…</a:t>
+              <a:rPr lang="en-ES" dirty="0">
+                <a:cs typeface="Calibri" panose="020F0502020204030204" pitchFamily="34" charset="0"/>
+              </a:rPr>
+              <a:t>Ejecutar desde CLI</a:t>
+            </a:r>
+            <a:endParaRPr lang="en-ES" dirty="0"/>
+          </a:p>
+        </p:txBody>
+      </p:sp>
+      <p:sp>
+        <p:nvSpPr>
+          <p:cNvPr id="3" name="Content Placeholder 2">
+            <a:extLst>
+              <a:ext uri="{FF2B5EF4-FFF2-40B4-BE49-F238E27FC236}">
+                <a16:creationId xmlns:a16="http://schemas.microsoft.com/office/drawing/2014/main" id="{202D5B31-0B77-9048-B0B7-B10A948DD847}"/>
+              </a:ext>
+            </a:extLst>
+          </p:cNvPr>
+          <p:cNvSpPr>
+            <a:spLocks noGrp="1"/>
+          </p:cNvSpPr>
+          <p:nvPr>
+            <p:ph idx="1"/>
+          </p:nvPr>
+        </p:nvSpPr>
+        <p:spPr>
+          <a:xfrm>
+            <a:off x="838200" y="1825625"/>
+            <a:ext cx="10515600" cy="2169432"/>
+          </a:xfrm>
+        </p:spPr>
+        <p:txBody>
+          <a:bodyPr/>
+          <a:lstStyle/>
+          <a:p>
+            <a:r>
+              <a:rPr lang="en-ES" dirty="0"/>
+              <a:t>El comando "dotnet" es todo lo que necesitas</a:t>
+            </a:r>
+          </a:p>
+          <a:p>
+            <a:r>
+              <a:rPr lang="en-ES" dirty="0"/>
+              <a:t>Por defecto, "dotnet run"...:</a:t>
+            </a:r>
+          </a:p>
+          <a:p>
+            <a:pPr lvl="1"/>
+            <a:r>
+              <a:rPr lang="en-ES" dirty="0"/>
+              <a:t>Coge el único fichero *.csproj que haya en el directorio</a:t>
+            </a:r>
+          </a:p>
+          <a:p>
+            <a:pPr lvl="1"/>
+            <a:r>
+              <a:rPr lang="en-ES" dirty="0"/>
+              <a:t>Compila el artefacto que represente</a:t>
+            </a:r>
+          </a:p>
+          <a:p>
+            <a:pPr lvl="1"/>
+            <a:r>
+              <a:rPr lang="en-ES" dirty="0"/>
+              <a:t>Si el artefacto es una aplicación ejecutable, ¡la ejecuta!</a:t>
             </a:r>
           </a:p>
         </p:txBody>
@@ -5091,7 +5124,7 @@
           <p:cNvPr id="4" name="Slide Number Placeholder 3">
             <a:extLst>
               <a:ext uri="{FF2B5EF4-FFF2-40B4-BE49-F238E27FC236}">
-                <a16:creationId xmlns:a16="http://schemas.microsoft.com/office/drawing/2014/main" id="{7E43A5DB-8000-EF44-ADF5-C37405F57920}"/>
+                <a16:creationId xmlns:a16="http://schemas.microsoft.com/office/drawing/2014/main" id="{3289CBDB-BCBB-1449-956A-30F08A90E9A6}"/>
               </a:ext>
             </a:extLst>
           </p:cNvPr>
@@ -5110,6 +5143,205 @@
             <a:fld id="{AA58ECC7-594B-3F4D-BC70-865823762D99}" type="slidenum">
               <a:rPr lang="en-ES" smtClean="0"/>
               <a:t>15</a:t>
+            </a:fld>
+            <a:endParaRPr lang="en-ES"/>
+          </a:p>
+        </p:txBody>
+      </p:sp>
+      <p:sp>
+        <p:nvSpPr>
+          <p:cNvPr id="5" name="TextBox 4">
+            <a:extLst>
+              <a:ext uri="{FF2B5EF4-FFF2-40B4-BE49-F238E27FC236}">
+                <a16:creationId xmlns:a16="http://schemas.microsoft.com/office/drawing/2014/main" id="{7767E573-CEA8-5849-A6B5-35310CEC320F}"/>
+              </a:ext>
+            </a:extLst>
+          </p:cNvPr>
+          <p:cNvSpPr txBox="1"/>
+          <p:nvPr/>
+        </p:nvSpPr>
+        <p:spPr>
+          <a:xfrm>
+            <a:off x="2443842" y="4129994"/>
+            <a:ext cx="7304315" cy="830997"/>
+          </a:xfrm>
+          <a:prstGeom prst="rect">
+            <a:avLst/>
+          </a:prstGeom>
+          <a:solidFill>
+            <a:srgbClr val="002060"/>
+          </a:solidFill>
+        </p:spPr>
+        <p:txBody>
+          <a:bodyPr wrap="square" rtlCol="0">
+            <a:spAutoFit/>
+          </a:bodyPr>
+          <a:lstStyle/>
+          <a:p>
+            <a:r>
+              <a:rPr lang="es-ES" sz="2400" dirty="0">
+                <a:solidFill>
+                  <a:schemeClr val="bg1"/>
+                </a:solidFill>
+                <a:latin typeface="Consolas" panose="020B0609020204030204" pitchFamily="49" charset="0"/>
+                <a:cs typeface="Consolas" panose="020B0609020204030204" pitchFamily="49" charset="0"/>
+              </a:rPr>
+              <a:t>$ </a:t>
+            </a:r>
+            <a:r>
+              <a:rPr lang="es-ES" sz="2400" dirty="0" err="1">
+                <a:solidFill>
+                  <a:schemeClr val="bg1"/>
+                </a:solidFill>
+                <a:latin typeface="Consolas" panose="020B0609020204030204" pitchFamily="49" charset="0"/>
+                <a:cs typeface="Consolas" panose="020B0609020204030204" pitchFamily="49" charset="0"/>
+              </a:rPr>
+              <a:t>dotnet</a:t>
+            </a:r>
+            <a:r>
+              <a:rPr lang="es-ES" sz="2400" dirty="0">
+                <a:solidFill>
+                  <a:schemeClr val="bg1"/>
+                </a:solidFill>
+                <a:latin typeface="Consolas" panose="020B0609020204030204" pitchFamily="49" charset="0"/>
+                <a:cs typeface="Consolas" panose="020B0609020204030204" pitchFamily="49" charset="0"/>
+              </a:rPr>
+              <a:t> run</a:t>
+            </a:r>
+          </a:p>
+          <a:p>
+            <a:r>
+              <a:rPr lang="es-ES" sz="2400" dirty="0" err="1">
+                <a:solidFill>
+                  <a:schemeClr val="bg1"/>
+                </a:solidFill>
+                <a:latin typeface="Consolas" panose="020B0609020204030204" pitchFamily="49" charset="0"/>
+                <a:cs typeface="Consolas" panose="020B0609020204030204" pitchFamily="49" charset="0"/>
+              </a:rPr>
+              <a:t>Hello</a:t>
+            </a:r>
+            <a:r>
+              <a:rPr lang="es-ES" sz="2400" dirty="0">
+                <a:solidFill>
+                  <a:schemeClr val="bg1"/>
+                </a:solidFill>
+                <a:latin typeface="Consolas" panose="020B0609020204030204" pitchFamily="49" charset="0"/>
+                <a:cs typeface="Consolas" panose="020B0609020204030204" pitchFamily="49" charset="0"/>
+              </a:rPr>
+              <a:t>, </a:t>
+            </a:r>
+            <a:r>
+              <a:rPr lang="es-ES" sz="2400" dirty="0" err="1">
+                <a:solidFill>
+                  <a:schemeClr val="bg1"/>
+                </a:solidFill>
+                <a:latin typeface="Consolas" panose="020B0609020204030204" pitchFamily="49" charset="0"/>
+                <a:cs typeface="Consolas" panose="020B0609020204030204" pitchFamily="49" charset="0"/>
+              </a:rPr>
+              <a:t>World</a:t>
+            </a:r>
+            <a:r>
+              <a:rPr lang="es-ES" sz="2400" dirty="0">
+                <a:solidFill>
+                  <a:schemeClr val="bg1"/>
+                </a:solidFill>
+                <a:latin typeface="Consolas" panose="020B0609020204030204" pitchFamily="49" charset="0"/>
+                <a:cs typeface="Consolas" panose="020B0609020204030204" pitchFamily="49" charset="0"/>
+              </a:rPr>
+              <a:t>!</a:t>
+            </a:r>
+            <a:endParaRPr lang="en-ES" sz="2400" dirty="0">
+              <a:solidFill>
+                <a:schemeClr val="bg1"/>
+              </a:solidFill>
+              <a:latin typeface="Consolas" panose="020B0609020204030204" pitchFamily="49" charset="0"/>
+              <a:cs typeface="Consolas" panose="020B0609020204030204" pitchFamily="49" charset="0"/>
+            </a:endParaRPr>
+          </a:p>
+        </p:txBody>
+      </p:sp>
+    </p:spTree>
+    <p:extLst>
+      <p:ext uri="{BB962C8B-B14F-4D97-AF65-F5344CB8AC3E}">
+        <p14:creationId xmlns:p14="http://schemas.microsoft.com/office/powerpoint/2010/main" val="154809569"/>
+      </p:ext>
+    </p:extLst>
+  </p:cSld>
+  <p:clrMapOvr>
+    <a:masterClrMapping/>
+  </p:clrMapOvr>
+</p:sld>
+</file>
+
+<file path=ppt/slides/slide16.xml><?xml version="1.0" encoding="utf-8"?>
+<p:sld xmlns:a="http://schemas.openxmlformats.org/drawingml/2006/main" xmlns:r="http://schemas.openxmlformats.org/officeDocument/2006/relationships" xmlns:p="http://schemas.openxmlformats.org/presentationml/2006/main">
+  <p:cSld>
+    <p:spTree>
+      <p:nvGrpSpPr>
+        <p:cNvPr id="1" name=""/>
+        <p:cNvGrpSpPr/>
+        <p:nvPr/>
+      </p:nvGrpSpPr>
+      <p:grpSpPr>
+        <a:xfrm>
+          <a:off x="0" y="0"/>
+          <a:ext cx="0" cy="0"/>
+          <a:chOff x="0" y="0"/>
+          <a:chExt cx="0" cy="0"/>
+        </a:xfrm>
+      </p:grpSpPr>
+      <p:sp>
+        <p:nvSpPr>
+          <p:cNvPr id="2" name="Title 1">
+            <a:extLst>
+              <a:ext uri="{FF2B5EF4-FFF2-40B4-BE49-F238E27FC236}">
+                <a16:creationId xmlns:a16="http://schemas.microsoft.com/office/drawing/2014/main" id="{D72EB187-EEB2-5444-9E28-8888B502A060}"/>
+              </a:ext>
+            </a:extLst>
+          </p:cNvPr>
+          <p:cNvSpPr>
+            <a:spLocks noGrp="1"/>
+          </p:cNvSpPr>
+          <p:nvPr>
+            <p:ph type="title"/>
+          </p:nvPr>
+        </p:nvSpPr>
+        <p:spPr/>
+        <p:txBody>
+          <a:bodyPr/>
+          <a:lstStyle/>
+          <a:p>
+            <a:r>
+              <a:rPr lang="en-ES" dirty="0"/>
+              <a:t>Las capas de nuestro programa…</a:t>
+            </a:r>
+          </a:p>
+        </p:txBody>
+      </p:sp>
+      <p:sp>
+        <p:nvSpPr>
+          <p:cNvPr id="4" name="Slide Number Placeholder 3">
+            <a:extLst>
+              <a:ext uri="{FF2B5EF4-FFF2-40B4-BE49-F238E27FC236}">
+                <a16:creationId xmlns:a16="http://schemas.microsoft.com/office/drawing/2014/main" id="{7E43A5DB-8000-EF44-ADF5-C37405F57920}"/>
+              </a:ext>
+            </a:extLst>
+          </p:cNvPr>
+          <p:cNvSpPr>
+            <a:spLocks noGrp="1"/>
+          </p:cNvSpPr>
+          <p:nvPr>
+            <p:ph type="sldNum" sz="quarter" idx="12"/>
+          </p:nvPr>
+        </p:nvSpPr>
+        <p:spPr/>
+        <p:txBody>
+          <a:bodyPr/>
+          <a:lstStyle/>
+          <a:p>
+            <a:fld id="{AA58ECC7-594B-3F4D-BC70-865823762D99}" type="slidenum">
+              <a:rPr lang="en-ES" smtClean="0"/>
+              <a:t>16</a:t>
             </a:fld>
             <a:endParaRPr lang="en-ES"/>
           </a:p>
@@ -5160,7 +5392,7 @@
 </p:sld>
 </file>
 
-<file path=ppt/slides/slide16.xml><?xml version="1.0" encoding="utf-8"?>
+<file path=ppt/slides/slide17.xml><?xml version="1.0" encoding="utf-8"?>
 <p:sld xmlns:a="http://schemas.openxmlformats.org/drawingml/2006/main" xmlns:r="http://schemas.openxmlformats.org/officeDocument/2006/relationships" xmlns:p="http://schemas.openxmlformats.org/presentationml/2006/main">
   <p:cSld>
     <p:spTree>
@@ -5200,7 +5432,7 @@
           <a:p>
             <a:r>
               <a:rPr lang="en-ES" dirty="0"/>
-              <a:t>El punto de entrada</a:t>
+              <a:t>El punto de entrada / método principal</a:t>
             </a:r>
           </a:p>
         </p:txBody>
@@ -5228,7 +5460,7 @@
           <a:p>
             <a:fld id="{AA58ECC7-594B-3F4D-BC70-865823762D99}" type="slidenum">
               <a:rPr lang="en-ES" smtClean="0"/>
-              <a:t>16</a:t>
+              <a:t>17</a:t>
             </a:fld>
             <a:endParaRPr lang="en-ES"/>
           </a:p>
@@ -5333,7 +5565,7 @@
 </p:sld>
 </file>
 
-<file path=ppt/slides/slide17.xml><?xml version="1.0" encoding="utf-8"?>
+<file path=ppt/slides/slide18.xml><?xml version="1.0" encoding="utf-8"?>
 <p:sld xmlns:a="http://schemas.openxmlformats.org/drawingml/2006/main" xmlns:r="http://schemas.openxmlformats.org/officeDocument/2006/relationships" xmlns:p="http://schemas.openxmlformats.org/presentationml/2006/main">
   <p:cSld>
     <p:spTree>
@@ -5401,7 +5633,7 @@
           <a:p>
             <a:fld id="{AA58ECC7-594B-3F4D-BC70-865823762D99}" type="slidenum">
               <a:rPr lang="en-ES" smtClean="0"/>
-              <a:t>17</a:t>
+              <a:t>18</a:t>
             </a:fld>
             <a:endParaRPr lang="en-ES"/>
           </a:p>
@@ -5506,7 +5738,7 @@
 </p:sld>
 </file>
 
-<file path=ppt/slides/slide18.xml><?xml version="1.0" encoding="utf-8"?>
+<file path=ppt/slides/slide19.xml><?xml version="1.0" encoding="utf-8"?>
 <p:sld xmlns:a="http://schemas.openxmlformats.org/drawingml/2006/main" xmlns:r="http://schemas.openxmlformats.org/officeDocument/2006/relationships" xmlns:p="http://schemas.openxmlformats.org/presentationml/2006/main">
   <p:cSld>
     <p:spTree>
@@ -5574,7 +5806,7 @@
           <a:p>
             <a:fld id="{AA58ECC7-594B-3F4D-BC70-865823762D99}" type="slidenum">
               <a:rPr lang="en-ES" smtClean="0"/>
-              <a:t>18</a:t>
+              <a:t>19</a:t>
             </a:fld>
             <a:endParaRPr lang="en-ES"/>
           </a:p>
@@ -5679,7 +5911,7 @@
 </p:sld>
 </file>
 
-<file path=ppt/slides/slide19.xml><?xml version="1.0" encoding="utf-8"?>
+<file path=ppt/slides/slide2.xml><?xml version="1.0" encoding="utf-8"?>
 <p:sld xmlns:a="http://schemas.openxmlformats.org/drawingml/2006/main" xmlns:r="http://schemas.openxmlformats.org/officeDocument/2006/relationships" xmlns:p="http://schemas.openxmlformats.org/presentationml/2006/main">
   <p:cSld>
     <p:spTree>
@@ -5701,7 +5933,7 @@
           <p:cNvPr id="2" name="Title 1">
             <a:extLst>
               <a:ext uri="{FF2B5EF4-FFF2-40B4-BE49-F238E27FC236}">
-                <a16:creationId xmlns:a16="http://schemas.microsoft.com/office/drawing/2014/main" id="{D72EB187-EEB2-5444-9E28-8888B502A060}"/>
+                <a16:creationId xmlns:a16="http://schemas.microsoft.com/office/drawing/2014/main" id="{BA499192-07E3-514D-AFC7-51EF0161F0E0}"/>
               </a:ext>
             </a:extLst>
           </p:cNvPr>
@@ -5719,8 +5951,233 @@
           <a:p>
             <a:r>
               <a:rPr lang="en-ES" dirty="0"/>
-              <a:t>Los espacios de nombres que usamos</a:t>
-            </a:r>
+              <a:t>Sobre este taller</a:t>
+            </a:r>
+          </a:p>
+        </p:txBody>
+      </p:sp>
+      <p:sp>
+        <p:nvSpPr>
+          <p:cNvPr id="3" name="Content Placeholder 2">
+            <a:extLst>
+              <a:ext uri="{FF2B5EF4-FFF2-40B4-BE49-F238E27FC236}">
+                <a16:creationId xmlns:a16="http://schemas.microsoft.com/office/drawing/2014/main" id="{0BE252FC-3352-2D45-BC86-EEA588D01538}"/>
+              </a:ext>
+            </a:extLst>
+          </p:cNvPr>
+          <p:cNvSpPr>
+            <a:spLocks noGrp="1"/>
+          </p:cNvSpPr>
+          <p:nvPr>
+            <p:ph idx="1"/>
+          </p:nvPr>
+        </p:nvSpPr>
+        <p:spPr/>
+        <p:txBody>
+          <a:bodyPr/>
+          <a:lstStyle/>
+          <a:p>
+            <a:r>
+              <a:rPr lang="en-ES" dirty="0"/>
+              <a:t>Materiales disponibles en GitHub</a:t>
+            </a:r>
+          </a:p>
+          <a:p>
+            <a:pPr lvl="1"/>
+            <a:r>
+              <a:rPr lang="en-GB" dirty="0">
+                <a:latin typeface="Consolas" panose="020B0609020204030204" pitchFamily="49" charset="0"/>
+                <a:ea typeface="Fira Code" panose="020B0809050000020004" pitchFamily="49" charset="0"/>
+                <a:cs typeface="Consolas" panose="020B0609020204030204" pitchFamily="49" charset="0"/>
+                <a:hlinkClick r:id="rId2"/>
+              </a:rPr>
+              <a:t>https://github.com/SergioLuis/</a:t>
+            </a:r>
+            <a:r>
+              <a:rPr lang="en-GB" sz="2800" b="1" dirty="0">
+                <a:latin typeface="Consolas" panose="020B0609020204030204" pitchFamily="49" charset="0"/>
+                <a:ea typeface="Fira Code" panose="020B0809050000020004" pitchFamily="49" charset="0"/>
+                <a:cs typeface="Consolas" panose="020B0609020204030204" pitchFamily="49" charset="0"/>
+                <a:hlinkClick r:id="rId2"/>
+              </a:rPr>
+              <a:t>hour-of-code-uva-2021</a:t>
+            </a:r>
+            <a:endParaRPr lang="en-GB" sz="2800" b="1" dirty="0">
+              <a:latin typeface="Consolas" panose="020B0609020204030204" pitchFamily="49" charset="0"/>
+              <a:ea typeface="Fira Code" panose="020B0809050000020004" pitchFamily="49" charset="0"/>
+              <a:cs typeface="Consolas" panose="020B0609020204030204" pitchFamily="49" charset="0"/>
+            </a:endParaRPr>
+          </a:p>
+          <a:p>
+            <a:r>
+              <a:rPr lang="en-GB" dirty="0">
+                <a:latin typeface="Consolas" panose="020B0609020204030204" pitchFamily="49" charset="0"/>
+                <a:cs typeface="Consolas" panose="020B0609020204030204" pitchFamily="49" charset="0"/>
+              </a:rPr>
+              <a:t>/</a:t>
+            </a:r>
+            <a:r>
+              <a:rPr lang="en-GB" dirty="0" err="1">
+                <a:latin typeface="Consolas" panose="020B0609020204030204" pitchFamily="49" charset="0"/>
+                <a:cs typeface="Consolas" panose="020B0609020204030204" pitchFamily="49" charset="0"/>
+              </a:rPr>
+              <a:t>slides.pptx</a:t>
+            </a:r>
+            <a:endParaRPr lang="en-GB" dirty="0">
+              <a:latin typeface="Consolas" panose="020B0609020204030204" pitchFamily="49" charset="0"/>
+              <a:cs typeface="Consolas" panose="020B0609020204030204" pitchFamily="49" charset="0"/>
+            </a:endParaRPr>
+          </a:p>
+          <a:p>
+            <a:pPr lvl="1"/>
+            <a:r>
+              <a:rPr lang="en-GB" dirty="0" err="1"/>
+              <a:t>Esta</a:t>
+            </a:r>
+            <a:r>
+              <a:rPr lang="en-GB" dirty="0"/>
+              <a:t> </a:t>
+            </a:r>
+            <a:r>
+              <a:rPr lang="en-GB" dirty="0" err="1"/>
+              <a:t>presentación</a:t>
+            </a:r>
+            <a:r>
+              <a:rPr lang="en-GB" dirty="0"/>
+              <a:t> que </a:t>
+            </a:r>
+            <a:r>
+              <a:rPr lang="en-GB" dirty="0" err="1"/>
+              <a:t>estás</a:t>
+            </a:r>
+            <a:r>
+              <a:rPr lang="en-GB" dirty="0"/>
+              <a:t> </a:t>
+            </a:r>
+            <a:r>
+              <a:rPr lang="en-GB" dirty="0" err="1"/>
+              <a:t>viendo</a:t>
+            </a:r>
+            <a:endParaRPr lang="en-GB" dirty="0"/>
+          </a:p>
+          <a:p>
+            <a:pPr lvl="1"/>
+            <a:r>
+              <a:rPr lang="en-GB" dirty="0"/>
+              <a:t>Hay </a:t>
+            </a:r>
+            <a:r>
+              <a:rPr lang="en-GB" dirty="0" err="1"/>
+              <a:t>diapositivas</a:t>
+            </a:r>
+            <a:r>
+              <a:rPr lang="en-GB" dirty="0"/>
+              <a:t> extra con </a:t>
+            </a:r>
+            <a:r>
+              <a:rPr lang="en-GB" dirty="0" err="1"/>
+              <a:t>contenido</a:t>
+            </a:r>
+            <a:r>
+              <a:rPr lang="en-GB" dirty="0"/>
+              <a:t> que no </a:t>
+            </a:r>
+            <a:r>
+              <a:rPr lang="en-GB" dirty="0" err="1"/>
+              <a:t>vamos</a:t>
+            </a:r>
+            <a:r>
+              <a:rPr lang="en-GB" dirty="0"/>
+              <a:t> a </a:t>
+            </a:r>
+            <a:r>
+              <a:rPr lang="en-GB" dirty="0" err="1"/>
+              <a:t>ver</a:t>
+            </a:r>
+            <a:r>
+              <a:rPr lang="en-GB" dirty="0"/>
+              <a:t> </a:t>
+            </a:r>
+            <a:r>
+              <a:rPr lang="en-GB" dirty="0" err="1"/>
+              <a:t>durante</a:t>
+            </a:r>
+            <a:r>
+              <a:rPr lang="en-GB" dirty="0"/>
+              <a:t> </a:t>
+            </a:r>
+            <a:r>
+              <a:rPr lang="en-GB" dirty="0" err="1"/>
+              <a:t>este</a:t>
+            </a:r>
+            <a:r>
+              <a:rPr lang="en-GB" dirty="0"/>
+              <a:t> taller</a:t>
+            </a:r>
+          </a:p>
+          <a:p>
+            <a:r>
+              <a:rPr lang="en-GB" dirty="0">
+                <a:latin typeface="Consolas" panose="020B0609020204030204" pitchFamily="49" charset="0"/>
+                <a:cs typeface="Consolas" panose="020B0609020204030204" pitchFamily="49" charset="0"/>
+              </a:rPr>
+              <a:t>/</a:t>
+            </a:r>
+            <a:r>
+              <a:rPr lang="en-GB" dirty="0" err="1">
+                <a:latin typeface="Consolas" panose="020B0609020204030204" pitchFamily="49" charset="0"/>
+                <a:cs typeface="Consolas" panose="020B0609020204030204" pitchFamily="49" charset="0"/>
+              </a:rPr>
+              <a:t>src</a:t>
+            </a:r>
+            <a:endParaRPr lang="en-GB" dirty="0">
+              <a:latin typeface="Consolas" panose="020B0609020204030204" pitchFamily="49" charset="0"/>
+              <a:cs typeface="Consolas" panose="020B0609020204030204" pitchFamily="49" charset="0"/>
+            </a:endParaRPr>
+          </a:p>
+          <a:p>
+            <a:pPr lvl="1"/>
+            <a:r>
+              <a:rPr lang="en-GB" dirty="0"/>
+              <a:t>El </a:t>
+            </a:r>
+            <a:r>
+              <a:rPr lang="en-GB" dirty="0" err="1"/>
+              <a:t>código</a:t>
+            </a:r>
+            <a:r>
+              <a:rPr lang="en-GB" dirty="0"/>
+              <a:t> de </a:t>
+            </a:r>
+            <a:r>
+              <a:rPr lang="en-GB" dirty="0" err="1"/>
+              <a:t>ejemplo</a:t>
+            </a:r>
+            <a:r>
+              <a:rPr lang="en-GB" dirty="0"/>
+              <a:t> </a:t>
+            </a:r>
+            <a:r>
+              <a:rPr lang="en-GB" dirty="0" err="1"/>
+              <a:t>sobre</a:t>
+            </a:r>
+            <a:r>
+              <a:rPr lang="en-GB" dirty="0"/>
+              <a:t> el que </a:t>
+            </a:r>
+            <a:r>
+              <a:rPr lang="en-GB" dirty="0" err="1"/>
+              <a:t>vamos</a:t>
+            </a:r>
+            <a:r>
+              <a:rPr lang="en-GB" dirty="0"/>
+              <a:t> a </a:t>
+            </a:r>
+            <a:r>
+              <a:rPr lang="en-GB" dirty="0" err="1"/>
+              <a:t>trabajar</a:t>
+            </a:r>
+            <a:endParaRPr lang="en-GB" dirty="0"/>
           </a:p>
         </p:txBody>
       </p:sp>
@@ -5729,7 +6186,7 @@
           <p:cNvPr id="4" name="Slide Number Placeholder 3">
             <a:extLst>
               <a:ext uri="{FF2B5EF4-FFF2-40B4-BE49-F238E27FC236}">
-                <a16:creationId xmlns:a16="http://schemas.microsoft.com/office/drawing/2014/main" id="{7E43A5DB-8000-EF44-ADF5-C37405F57920}"/>
+                <a16:creationId xmlns:a16="http://schemas.microsoft.com/office/drawing/2014/main" id="{0330DC9B-D6DD-7645-85FE-3F4D2DB4514E}"/>
               </a:ext>
             </a:extLst>
           </p:cNvPr>
@@ -5747,7 +6204,94 @@
           <a:p>
             <a:fld id="{AA58ECC7-594B-3F4D-BC70-865823762D99}" type="slidenum">
               <a:rPr lang="en-ES" smtClean="0"/>
-              <a:t>19</a:t>
+              <a:t>2</a:t>
+            </a:fld>
+            <a:endParaRPr lang="en-ES"/>
+          </a:p>
+        </p:txBody>
+      </p:sp>
+    </p:spTree>
+    <p:extLst>
+      <p:ext uri="{BB962C8B-B14F-4D97-AF65-F5344CB8AC3E}">
+        <p14:creationId xmlns:p14="http://schemas.microsoft.com/office/powerpoint/2010/main" val="1657302637"/>
+      </p:ext>
+    </p:extLst>
+  </p:cSld>
+  <p:clrMapOvr>
+    <a:masterClrMapping/>
+  </p:clrMapOvr>
+</p:sld>
+</file>
+
+<file path=ppt/slides/slide20.xml><?xml version="1.0" encoding="utf-8"?>
+<p:sld xmlns:a="http://schemas.openxmlformats.org/drawingml/2006/main" xmlns:r="http://schemas.openxmlformats.org/officeDocument/2006/relationships" xmlns:p="http://schemas.openxmlformats.org/presentationml/2006/main">
+  <p:cSld>
+    <p:spTree>
+      <p:nvGrpSpPr>
+        <p:cNvPr id="1" name=""/>
+        <p:cNvGrpSpPr/>
+        <p:nvPr/>
+      </p:nvGrpSpPr>
+      <p:grpSpPr>
+        <a:xfrm>
+          <a:off x="0" y="0"/>
+          <a:ext cx="0" cy="0"/>
+          <a:chOff x="0" y="0"/>
+          <a:chExt cx="0" cy="0"/>
+        </a:xfrm>
+      </p:grpSpPr>
+      <p:sp>
+        <p:nvSpPr>
+          <p:cNvPr id="2" name="Title 1">
+            <a:extLst>
+              <a:ext uri="{FF2B5EF4-FFF2-40B4-BE49-F238E27FC236}">
+                <a16:creationId xmlns:a16="http://schemas.microsoft.com/office/drawing/2014/main" id="{D72EB187-EEB2-5444-9E28-8888B502A060}"/>
+              </a:ext>
+            </a:extLst>
+          </p:cNvPr>
+          <p:cNvSpPr>
+            <a:spLocks noGrp="1"/>
+          </p:cNvSpPr>
+          <p:nvPr>
+            <p:ph type="title"/>
+          </p:nvPr>
+        </p:nvSpPr>
+        <p:spPr/>
+        <p:txBody>
+          <a:bodyPr/>
+          <a:lstStyle/>
+          <a:p>
+            <a:r>
+              <a:rPr lang="en-ES" dirty="0"/>
+              <a:t>Los espacios de nombres que usamos</a:t>
+            </a:r>
+          </a:p>
+        </p:txBody>
+      </p:sp>
+      <p:sp>
+        <p:nvSpPr>
+          <p:cNvPr id="4" name="Slide Number Placeholder 3">
+            <a:extLst>
+              <a:ext uri="{FF2B5EF4-FFF2-40B4-BE49-F238E27FC236}">
+                <a16:creationId xmlns:a16="http://schemas.microsoft.com/office/drawing/2014/main" id="{7E43A5DB-8000-EF44-ADF5-C37405F57920}"/>
+              </a:ext>
+            </a:extLst>
+          </p:cNvPr>
+          <p:cNvSpPr>
+            <a:spLocks noGrp="1"/>
+          </p:cNvSpPr>
+          <p:nvPr>
+            <p:ph type="sldNum" sz="quarter" idx="12"/>
+          </p:nvPr>
+        </p:nvSpPr>
+        <p:spPr/>
+        <p:txBody>
+          <a:bodyPr/>
+          <a:lstStyle/>
+          <a:p>
+            <a:fld id="{AA58ECC7-594B-3F4D-BC70-865823762D99}" type="slidenum">
+              <a:rPr lang="en-ES" smtClean="0"/>
+              <a:t>20</a:t>
             </a:fld>
             <a:endParaRPr lang="en-ES"/>
           </a:p>
@@ -5852,7 +6396,7 @@
 </p:sld>
 </file>
 
-<file path=ppt/slides/slide2.xml><?xml version="1.0" encoding="utf-8"?>
+<file path=ppt/slides/slide21.xml><?xml version="1.0" encoding="utf-8"?>
 <p:sld xmlns:a="http://schemas.openxmlformats.org/drawingml/2006/main" xmlns:r="http://schemas.openxmlformats.org/officeDocument/2006/relationships" xmlns:p="http://schemas.openxmlformats.org/presentationml/2006/main">
   <p:cSld>
     <p:spTree>
@@ -5874,7 +6418,7 @@
           <p:cNvPr id="2" name="Title 1">
             <a:extLst>
               <a:ext uri="{FF2B5EF4-FFF2-40B4-BE49-F238E27FC236}">
-                <a16:creationId xmlns:a16="http://schemas.microsoft.com/office/drawing/2014/main" id="{BA499192-07E3-514D-AFC7-51EF0161F0E0}"/>
+                <a16:creationId xmlns:a16="http://schemas.microsoft.com/office/drawing/2014/main" id="{D72EB187-EEB2-5444-9E28-8888B502A060}"/>
               </a:ext>
             </a:extLst>
           </p:cNvPr>
@@ -5892,233 +6436,16 @@
           <a:p>
             <a:r>
               <a:rPr lang="en-ES" dirty="0"/>
-              <a:t>Sobre este taller</a:t>
-            </a:r>
-          </a:p>
-        </p:txBody>
-      </p:sp>
-      <p:sp>
-        <p:nvSpPr>
-          <p:cNvPr id="3" name="Content Placeholder 2">
-            <a:extLst>
-              <a:ext uri="{FF2B5EF4-FFF2-40B4-BE49-F238E27FC236}">
-                <a16:creationId xmlns:a16="http://schemas.microsoft.com/office/drawing/2014/main" id="{0BE252FC-3352-2D45-BC86-EEA588D01538}"/>
-              </a:ext>
-            </a:extLst>
-          </p:cNvPr>
-          <p:cNvSpPr>
-            <a:spLocks noGrp="1"/>
-          </p:cNvSpPr>
-          <p:nvPr>
-            <p:ph idx="1"/>
-          </p:nvPr>
-        </p:nvSpPr>
-        <p:spPr/>
-        <p:txBody>
-          <a:bodyPr/>
-          <a:lstStyle/>
-          <a:p>
-            <a:r>
-              <a:rPr lang="en-ES" dirty="0"/>
-              <a:t>Materiales disponibles en GitHub</a:t>
-            </a:r>
-          </a:p>
-          <a:p>
-            <a:pPr lvl="1"/>
-            <a:r>
-              <a:rPr lang="en-GB" dirty="0">
-                <a:latin typeface="Consolas" panose="020B0609020204030204" pitchFamily="49" charset="0"/>
-                <a:ea typeface="Fira Code" panose="020B0809050000020004" pitchFamily="49" charset="0"/>
-                <a:cs typeface="Consolas" panose="020B0609020204030204" pitchFamily="49" charset="0"/>
-                <a:hlinkClick r:id="rId2"/>
-              </a:rPr>
-              <a:t>https://github.com/SergioLuis/</a:t>
-            </a:r>
-            <a:r>
-              <a:rPr lang="en-GB" sz="2800" b="1" dirty="0">
-                <a:latin typeface="Consolas" panose="020B0609020204030204" pitchFamily="49" charset="0"/>
-                <a:ea typeface="Fira Code" panose="020B0809050000020004" pitchFamily="49" charset="0"/>
-                <a:cs typeface="Consolas" panose="020B0609020204030204" pitchFamily="49" charset="0"/>
-                <a:hlinkClick r:id="rId2"/>
-              </a:rPr>
-              <a:t>hour-of-code-uva-2021</a:t>
-            </a:r>
-            <a:endParaRPr lang="en-GB" sz="2800" b="1" dirty="0">
-              <a:latin typeface="Consolas" panose="020B0609020204030204" pitchFamily="49" charset="0"/>
-              <a:ea typeface="Fira Code" panose="020B0809050000020004" pitchFamily="49" charset="0"/>
-              <a:cs typeface="Consolas" panose="020B0609020204030204" pitchFamily="49" charset="0"/>
-            </a:endParaRPr>
-          </a:p>
-          <a:p>
-            <a:r>
-              <a:rPr lang="en-GB" dirty="0">
-                <a:latin typeface="Consolas" panose="020B0609020204030204" pitchFamily="49" charset="0"/>
-                <a:cs typeface="Consolas" panose="020B0609020204030204" pitchFamily="49" charset="0"/>
-              </a:rPr>
-              <a:t>/</a:t>
-            </a:r>
-            <a:r>
-              <a:rPr lang="en-GB" dirty="0" err="1">
-                <a:latin typeface="Consolas" panose="020B0609020204030204" pitchFamily="49" charset="0"/>
-                <a:cs typeface="Consolas" panose="020B0609020204030204" pitchFamily="49" charset="0"/>
-              </a:rPr>
-              <a:t>slides.pptx</a:t>
-            </a:r>
-            <a:endParaRPr lang="en-GB" dirty="0">
-              <a:latin typeface="Consolas" panose="020B0609020204030204" pitchFamily="49" charset="0"/>
-              <a:cs typeface="Consolas" panose="020B0609020204030204" pitchFamily="49" charset="0"/>
-            </a:endParaRPr>
-          </a:p>
-          <a:p>
-            <a:pPr lvl="1"/>
-            <a:r>
-              <a:rPr lang="en-GB" dirty="0" err="1"/>
-              <a:t>Esta</a:t>
-            </a:r>
-            <a:r>
-              <a:rPr lang="en-GB" dirty="0"/>
-              <a:t> </a:t>
-            </a:r>
-            <a:r>
-              <a:rPr lang="en-GB" dirty="0" err="1"/>
-              <a:t>presentación</a:t>
-            </a:r>
-            <a:r>
-              <a:rPr lang="en-GB" dirty="0"/>
-              <a:t> que </a:t>
-            </a:r>
-            <a:r>
-              <a:rPr lang="en-GB" dirty="0" err="1"/>
-              <a:t>estás</a:t>
-            </a:r>
-            <a:r>
-              <a:rPr lang="en-GB" dirty="0"/>
-              <a:t> </a:t>
-            </a:r>
-            <a:r>
-              <a:rPr lang="en-GB" dirty="0" err="1"/>
-              <a:t>viendo</a:t>
-            </a:r>
-            <a:endParaRPr lang="en-GB" dirty="0"/>
-          </a:p>
-          <a:p>
-            <a:pPr lvl="1"/>
-            <a:r>
-              <a:rPr lang="en-GB" dirty="0"/>
-              <a:t>Hay </a:t>
-            </a:r>
-            <a:r>
-              <a:rPr lang="en-GB" dirty="0" err="1"/>
-              <a:t>diapositivas</a:t>
-            </a:r>
-            <a:r>
-              <a:rPr lang="en-GB" dirty="0"/>
-              <a:t> extra con </a:t>
-            </a:r>
-            <a:r>
-              <a:rPr lang="en-GB" dirty="0" err="1"/>
-              <a:t>contenido</a:t>
-            </a:r>
-            <a:r>
-              <a:rPr lang="en-GB" dirty="0"/>
-              <a:t> que no </a:t>
-            </a:r>
-            <a:r>
-              <a:rPr lang="en-GB" dirty="0" err="1"/>
-              <a:t>vamos</a:t>
-            </a:r>
-            <a:r>
-              <a:rPr lang="en-GB" dirty="0"/>
-              <a:t> a </a:t>
-            </a:r>
-            <a:r>
-              <a:rPr lang="en-GB" dirty="0" err="1"/>
-              <a:t>ver</a:t>
-            </a:r>
-            <a:r>
-              <a:rPr lang="en-GB" dirty="0"/>
-              <a:t> </a:t>
-            </a:r>
-            <a:r>
-              <a:rPr lang="en-GB" dirty="0" err="1"/>
-              <a:t>durante</a:t>
-            </a:r>
-            <a:r>
-              <a:rPr lang="en-GB" dirty="0"/>
-              <a:t> </a:t>
-            </a:r>
-            <a:r>
-              <a:rPr lang="en-GB" dirty="0" err="1"/>
-              <a:t>este</a:t>
-            </a:r>
-            <a:r>
-              <a:rPr lang="en-GB" dirty="0"/>
-              <a:t> taller</a:t>
-            </a:r>
-          </a:p>
-          <a:p>
-            <a:r>
-              <a:rPr lang="en-GB" dirty="0">
-                <a:latin typeface="Consolas" panose="020B0609020204030204" pitchFamily="49" charset="0"/>
-                <a:cs typeface="Consolas" panose="020B0609020204030204" pitchFamily="49" charset="0"/>
-              </a:rPr>
-              <a:t>/</a:t>
-            </a:r>
-            <a:r>
-              <a:rPr lang="en-GB" dirty="0" err="1">
-                <a:latin typeface="Consolas" panose="020B0609020204030204" pitchFamily="49" charset="0"/>
-                <a:cs typeface="Consolas" panose="020B0609020204030204" pitchFamily="49" charset="0"/>
-              </a:rPr>
-              <a:t>src</a:t>
-            </a:r>
-            <a:endParaRPr lang="en-GB" dirty="0">
-              <a:latin typeface="Consolas" panose="020B0609020204030204" pitchFamily="49" charset="0"/>
-              <a:cs typeface="Consolas" panose="020B0609020204030204" pitchFamily="49" charset="0"/>
-            </a:endParaRPr>
-          </a:p>
-          <a:p>
-            <a:pPr lvl="1"/>
-            <a:r>
-              <a:rPr lang="en-GB" dirty="0"/>
-              <a:t>El </a:t>
-            </a:r>
-            <a:r>
-              <a:rPr lang="en-GB" dirty="0" err="1"/>
-              <a:t>código</a:t>
-            </a:r>
-            <a:r>
-              <a:rPr lang="en-GB" dirty="0"/>
-              <a:t> de </a:t>
-            </a:r>
-            <a:r>
-              <a:rPr lang="en-GB" dirty="0" err="1"/>
-              <a:t>ejemplo</a:t>
-            </a:r>
-            <a:r>
-              <a:rPr lang="en-GB" dirty="0"/>
-              <a:t> </a:t>
-            </a:r>
-            <a:r>
-              <a:rPr lang="en-GB" dirty="0" err="1"/>
-              <a:t>sobre</a:t>
-            </a:r>
-            <a:r>
-              <a:rPr lang="en-GB" dirty="0"/>
-              <a:t> el que </a:t>
-            </a:r>
-            <a:r>
-              <a:rPr lang="en-GB" dirty="0" err="1"/>
-              <a:t>vamos</a:t>
-            </a:r>
-            <a:r>
-              <a:rPr lang="en-GB" dirty="0"/>
-              <a:t> a </a:t>
-            </a:r>
-            <a:r>
-              <a:rPr lang="en-GB" dirty="0" err="1"/>
-              <a:t>trabajar</a:t>
-            </a:r>
-            <a:endParaRPr lang="en-GB" dirty="0"/>
+              <a:t>¡Nuestro código </a:t>
+            </a:r>
+            <a:r>
+              <a:rPr lang="en-ES" i="1" dirty="0"/>
+              <a:t>“útil”</a:t>
+            </a:r>
+            <a:r>
+              <a:rPr lang="en-ES" dirty="0"/>
+              <a:t>!</a:t>
+            </a:r>
           </a:p>
         </p:txBody>
       </p:sp>
@@ -6127,7 +6454,7 @@
           <p:cNvPr id="4" name="Slide Number Placeholder 3">
             <a:extLst>
               <a:ext uri="{FF2B5EF4-FFF2-40B4-BE49-F238E27FC236}">
-                <a16:creationId xmlns:a16="http://schemas.microsoft.com/office/drawing/2014/main" id="{0330DC9B-D6DD-7645-85FE-3F4D2DB4514E}"/>
+                <a16:creationId xmlns:a16="http://schemas.microsoft.com/office/drawing/2014/main" id="{7E43A5DB-8000-EF44-ADF5-C37405F57920}"/>
               </a:ext>
             </a:extLst>
           </p:cNvPr>
@@ -6145,102 +6472,7 @@
           <a:p>
             <a:fld id="{AA58ECC7-594B-3F4D-BC70-865823762D99}" type="slidenum">
               <a:rPr lang="en-ES" smtClean="0"/>
-              <a:t>2</a:t>
-            </a:fld>
-            <a:endParaRPr lang="en-ES"/>
-          </a:p>
-        </p:txBody>
-      </p:sp>
-    </p:spTree>
-    <p:extLst>
-      <p:ext uri="{BB962C8B-B14F-4D97-AF65-F5344CB8AC3E}">
-        <p14:creationId xmlns:p14="http://schemas.microsoft.com/office/powerpoint/2010/main" val="1657302637"/>
-      </p:ext>
-    </p:extLst>
-  </p:cSld>
-  <p:clrMapOvr>
-    <a:masterClrMapping/>
-  </p:clrMapOvr>
-</p:sld>
-</file>
-
-<file path=ppt/slides/slide20.xml><?xml version="1.0" encoding="utf-8"?>
-<p:sld xmlns:a="http://schemas.openxmlformats.org/drawingml/2006/main" xmlns:r="http://schemas.openxmlformats.org/officeDocument/2006/relationships" xmlns:p="http://schemas.openxmlformats.org/presentationml/2006/main">
-  <p:cSld>
-    <p:spTree>
-      <p:nvGrpSpPr>
-        <p:cNvPr id="1" name=""/>
-        <p:cNvGrpSpPr/>
-        <p:nvPr/>
-      </p:nvGrpSpPr>
-      <p:grpSpPr>
-        <a:xfrm>
-          <a:off x="0" y="0"/>
-          <a:ext cx="0" cy="0"/>
-          <a:chOff x="0" y="0"/>
-          <a:chExt cx="0" cy="0"/>
-        </a:xfrm>
-      </p:grpSpPr>
-      <p:sp>
-        <p:nvSpPr>
-          <p:cNvPr id="2" name="Title 1">
-            <a:extLst>
-              <a:ext uri="{FF2B5EF4-FFF2-40B4-BE49-F238E27FC236}">
-                <a16:creationId xmlns:a16="http://schemas.microsoft.com/office/drawing/2014/main" id="{D72EB187-EEB2-5444-9E28-8888B502A060}"/>
-              </a:ext>
-            </a:extLst>
-          </p:cNvPr>
-          <p:cNvSpPr>
-            <a:spLocks noGrp="1"/>
-          </p:cNvSpPr>
-          <p:nvPr>
-            <p:ph type="title"/>
-          </p:nvPr>
-        </p:nvSpPr>
-        <p:spPr/>
-        <p:txBody>
-          <a:bodyPr/>
-          <a:lstStyle/>
-          <a:p>
-            <a:r>
-              <a:rPr lang="en-ES" dirty="0"/>
-              <a:t>¡Nuestro código </a:t>
-            </a:r>
-            <a:r>
-              <a:rPr lang="en-ES" i="1" dirty="0"/>
-              <a:t>“útil”</a:t>
-            </a:r>
-            <a:r>
-              <a:rPr lang="en-ES" dirty="0"/>
-              <a:t>!</a:t>
-            </a:r>
-          </a:p>
-        </p:txBody>
-      </p:sp>
-      <p:sp>
-        <p:nvSpPr>
-          <p:cNvPr id="4" name="Slide Number Placeholder 3">
-            <a:extLst>
-              <a:ext uri="{FF2B5EF4-FFF2-40B4-BE49-F238E27FC236}">
-                <a16:creationId xmlns:a16="http://schemas.microsoft.com/office/drawing/2014/main" id="{7E43A5DB-8000-EF44-ADF5-C37405F57920}"/>
-              </a:ext>
-            </a:extLst>
-          </p:cNvPr>
-          <p:cNvSpPr>
-            <a:spLocks noGrp="1"/>
-          </p:cNvSpPr>
-          <p:nvPr>
-            <p:ph type="sldNum" sz="quarter" idx="12"/>
-          </p:nvPr>
-        </p:nvSpPr>
-        <p:spPr/>
-        <p:txBody>
-          <a:bodyPr/>
-          <a:lstStyle/>
-          <a:p>
-            <a:fld id="{AA58ECC7-594B-3F4D-BC70-865823762D99}" type="slidenum">
-              <a:rPr lang="en-ES" smtClean="0"/>
-              <a:t>20</a:t>
+              <a:t>21</a:t>
             </a:fld>
             <a:endParaRPr lang="en-ES"/>
           </a:p>
@@ -6345,7 +6577,7 @@
 </p:sld>
 </file>
 
-<file path=ppt/slides/slide21.xml><?xml version="1.0" encoding="utf-8"?>
+<file path=ppt/slides/slide22.xml><?xml version="1.0" encoding="utf-8"?>
 <p:sld xmlns:a="http://schemas.openxmlformats.org/drawingml/2006/main" xmlns:r="http://schemas.openxmlformats.org/officeDocument/2006/relationships" xmlns:p="http://schemas.openxmlformats.org/presentationml/2006/main" show="0">
   <p:cSld>
     <p:spTree>
@@ -6521,7 +6753,7 @@
           <a:p>
             <a:fld id="{AA58ECC7-594B-3F4D-BC70-865823762D99}" type="slidenum">
               <a:rPr lang="en-ES" smtClean="0"/>
-              <a:t>21</a:t>
+              <a:t>22</a:t>
             </a:fld>
             <a:endParaRPr lang="en-ES"/>
           </a:p>
@@ -6540,7 +6772,7 @@
 </p:sld>
 </file>
 
-<file path=ppt/slides/slide22.xml><?xml version="1.0" encoding="utf-8"?>
+<file path=ppt/slides/slide23.xml><?xml version="1.0" encoding="utf-8"?>
 <p:sld xmlns:a="http://schemas.openxmlformats.org/drawingml/2006/main" xmlns:r="http://schemas.openxmlformats.org/officeDocument/2006/relationships" xmlns:p="http://schemas.openxmlformats.org/presentationml/2006/main">
   <p:cSld>
     <p:spTree>
@@ -6675,7 +6907,7 @@
           <a:p>
             <a:fld id="{AA58ECC7-594B-3F4D-BC70-865823762D99}" type="slidenum">
               <a:rPr lang="en-ES" smtClean="0"/>
-              <a:t>22</a:t>
+              <a:t>23</a:t>
             </a:fld>
             <a:endParaRPr lang="en-ES"/>
           </a:p>
@@ -6785,170 +7017,6 @@
 </p:sld>
 </file>
 
-<file path=ppt/slides/slide23.xml><?xml version="1.0" encoding="utf-8"?>
-<p:sld xmlns:a="http://schemas.openxmlformats.org/drawingml/2006/main" xmlns:r="http://schemas.openxmlformats.org/officeDocument/2006/relationships" xmlns:p="http://schemas.openxmlformats.org/presentationml/2006/main">
-  <p:cSld>
-    <p:spTree>
-      <p:nvGrpSpPr>
-        <p:cNvPr id="1" name=""/>
-        <p:cNvGrpSpPr/>
-        <p:nvPr/>
-      </p:nvGrpSpPr>
-      <p:grpSpPr>
-        <a:xfrm>
-          <a:off x="0" y="0"/>
-          <a:ext cx="0" cy="0"/>
-          <a:chOff x="0" y="0"/>
-          <a:chExt cx="0" cy="0"/>
-        </a:xfrm>
-      </p:grpSpPr>
-      <p:sp>
-        <p:nvSpPr>
-          <p:cNvPr id="2" name="Title 1">
-            <a:extLst>
-              <a:ext uri="{FF2B5EF4-FFF2-40B4-BE49-F238E27FC236}">
-                <a16:creationId xmlns:a16="http://schemas.microsoft.com/office/drawing/2014/main" id="{C789D470-B9ED-0C4A-BCED-4B6599465A2F}"/>
-              </a:ext>
-            </a:extLst>
-          </p:cNvPr>
-          <p:cNvSpPr>
-            <a:spLocks noGrp="1"/>
-          </p:cNvSpPr>
-          <p:nvPr>
-            <p:ph type="title"/>
-          </p:nvPr>
-        </p:nvSpPr>
-        <p:spPr/>
-        <p:txBody>
-          <a:bodyPr/>
-          <a:lstStyle/>
-          <a:p>
-            <a:r>
-              <a:rPr lang="en-ES" dirty="0"/>
-              <a:t>Depurando la aplicación (II)</a:t>
-            </a:r>
-          </a:p>
-        </p:txBody>
-      </p:sp>
-      <p:sp>
-        <p:nvSpPr>
-          <p:cNvPr id="3" name="Content Placeholder 2">
-            <a:extLst>
-              <a:ext uri="{FF2B5EF4-FFF2-40B4-BE49-F238E27FC236}">
-                <a16:creationId xmlns:a16="http://schemas.microsoft.com/office/drawing/2014/main" id="{461B84BC-E924-B14D-8249-8D93DA88C1D2}"/>
-              </a:ext>
-            </a:extLst>
-          </p:cNvPr>
-          <p:cNvSpPr>
-            <a:spLocks noGrp="1"/>
-          </p:cNvSpPr>
-          <p:nvPr>
-            <p:ph idx="1"/>
-          </p:nvPr>
-        </p:nvSpPr>
-        <p:spPr/>
-        <p:txBody>
-          <a:bodyPr/>
-          <a:lstStyle/>
-          <a:p>
-            <a:r>
-              <a:rPr lang="en-ES" dirty="0"/>
-              <a:t>El depurador de .NET es </a:t>
-            </a:r>
-            <a:r>
-              <a:rPr lang="en-ES" b="1" dirty="0"/>
-              <a:t>muy</a:t>
-            </a:r>
-            <a:r>
-              <a:rPr lang="en-ES" dirty="0"/>
-              <a:t> potente</a:t>
-            </a:r>
-          </a:p>
-          <a:p>
-            <a:r>
-              <a:rPr lang="en-ES" dirty="0"/>
-              <a:t>La siguiente vez que ejecutéis la aplicación con VS Code…</a:t>
-            </a:r>
-          </a:p>
-          <a:p>
-            <a:pPr lvl="1"/>
-            <a:r>
-              <a:rPr lang="en-ES" dirty="0"/>
-              <a:t>La ejecución se pausará al llegar al punto de interrupción</a:t>
-            </a:r>
-          </a:p>
-          <a:p>
-            <a:pPr lvl="1"/>
-            <a:r>
-              <a:rPr lang="en-ES" dirty="0"/>
-              <a:t>Tendréis la posibilidad de modificar el contador de programa (casi) a voluntad</a:t>
-            </a:r>
-          </a:p>
-          <a:p>
-            <a:pPr lvl="1"/>
-            <a:r>
-              <a:rPr lang="en-ES" dirty="0"/>
-              <a:t>Podréis examinar el valor de las variables globales y locales</a:t>
-            </a:r>
-          </a:p>
-          <a:p>
-            <a:pPr lvl="1"/>
-            <a:r>
-              <a:rPr lang="en-ES" dirty="0"/>
-              <a:t>¡…podréis modificar en vivo el contenido de dichas variables!</a:t>
-            </a:r>
-          </a:p>
-          <a:p>
-            <a:pPr lvl="1"/>
-            <a:r>
-              <a:rPr lang="en-ES" dirty="0"/>
-              <a:t>Y también podréis evaluar expresiones</a:t>
-            </a:r>
-          </a:p>
-        </p:txBody>
-      </p:sp>
-      <p:sp>
-        <p:nvSpPr>
-          <p:cNvPr id="4" name="Slide Number Placeholder 3">
-            <a:extLst>
-              <a:ext uri="{FF2B5EF4-FFF2-40B4-BE49-F238E27FC236}">
-                <a16:creationId xmlns:a16="http://schemas.microsoft.com/office/drawing/2014/main" id="{38F6B4F2-4F3B-1443-AD02-206C7A5D9F66}"/>
-              </a:ext>
-            </a:extLst>
-          </p:cNvPr>
-          <p:cNvSpPr>
-            <a:spLocks noGrp="1"/>
-          </p:cNvSpPr>
-          <p:nvPr>
-            <p:ph type="sldNum" sz="quarter" idx="12"/>
-          </p:nvPr>
-        </p:nvSpPr>
-        <p:spPr/>
-        <p:txBody>
-          <a:bodyPr/>
-          <a:lstStyle/>
-          <a:p>
-            <a:fld id="{AA58ECC7-594B-3F4D-BC70-865823762D99}" type="slidenum">
-              <a:rPr lang="en-ES" smtClean="0"/>
-              <a:t>23</a:t>
-            </a:fld>
-            <a:endParaRPr lang="en-ES"/>
-          </a:p>
-        </p:txBody>
-      </p:sp>
-    </p:spTree>
-    <p:extLst>
-      <p:ext uri="{BB962C8B-B14F-4D97-AF65-F5344CB8AC3E}">
-        <p14:creationId xmlns:p14="http://schemas.microsoft.com/office/powerpoint/2010/main" val="1100184348"/>
-      </p:ext>
-    </p:extLst>
-  </p:cSld>
-  <p:clrMapOvr>
-    <a:masterClrMapping/>
-  </p:clrMapOvr>
-</p:sld>
-</file>
-
 <file path=ppt/slides/slide24.xml><?xml version="1.0" encoding="utf-8"?>
 <p:sld xmlns:a="http://schemas.openxmlformats.org/drawingml/2006/main" xmlns:r="http://schemas.openxmlformats.org/officeDocument/2006/relationships" xmlns:p="http://schemas.openxmlformats.org/presentationml/2006/main">
   <p:cSld>
@@ -6971,15 +7039,15 @@
           <p:cNvPr id="2" name="Title 1">
             <a:extLst>
               <a:ext uri="{FF2B5EF4-FFF2-40B4-BE49-F238E27FC236}">
-                <a16:creationId xmlns:a16="http://schemas.microsoft.com/office/drawing/2014/main" id="{9CC47F85-40BB-BB40-8545-FE58638D9295}"/>
-              </a:ext>
-            </a:extLst>
-          </p:cNvPr>
-          <p:cNvSpPr>
-            <a:spLocks noGrp="1"/>
-          </p:cNvSpPr>
-          <p:nvPr>
-            <p:ph type="ctrTitle"/>
+                <a16:creationId xmlns:a16="http://schemas.microsoft.com/office/drawing/2014/main" id="{C789D470-B9ED-0C4A-BCED-4B6599465A2F}"/>
+              </a:ext>
+            </a:extLst>
+          </p:cNvPr>
+          <p:cNvSpPr>
+            <a:spLocks noGrp="1"/>
+          </p:cNvSpPr>
+          <p:nvPr>
+            <p:ph type="title"/>
           </p:nvPr>
         </p:nvSpPr>
         <p:spPr/>
@@ -6989,70 +7057,1193 @@
           <a:p>
             <a:r>
               <a:rPr lang="en-ES" dirty="0"/>
-              <a:t>¡Gracias!</a:t>
-            </a:r>
-          </a:p>
-        </p:txBody>
-      </p:sp>
-      <p:sp>
-        <p:nvSpPr>
-          <p:cNvPr id="3" name="Subtitle 2">
-            <a:extLst>
-              <a:ext uri="{FF2B5EF4-FFF2-40B4-BE49-F238E27FC236}">
-                <a16:creationId xmlns:a16="http://schemas.microsoft.com/office/drawing/2014/main" id="{B0F5C132-69D1-1C44-B6E9-57D70FABAAF5}"/>
-              </a:ext>
-            </a:extLst>
-          </p:cNvPr>
-          <p:cNvSpPr>
-            <a:spLocks noGrp="1"/>
-          </p:cNvSpPr>
-          <p:nvPr>
-            <p:ph type="subTitle" idx="1"/>
-          </p:nvPr>
-        </p:nvSpPr>
-        <p:spPr>
-          <a:xfrm>
-            <a:off x="2884714" y="5735637"/>
-            <a:ext cx="9144000" cy="903514"/>
-          </a:xfrm>
-        </p:spPr>
-        <p:txBody>
-          <a:bodyPr anchor="b"/>
-          <a:lstStyle/>
-          <a:p>
-            <a:pPr algn="r"/>
-            <a:r>
-              <a:rPr lang="en-ES" dirty="0"/>
-              <a:t>Rubén de Alba de Andrés - @</a:t>
-            </a:r>
-            <a:r>
-              <a:rPr lang="en-ES" dirty="0">
-                <a:hlinkClick r:id="rId2"/>
-              </a:rPr>
-              <a:t>rdealbad</a:t>
-            </a:r>
-            <a:endParaRPr lang="en-ES" dirty="0"/>
-          </a:p>
-          <a:p>
-            <a:pPr algn="r"/>
-            <a:r>
-              <a:rPr lang="en-ES" dirty="0"/>
-              <a:t>Sergio Luis Para - @</a:t>
-            </a:r>
-            <a:r>
-              <a:rPr lang="en-ES" dirty="0">
-                <a:hlinkClick r:id="rId3"/>
-              </a:rPr>
-              <a:t>S_Luis</a:t>
-            </a:r>
-            <a:endParaRPr lang="en-ES" dirty="0"/>
+              <a:t>Depurando la aplicación (II)</a:t>
+            </a:r>
+          </a:p>
+        </p:txBody>
+      </p:sp>
+      <p:sp>
+        <p:nvSpPr>
+          <p:cNvPr id="3" name="Content Placeholder 2">
+            <a:extLst>
+              <a:ext uri="{FF2B5EF4-FFF2-40B4-BE49-F238E27FC236}">
+                <a16:creationId xmlns:a16="http://schemas.microsoft.com/office/drawing/2014/main" id="{461B84BC-E924-B14D-8249-8D93DA88C1D2}"/>
+              </a:ext>
+            </a:extLst>
+          </p:cNvPr>
+          <p:cNvSpPr>
+            <a:spLocks noGrp="1"/>
+          </p:cNvSpPr>
+          <p:nvPr>
+            <p:ph idx="1"/>
+          </p:nvPr>
+        </p:nvSpPr>
+        <p:spPr/>
+        <p:txBody>
+          <a:bodyPr/>
+          <a:lstStyle/>
+          <a:p>
+            <a:r>
+              <a:rPr lang="en-ES" dirty="0"/>
+              <a:t>El depurador de .NET es </a:t>
+            </a:r>
+            <a:r>
+              <a:rPr lang="en-ES" b="1" dirty="0"/>
+              <a:t>muy</a:t>
+            </a:r>
+            <a:r>
+              <a:rPr lang="en-ES" dirty="0"/>
+              <a:t> potente</a:t>
+            </a:r>
+          </a:p>
+          <a:p>
+            <a:r>
+              <a:rPr lang="en-ES" dirty="0"/>
+              <a:t>La siguiente vez que ejecutéis la aplicación con VS Code…</a:t>
+            </a:r>
+          </a:p>
+          <a:p>
+            <a:pPr lvl="1"/>
+            <a:r>
+              <a:rPr lang="en-ES" dirty="0"/>
+              <a:t>La ejecución se pausará al llegar al punto de interrupción</a:t>
+            </a:r>
+          </a:p>
+          <a:p>
+            <a:pPr lvl="1"/>
+            <a:r>
+              <a:rPr lang="en-ES" dirty="0"/>
+              <a:t>Tendréis la posibilidad de modificar el contador de programa (casi) a voluntad</a:t>
+            </a:r>
+          </a:p>
+          <a:p>
+            <a:pPr lvl="1"/>
+            <a:r>
+              <a:rPr lang="en-ES" dirty="0"/>
+              <a:t>Podréis examinar el valor de las variables globales y locales</a:t>
+            </a:r>
+          </a:p>
+          <a:p>
+            <a:pPr lvl="1"/>
+            <a:r>
+              <a:rPr lang="en-ES" dirty="0"/>
+              <a:t>¡…podréis modificar en vivo el contenido de dichas variables!</a:t>
+            </a:r>
+          </a:p>
+          <a:p>
+            <a:pPr lvl="1"/>
+            <a:r>
+              <a:rPr lang="en-ES" dirty="0"/>
+              <a:t>Y también podréis evaluar expresiones</a:t>
+            </a:r>
+          </a:p>
+        </p:txBody>
+      </p:sp>
+      <p:sp>
+        <p:nvSpPr>
+          <p:cNvPr id="4" name="Slide Number Placeholder 3">
+            <a:extLst>
+              <a:ext uri="{FF2B5EF4-FFF2-40B4-BE49-F238E27FC236}">
+                <a16:creationId xmlns:a16="http://schemas.microsoft.com/office/drawing/2014/main" id="{38F6B4F2-4F3B-1443-AD02-206C7A5D9F66}"/>
+              </a:ext>
+            </a:extLst>
+          </p:cNvPr>
+          <p:cNvSpPr>
+            <a:spLocks noGrp="1"/>
+          </p:cNvSpPr>
+          <p:nvPr>
+            <p:ph type="sldNum" sz="quarter" idx="12"/>
+          </p:nvPr>
+        </p:nvSpPr>
+        <p:spPr/>
+        <p:txBody>
+          <a:bodyPr/>
+          <a:lstStyle/>
+          <a:p>
+            <a:fld id="{AA58ECC7-594B-3F4D-BC70-865823762D99}" type="slidenum">
+              <a:rPr lang="en-ES" smtClean="0"/>
+              <a:t>24</a:t>
+            </a:fld>
+            <a:endParaRPr lang="en-ES"/>
           </a:p>
         </p:txBody>
       </p:sp>
     </p:spTree>
     <p:extLst>
       <p:ext uri="{BB962C8B-B14F-4D97-AF65-F5344CB8AC3E}">
-        <p14:creationId xmlns:p14="http://schemas.microsoft.com/office/powerpoint/2010/main" val="3970643930"/>
+        <p14:creationId xmlns:p14="http://schemas.microsoft.com/office/powerpoint/2010/main" val="1100184348"/>
+      </p:ext>
+    </p:extLst>
+  </p:cSld>
+  <p:clrMapOvr>
+    <a:masterClrMapping/>
+  </p:clrMapOvr>
+</p:sld>
+</file>
+
+<file path=ppt/slides/slide25.xml><?xml version="1.0" encoding="utf-8"?>
+<p:sld xmlns:a="http://schemas.openxmlformats.org/drawingml/2006/main" xmlns:r="http://schemas.openxmlformats.org/officeDocument/2006/relationships" xmlns:p="http://schemas.openxmlformats.org/presentationml/2006/main">
+  <p:cSld>
+    <p:spTree>
+      <p:nvGrpSpPr>
+        <p:cNvPr id="1" name=""/>
+        <p:cNvGrpSpPr/>
+        <p:nvPr/>
+      </p:nvGrpSpPr>
+      <p:grpSpPr>
+        <a:xfrm>
+          <a:off x="0" y="0"/>
+          <a:ext cx="0" cy="0"/>
+          <a:chOff x="0" y="0"/>
+          <a:chExt cx="0" cy="0"/>
+        </a:xfrm>
+      </p:grpSpPr>
+      <p:sp>
+        <p:nvSpPr>
+          <p:cNvPr id="2" name="Title 1">
+            <a:extLst>
+              <a:ext uri="{FF2B5EF4-FFF2-40B4-BE49-F238E27FC236}">
+                <a16:creationId xmlns:a16="http://schemas.microsoft.com/office/drawing/2014/main" id="{04BF1BF7-0137-2441-82A4-3A7CB2CCF667}"/>
+              </a:ext>
+            </a:extLst>
+          </p:cNvPr>
+          <p:cNvSpPr>
+            <a:spLocks noGrp="1"/>
+          </p:cNvSpPr>
+          <p:nvPr>
+            <p:ph type="title"/>
+          </p:nvPr>
+        </p:nvSpPr>
+        <p:spPr/>
+        <p:txBody>
+          <a:bodyPr/>
+          <a:lstStyle/>
+          <a:p>
+            <a:r>
+              <a:rPr lang="en-ES" dirty="0"/>
+              <a:t>Lo básico sobre C#</a:t>
+            </a:r>
+          </a:p>
+        </p:txBody>
+      </p:sp>
+      <p:sp>
+        <p:nvSpPr>
+          <p:cNvPr id="3" name="Text Placeholder 2">
+            <a:extLst>
+              <a:ext uri="{FF2B5EF4-FFF2-40B4-BE49-F238E27FC236}">
+                <a16:creationId xmlns:a16="http://schemas.microsoft.com/office/drawing/2014/main" id="{90C99BA3-A1B5-504C-BA97-CCB6CA684E90}"/>
+              </a:ext>
+            </a:extLst>
+          </p:cNvPr>
+          <p:cNvSpPr>
+            <a:spLocks noGrp="1"/>
+          </p:cNvSpPr>
+          <p:nvPr>
+            <p:ph type="body" idx="1"/>
+          </p:nvPr>
+        </p:nvSpPr>
+        <p:spPr/>
+        <p:txBody>
+          <a:bodyPr/>
+          <a:lstStyle/>
+          <a:p>
+            <a:r>
+              <a:rPr lang="en-ES" dirty="0"/>
+              <a:t>Tipos por defecto / Operadores / Control de flujo / Entrada y salida básica / Clases</a:t>
+            </a:r>
+          </a:p>
+        </p:txBody>
+      </p:sp>
+      <p:sp>
+        <p:nvSpPr>
+          <p:cNvPr id="4" name="Slide Number Placeholder 3">
+            <a:extLst>
+              <a:ext uri="{FF2B5EF4-FFF2-40B4-BE49-F238E27FC236}">
+                <a16:creationId xmlns:a16="http://schemas.microsoft.com/office/drawing/2014/main" id="{A503384F-A069-9440-9280-C5371B801AA8}"/>
+              </a:ext>
+            </a:extLst>
+          </p:cNvPr>
+          <p:cNvSpPr>
+            <a:spLocks noGrp="1"/>
+          </p:cNvSpPr>
+          <p:nvPr>
+            <p:ph type="sldNum" sz="quarter" idx="12"/>
+          </p:nvPr>
+        </p:nvSpPr>
+        <p:spPr/>
+        <p:txBody>
+          <a:bodyPr/>
+          <a:lstStyle/>
+          <a:p>
+            <a:fld id="{AA58ECC7-594B-3F4D-BC70-865823762D99}" type="slidenum">
+              <a:rPr lang="en-ES" smtClean="0"/>
+              <a:t>25</a:t>
+            </a:fld>
+            <a:endParaRPr lang="en-ES"/>
+          </a:p>
+        </p:txBody>
+      </p:sp>
+    </p:spTree>
+    <p:extLst>
+      <p:ext uri="{BB962C8B-B14F-4D97-AF65-F5344CB8AC3E}">
+        <p14:creationId xmlns:p14="http://schemas.microsoft.com/office/powerpoint/2010/main" val="3409782054"/>
+      </p:ext>
+    </p:extLst>
+  </p:cSld>
+  <p:clrMapOvr>
+    <a:masterClrMapping/>
+  </p:clrMapOvr>
+</p:sld>
+</file>
+
+<file path=ppt/slides/slide26.xml><?xml version="1.0" encoding="utf-8"?>
+<p:sld xmlns:a="http://schemas.openxmlformats.org/drawingml/2006/main" xmlns:r="http://schemas.openxmlformats.org/officeDocument/2006/relationships" xmlns:p="http://schemas.openxmlformats.org/presentationml/2006/main">
+  <p:cSld>
+    <p:spTree>
+      <p:nvGrpSpPr>
+        <p:cNvPr id="1" name=""/>
+        <p:cNvGrpSpPr/>
+        <p:nvPr/>
+      </p:nvGrpSpPr>
+      <p:grpSpPr>
+        <a:xfrm>
+          <a:off x="0" y="0"/>
+          <a:ext cx="0" cy="0"/>
+          <a:chOff x="0" y="0"/>
+          <a:chExt cx="0" cy="0"/>
+        </a:xfrm>
+      </p:grpSpPr>
+      <p:sp>
+        <p:nvSpPr>
+          <p:cNvPr id="2" name="Title 1">
+            <a:extLst>
+              <a:ext uri="{FF2B5EF4-FFF2-40B4-BE49-F238E27FC236}">
+                <a16:creationId xmlns:a16="http://schemas.microsoft.com/office/drawing/2014/main" id="{D2CF2155-6515-0449-9BDF-ED387B5F783C}"/>
+              </a:ext>
+            </a:extLst>
+          </p:cNvPr>
+          <p:cNvSpPr>
+            <a:spLocks noGrp="1"/>
+          </p:cNvSpPr>
+          <p:nvPr>
+            <p:ph type="title"/>
+          </p:nvPr>
+        </p:nvSpPr>
+        <p:spPr/>
+        <p:txBody>
+          <a:bodyPr/>
+          <a:lstStyle/>
+          <a:p>
+            <a:r>
+              <a:rPr lang="en-ES" dirty="0"/>
+              <a:t>Tipos</a:t>
+            </a:r>
+          </a:p>
+        </p:txBody>
+      </p:sp>
+      <p:sp>
+        <p:nvSpPr>
+          <p:cNvPr id="3" name="Content Placeholder 2">
+            <a:extLst>
+              <a:ext uri="{FF2B5EF4-FFF2-40B4-BE49-F238E27FC236}">
+                <a16:creationId xmlns:a16="http://schemas.microsoft.com/office/drawing/2014/main" id="{E4124DA6-0E01-FD49-9153-A5587DE5C6CB}"/>
+              </a:ext>
+            </a:extLst>
+          </p:cNvPr>
+          <p:cNvSpPr>
+            <a:spLocks noGrp="1"/>
+          </p:cNvSpPr>
+          <p:nvPr>
+            <p:ph idx="1"/>
+          </p:nvPr>
+        </p:nvSpPr>
+        <p:spPr>
+          <a:xfrm>
+            <a:off x="838200" y="1825625"/>
+            <a:ext cx="10515600" cy="1907131"/>
+          </a:xfrm>
+        </p:spPr>
+        <p:txBody>
+          <a:bodyPr/>
+          <a:lstStyle/>
+          <a:p>
+            <a:r>
+              <a:rPr lang="en-ES" dirty="0"/>
+              <a:t>C# es un lenguaje fuertemente tipado</a:t>
+            </a:r>
+          </a:p>
+          <a:p>
+            <a:r>
+              <a:rPr lang="en-ES" dirty="0"/>
+              <a:t>Cada variable y cada constante tiene un tipo declarado</a:t>
+            </a:r>
+          </a:p>
+          <a:p>
+            <a:r>
+              <a:rPr lang="en-ES" dirty="0"/>
+              <a:t>Cada función declara el tipo del valor del retorno, así como el tipo de cada uno de los parámetros</a:t>
+            </a:r>
+          </a:p>
+        </p:txBody>
+      </p:sp>
+      <p:sp>
+        <p:nvSpPr>
+          <p:cNvPr id="4" name="Slide Number Placeholder 3">
+            <a:extLst>
+              <a:ext uri="{FF2B5EF4-FFF2-40B4-BE49-F238E27FC236}">
+                <a16:creationId xmlns:a16="http://schemas.microsoft.com/office/drawing/2014/main" id="{22161753-A74B-AF46-92D9-18E36E441FF5}"/>
+              </a:ext>
+            </a:extLst>
+          </p:cNvPr>
+          <p:cNvSpPr>
+            <a:spLocks noGrp="1"/>
+          </p:cNvSpPr>
+          <p:nvPr>
+            <p:ph type="sldNum" sz="quarter" idx="12"/>
+          </p:nvPr>
+        </p:nvSpPr>
+        <p:spPr/>
+        <p:txBody>
+          <a:bodyPr/>
+          <a:lstStyle/>
+          <a:p>
+            <a:fld id="{AA58ECC7-594B-3F4D-BC70-865823762D99}" type="slidenum">
+              <a:rPr lang="en-ES" smtClean="0"/>
+              <a:t>26</a:t>
+            </a:fld>
+            <a:endParaRPr lang="en-ES"/>
+          </a:p>
+        </p:txBody>
+      </p:sp>
+    </p:spTree>
+    <p:extLst>
+      <p:ext uri="{BB962C8B-B14F-4D97-AF65-F5344CB8AC3E}">
+        <p14:creationId xmlns:p14="http://schemas.microsoft.com/office/powerpoint/2010/main" val="3630626412"/>
+      </p:ext>
+    </p:extLst>
+  </p:cSld>
+  <p:clrMapOvr>
+    <a:masterClrMapping/>
+  </p:clrMapOvr>
+</p:sld>
+</file>
+
+<file path=ppt/slides/slide27.xml><?xml version="1.0" encoding="utf-8"?>
+<p:sld xmlns:a="http://schemas.openxmlformats.org/drawingml/2006/main" xmlns:r="http://schemas.openxmlformats.org/officeDocument/2006/relationships" xmlns:p="http://schemas.openxmlformats.org/presentationml/2006/main">
+  <p:cSld>
+    <p:spTree>
+      <p:nvGrpSpPr>
+        <p:cNvPr id="1" name=""/>
+        <p:cNvGrpSpPr/>
+        <p:nvPr/>
+      </p:nvGrpSpPr>
+      <p:grpSpPr>
+        <a:xfrm>
+          <a:off x="0" y="0"/>
+          <a:ext cx="0" cy="0"/>
+          <a:chOff x="0" y="0"/>
+          <a:chExt cx="0" cy="0"/>
+        </a:xfrm>
+      </p:grpSpPr>
+      <p:sp>
+        <p:nvSpPr>
+          <p:cNvPr id="2" name="Title 1">
+            <a:extLst>
+              <a:ext uri="{FF2B5EF4-FFF2-40B4-BE49-F238E27FC236}">
+                <a16:creationId xmlns:a16="http://schemas.microsoft.com/office/drawing/2014/main" id="{D2CF2155-6515-0449-9BDF-ED387B5F783C}"/>
+              </a:ext>
+            </a:extLst>
+          </p:cNvPr>
+          <p:cNvSpPr>
+            <a:spLocks noGrp="1"/>
+          </p:cNvSpPr>
+          <p:nvPr>
+            <p:ph type="title"/>
+          </p:nvPr>
+        </p:nvSpPr>
+        <p:spPr/>
+        <p:txBody>
+          <a:bodyPr/>
+          <a:lstStyle/>
+          <a:p>
+            <a:r>
+              <a:rPr lang="en-ES" dirty="0"/>
+              <a:t>Tipos primitivos</a:t>
+            </a:r>
+          </a:p>
+        </p:txBody>
+      </p:sp>
+      <p:sp>
+        <p:nvSpPr>
+          <p:cNvPr id="3" name="Content Placeholder 2">
+            <a:extLst>
+              <a:ext uri="{FF2B5EF4-FFF2-40B4-BE49-F238E27FC236}">
+                <a16:creationId xmlns:a16="http://schemas.microsoft.com/office/drawing/2014/main" id="{E4124DA6-0E01-FD49-9153-A5587DE5C6CB}"/>
+              </a:ext>
+            </a:extLst>
+          </p:cNvPr>
+          <p:cNvSpPr>
+            <a:spLocks noGrp="1"/>
+          </p:cNvSpPr>
+          <p:nvPr>
+            <p:ph idx="1"/>
+          </p:nvPr>
+        </p:nvSpPr>
+        <p:spPr>
+          <a:xfrm>
+            <a:off x="838201" y="3429000"/>
+            <a:ext cx="10515599" cy="2520908"/>
+          </a:xfrm>
+        </p:spPr>
+        <p:txBody>
+          <a:bodyPr numCol="2">
+            <a:normAutofit/>
+          </a:bodyPr>
+          <a:lstStyle/>
+          <a:p>
+            <a:r>
+              <a:rPr lang="en-GB" dirty="0">
+                <a:latin typeface="Consolas" panose="020B0609020204030204" pitchFamily="49" charset="0"/>
+                <a:cs typeface="Consolas" panose="020B0609020204030204" pitchFamily="49" charset="0"/>
+              </a:rPr>
+              <a:t>b</a:t>
+            </a:r>
+            <a:r>
+              <a:rPr lang="en-ES" dirty="0">
+                <a:latin typeface="Consolas" panose="020B0609020204030204" pitchFamily="49" charset="0"/>
+                <a:cs typeface="Consolas" panose="020B0609020204030204" pitchFamily="49" charset="0"/>
+              </a:rPr>
+              <a:t>ool</a:t>
+            </a:r>
+          </a:p>
+          <a:p>
+            <a:r>
+              <a:rPr lang="en-GB" dirty="0">
+                <a:latin typeface="Consolas" panose="020B0609020204030204" pitchFamily="49" charset="0"/>
+                <a:cs typeface="Consolas" panose="020B0609020204030204" pitchFamily="49" charset="0"/>
+              </a:rPr>
+              <a:t>b</a:t>
+            </a:r>
+            <a:r>
+              <a:rPr lang="en-ES" dirty="0">
+                <a:latin typeface="Consolas" panose="020B0609020204030204" pitchFamily="49" charset="0"/>
+                <a:cs typeface="Consolas" panose="020B0609020204030204" pitchFamily="49" charset="0"/>
+              </a:rPr>
+              <a:t>yte</a:t>
+            </a:r>
+          </a:p>
+          <a:p>
+            <a:r>
+              <a:rPr lang="en-GB" dirty="0"/>
+              <a:t>s</a:t>
+            </a:r>
+            <a:r>
+              <a:rPr lang="en-ES" dirty="0">
+                <a:latin typeface="Consolas" panose="020B0609020204030204" pitchFamily="49" charset="0"/>
+                <a:cs typeface="Consolas" panose="020B0609020204030204" pitchFamily="49" charset="0"/>
+              </a:rPr>
+              <a:t>tring</a:t>
+            </a:r>
+          </a:p>
+          <a:p>
+            <a:r>
+              <a:rPr lang="en-GB" dirty="0">
+                <a:latin typeface="Consolas" panose="020B0609020204030204" pitchFamily="49" charset="0"/>
+                <a:cs typeface="Consolas" panose="020B0609020204030204" pitchFamily="49" charset="0"/>
+              </a:rPr>
+              <a:t>c</a:t>
+            </a:r>
+            <a:r>
+              <a:rPr lang="en-ES" dirty="0">
+                <a:latin typeface="Consolas" panose="020B0609020204030204" pitchFamily="49" charset="0"/>
+                <a:cs typeface="Consolas" panose="020B0609020204030204" pitchFamily="49" charset="0"/>
+              </a:rPr>
+              <a:t>har</a:t>
+            </a:r>
+          </a:p>
+          <a:p>
+            <a:r>
+              <a:rPr lang="en-GB" dirty="0">
+                <a:latin typeface="Consolas" panose="020B0609020204030204" pitchFamily="49" charset="0"/>
+                <a:cs typeface="Consolas" panose="020B0609020204030204" pitchFamily="49" charset="0"/>
+              </a:rPr>
+              <a:t>s</a:t>
+            </a:r>
+            <a:r>
+              <a:rPr lang="en-ES" dirty="0">
+                <a:latin typeface="Consolas" panose="020B0609020204030204" pitchFamily="49" charset="0"/>
+                <a:cs typeface="Consolas" panose="020B0609020204030204" pitchFamily="49" charset="0"/>
+              </a:rPr>
+              <a:t>hort</a:t>
+            </a:r>
+          </a:p>
+          <a:p>
+            <a:r>
+              <a:rPr lang="en-GB" dirty="0">
+                <a:latin typeface="Consolas" panose="020B0609020204030204" pitchFamily="49" charset="0"/>
+                <a:cs typeface="Consolas" panose="020B0609020204030204" pitchFamily="49" charset="0"/>
+              </a:rPr>
+              <a:t>i</a:t>
+            </a:r>
+            <a:r>
+              <a:rPr lang="en-ES" dirty="0">
+                <a:latin typeface="Consolas" panose="020B0609020204030204" pitchFamily="49" charset="0"/>
+                <a:cs typeface="Consolas" panose="020B0609020204030204" pitchFamily="49" charset="0"/>
+              </a:rPr>
+              <a:t>nteger</a:t>
+            </a:r>
+          </a:p>
+          <a:p>
+            <a:r>
+              <a:rPr lang="en-GB" dirty="0">
+                <a:latin typeface="Consolas" panose="020B0609020204030204" pitchFamily="49" charset="0"/>
+                <a:cs typeface="Consolas" panose="020B0609020204030204" pitchFamily="49" charset="0"/>
+              </a:rPr>
+              <a:t>l</a:t>
+            </a:r>
+            <a:r>
+              <a:rPr lang="en-ES" dirty="0">
+                <a:latin typeface="Consolas" panose="020B0609020204030204" pitchFamily="49" charset="0"/>
+                <a:cs typeface="Consolas" panose="020B0609020204030204" pitchFamily="49" charset="0"/>
+              </a:rPr>
+              <a:t>ong</a:t>
+            </a:r>
+          </a:p>
+          <a:p>
+            <a:r>
+              <a:rPr lang="en-GB" dirty="0">
+                <a:latin typeface="Consolas" panose="020B0609020204030204" pitchFamily="49" charset="0"/>
+                <a:cs typeface="Consolas" panose="020B0609020204030204" pitchFamily="49" charset="0"/>
+              </a:rPr>
+              <a:t>f</a:t>
+            </a:r>
+            <a:r>
+              <a:rPr lang="en-ES" dirty="0">
+                <a:latin typeface="Consolas" panose="020B0609020204030204" pitchFamily="49" charset="0"/>
+                <a:cs typeface="Consolas" panose="020B0609020204030204" pitchFamily="49" charset="0"/>
+              </a:rPr>
+              <a:t>loat</a:t>
+            </a:r>
+          </a:p>
+          <a:p>
+            <a:r>
+              <a:rPr lang="en-ES" dirty="0">
+                <a:latin typeface="Consolas" panose="020B0609020204030204" pitchFamily="49" charset="0"/>
+                <a:cs typeface="Consolas" panose="020B0609020204030204" pitchFamily="49" charset="0"/>
+              </a:rPr>
+              <a:t>double</a:t>
+            </a:r>
+          </a:p>
+          <a:p>
+            <a:r>
+              <a:rPr lang="en-ES" i="1" dirty="0"/>
+              <a:t>…y algunos más que nos dejamos</a:t>
+            </a:r>
+          </a:p>
+        </p:txBody>
+      </p:sp>
+      <p:sp>
+        <p:nvSpPr>
+          <p:cNvPr id="4" name="Slide Number Placeholder 3">
+            <a:extLst>
+              <a:ext uri="{FF2B5EF4-FFF2-40B4-BE49-F238E27FC236}">
+                <a16:creationId xmlns:a16="http://schemas.microsoft.com/office/drawing/2014/main" id="{22161753-A74B-AF46-92D9-18E36E441FF5}"/>
+              </a:ext>
+            </a:extLst>
+          </p:cNvPr>
+          <p:cNvSpPr>
+            <a:spLocks noGrp="1"/>
+          </p:cNvSpPr>
+          <p:nvPr>
+            <p:ph type="sldNum" sz="quarter" idx="12"/>
+          </p:nvPr>
+        </p:nvSpPr>
+        <p:spPr/>
+        <p:txBody>
+          <a:bodyPr/>
+          <a:lstStyle/>
+          <a:p>
+            <a:fld id="{AA58ECC7-594B-3F4D-BC70-865823762D99}" type="slidenum">
+              <a:rPr lang="en-ES" smtClean="0"/>
+              <a:t>27</a:t>
+            </a:fld>
+            <a:endParaRPr lang="en-ES"/>
+          </a:p>
+        </p:txBody>
+      </p:sp>
+      <p:sp>
+        <p:nvSpPr>
+          <p:cNvPr id="5" name="TextBox 4">
+            <a:extLst>
+              <a:ext uri="{FF2B5EF4-FFF2-40B4-BE49-F238E27FC236}">
+                <a16:creationId xmlns:a16="http://schemas.microsoft.com/office/drawing/2014/main" id="{F587109D-BD8F-6F47-BF72-31E1E66FB695}"/>
+              </a:ext>
+            </a:extLst>
+          </p:cNvPr>
+          <p:cNvSpPr txBox="1"/>
+          <p:nvPr/>
+        </p:nvSpPr>
+        <p:spPr>
+          <a:xfrm>
+            <a:off x="838200" y="1536985"/>
+            <a:ext cx="10515600" cy="1815882"/>
+          </a:xfrm>
+          <a:prstGeom prst="rect">
+            <a:avLst/>
+          </a:prstGeom>
+          <a:noFill/>
+        </p:spPr>
+        <p:txBody>
+          <a:bodyPr wrap="square" rtlCol="0">
+            <a:spAutoFit/>
+          </a:bodyPr>
+          <a:lstStyle/>
+          <a:p>
+            <a:pPr marL="285750" indent="-285750">
+              <a:buFont typeface="Arial" panose="020B0604020202020204" pitchFamily="34" charset="0"/>
+              <a:buChar char="•"/>
+            </a:pPr>
+            <a:r>
+              <a:rPr lang="en-ES" sz="2800" dirty="0"/>
+              <a:t>C# define tipos primitivos para representaciones numéricas, de caracteres, de cadenas de caracteres, de valores booleanos…</a:t>
+            </a:r>
+          </a:p>
+          <a:p>
+            <a:pPr marL="285750" indent="-285750">
+              <a:buFont typeface="Arial" panose="020B0604020202020204" pitchFamily="34" charset="0"/>
+              <a:buChar char="•"/>
+            </a:pPr>
+            <a:r>
+              <a:rPr lang="en-ES" sz="2800" dirty="0"/>
+              <a:t>…y la </a:t>
+            </a:r>
+            <a:r>
+              <a:rPr lang="en-ES" sz="2800" i="1" dirty="0"/>
+              <a:t>class library</a:t>
+            </a:r>
+            <a:r>
+              <a:rPr lang="en-ES" sz="2800" dirty="0"/>
+              <a:t> de .NET define tipos para representar conceptos un poco más abstractos, como fechas, UUIDs, ventanas temporales…</a:t>
+            </a:r>
+          </a:p>
+        </p:txBody>
+      </p:sp>
+    </p:spTree>
+    <p:extLst>
+      <p:ext uri="{BB962C8B-B14F-4D97-AF65-F5344CB8AC3E}">
+        <p14:creationId xmlns:p14="http://schemas.microsoft.com/office/powerpoint/2010/main" val="527883409"/>
+      </p:ext>
+    </p:extLst>
+  </p:cSld>
+  <p:clrMapOvr>
+    <a:masterClrMapping/>
+  </p:clrMapOvr>
+</p:sld>
+</file>
+
+<file path=ppt/slides/slide28.xml><?xml version="1.0" encoding="utf-8"?>
+<p:sld xmlns:a="http://schemas.openxmlformats.org/drawingml/2006/main" xmlns:r="http://schemas.openxmlformats.org/officeDocument/2006/relationships" xmlns:p="http://schemas.openxmlformats.org/presentationml/2006/main" show="0">
+  <p:cSld>
+    <p:spTree>
+      <p:nvGrpSpPr>
+        <p:cNvPr id="1" name=""/>
+        <p:cNvGrpSpPr/>
+        <p:nvPr/>
+      </p:nvGrpSpPr>
+      <p:grpSpPr>
+        <a:xfrm>
+          <a:off x="0" y="0"/>
+          <a:ext cx="0" cy="0"/>
+          <a:chOff x="0" y="0"/>
+          <a:chExt cx="0" cy="0"/>
+        </a:xfrm>
+      </p:grpSpPr>
+      <p:sp>
+        <p:nvSpPr>
+          <p:cNvPr id="2" name="Title 1">
+            <a:extLst>
+              <a:ext uri="{FF2B5EF4-FFF2-40B4-BE49-F238E27FC236}">
+                <a16:creationId xmlns:a16="http://schemas.microsoft.com/office/drawing/2014/main" id="{BC7C17E3-A1C9-8340-B94C-AFE40E94982B}"/>
+              </a:ext>
+            </a:extLst>
+          </p:cNvPr>
+          <p:cNvSpPr>
+            <a:spLocks noGrp="1"/>
+          </p:cNvSpPr>
+          <p:nvPr>
+            <p:ph type="title"/>
+          </p:nvPr>
+        </p:nvSpPr>
+        <p:spPr/>
+        <p:txBody>
+          <a:bodyPr/>
+          <a:lstStyle/>
+          <a:p>
+            <a:r>
+              <a:rPr lang="en-ES" dirty="0"/>
+              <a:t>Ejercicio de ampliación (V)</a:t>
+            </a:r>
+          </a:p>
+        </p:txBody>
+      </p:sp>
+      <p:sp>
+        <p:nvSpPr>
+          <p:cNvPr id="3" name="Content Placeholder 2">
+            <a:extLst>
+              <a:ext uri="{FF2B5EF4-FFF2-40B4-BE49-F238E27FC236}">
+                <a16:creationId xmlns:a16="http://schemas.microsoft.com/office/drawing/2014/main" id="{26D4527D-82E9-ED4C-9A22-D4143770A535}"/>
+              </a:ext>
+            </a:extLst>
+          </p:cNvPr>
+          <p:cNvSpPr>
+            <a:spLocks noGrp="1"/>
+          </p:cNvSpPr>
+          <p:nvPr>
+            <p:ph idx="1"/>
+          </p:nvPr>
+        </p:nvSpPr>
+        <p:spPr/>
+        <p:txBody>
+          <a:bodyPr>
+            <a:normAutofit fontScale="92500"/>
+          </a:bodyPr>
+          <a:lstStyle/>
+          <a:p>
+            <a:r>
+              <a:rPr lang="en-ES" dirty="0"/>
+              <a:t>En la diapositiva anterior faltan unos cuantos tipos primitivos</a:t>
+            </a:r>
+          </a:p>
+          <a:p>
+            <a:r>
+              <a:rPr lang="en-ES" dirty="0"/>
+              <a:t>Para empezar, faltan las representaciones sin signo de los tipos numéricos:</a:t>
+            </a:r>
+          </a:p>
+          <a:p>
+            <a:pPr lvl="1"/>
+            <a:r>
+              <a:rPr lang="en-ES" dirty="0"/>
+              <a:t>De la misma manera que tenemos el tipo </a:t>
+            </a:r>
+            <a:r>
+              <a:rPr lang="en-ES" dirty="0">
+                <a:latin typeface="Consolas" panose="020B0609020204030204" pitchFamily="49" charset="0"/>
+                <a:cs typeface="Consolas" panose="020B0609020204030204" pitchFamily="49" charset="0"/>
+              </a:rPr>
+              <a:t>int</a:t>
+            </a:r>
+            <a:r>
+              <a:rPr lang="en-ES" dirty="0"/>
+              <a:t> para representar enteros de 32 bits con signo…</a:t>
+            </a:r>
+          </a:p>
+          <a:p>
+            <a:pPr lvl="1"/>
+            <a:r>
+              <a:rPr lang="en-ES" dirty="0"/>
+              <a:t>…existe el tipo </a:t>
+            </a:r>
+            <a:r>
+              <a:rPr lang="en-ES" dirty="0">
+                <a:latin typeface="Consolas" panose="020B0609020204030204" pitchFamily="49" charset="0"/>
+                <a:cs typeface="Consolas" panose="020B0609020204030204" pitchFamily="49" charset="0"/>
+              </a:rPr>
+              <a:t>uint</a:t>
+            </a:r>
+            <a:r>
+              <a:rPr lang="en-ES" dirty="0"/>
+              <a:t> para representar enteros de 32 bits sin signo</a:t>
+            </a:r>
+          </a:p>
+          <a:p>
+            <a:r>
+              <a:rPr lang="en-ES" dirty="0"/>
+              <a:t>Pregunta: mientras que para casi todos los tipos numéricos su variante sin signo empieza por ‘</a:t>
+            </a:r>
+            <a:r>
+              <a:rPr lang="en-ES" dirty="0">
+                <a:latin typeface="Consolas" panose="020B0609020204030204" pitchFamily="49" charset="0"/>
+                <a:cs typeface="Consolas" panose="020B0609020204030204" pitchFamily="49" charset="0"/>
+              </a:rPr>
+              <a:t>u</a:t>
+            </a:r>
+            <a:r>
+              <a:rPr lang="en-ES" dirty="0"/>
+              <a:t>’, hay un tipo que se define al revés – la forma menos común es la que sí tiene signo. ¿Podrías descubrir cuál es? </a:t>
+            </a:r>
+            <a:r>
+              <a:rPr lang="en-GB" dirty="0">
+                <a:solidFill>
+                  <a:schemeClr val="bg1"/>
+                </a:solidFill>
+              </a:rPr>
+              <a:t>e</a:t>
+            </a:r>
+            <a:r>
+              <a:rPr lang="en-ES" dirty="0">
+                <a:solidFill>
+                  <a:schemeClr val="bg1"/>
+                </a:solidFill>
+              </a:rPr>
+              <a:t>s sbyte :)</a:t>
+            </a:r>
+          </a:p>
+          <a:p>
+            <a:r>
+              <a:rPr lang="en-ES" dirty="0"/>
+              <a:t>Tienes más información sobre todos los tipos primitivos aquí:</a:t>
+            </a:r>
+          </a:p>
+          <a:p>
+            <a:pPr lvl="1"/>
+            <a:r>
+              <a:rPr lang="en-GB" dirty="0">
+                <a:hlinkClick r:id="rId2"/>
+              </a:rPr>
+              <a:t>https://</a:t>
+            </a:r>
+            <a:r>
+              <a:rPr lang="en-GB" dirty="0" err="1">
+                <a:hlinkClick r:id="rId2"/>
+              </a:rPr>
+              <a:t>docs.microsoft.com</a:t>
+            </a:r>
+            <a:r>
+              <a:rPr lang="en-GB" dirty="0">
+                <a:hlinkClick r:id="rId2"/>
+              </a:rPr>
+              <a:t>/</a:t>
+            </a:r>
+            <a:r>
+              <a:rPr lang="en-GB" dirty="0" err="1">
+                <a:hlinkClick r:id="rId2"/>
+              </a:rPr>
+              <a:t>en</a:t>
+            </a:r>
+            <a:r>
+              <a:rPr lang="en-GB" dirty="0">
+                <a:hlinkClick r:id="rId2"/>
+              </a:rPr>
+              <a:t>-us/dotnet/</a:t>
+            </a:r>
+            <a:r>
+              <a:rPr lang="en-GB" dirty="0" err="1">
+                <a:hlinkClick r:id="rId2"/>
+              </a:rPr>
+              <a:t>csharp</a:t>
+            </a:r>
+            <a:r>
+              <a:rPr lang="en-GB" dirty="0">
+                <a:hlinkClick r:id="rId2"/>
+              </a:rPr>
+              <a:t>/language-reference/</a:t>
+            </a:r>
+            <a:r>
+              <a:rPr lang="en-GB" dirty="0" err="1">
+                <a:hlinkClick r:id="rId2"/>
+              </a:rPr>
+              <a:t>builtin</a:t>
+            </a:r>
+            <a:r>
+              <a:rPr lang="en-GB" dirty="0">
+                <a:hlinkClick r:id="rId2"/>
+              </a:rPr>
+              <a:t>-types/built-in-types</a:t>
+            </a:r>
+            <a:endParaRPr lang="en-ES" dirty="0"/>
+          </a:p>
+        </p:txBody>
+      </p:sp>
+      <p:sp>
+        <p:nvSpPr>
+          <p:cNvPr id="4" name="Slide Number Placeholder 3">
+            <a:extLst>
+              <a:ext uri="{FF2B5EF4-FFF2-40B4-BE49-F238E27FC236}">
+                <a16:creationId xmlns:a16="http://schemas.microsoft.com/office/drawing/2014/main" id="{53DBA976-F269-9746-B4C8-37BBFC242B6A}"/>
+              </a:ext>
+            </a:extLst>
+          </p:cNvPr>
+          <p:cNvSpPr>
+            <a:spLocks noGrp="1"/>
+          </p:cNvSpPr>
+          <p:nvPr>
+            <p:ph type="sldNum" sz="quarter" idx="12"/>
+          </p:nvPr>
+        </p:nvSpPr>
+        <p:spPr/>
+        <p:txBody>
+          <a:bodyPr/>
+          <a:lstStyle/>
+          <a:p>
+            <a:fld id="{AA58ECC7-594B-3F4D-BC70-865823762D99}" type="slidenum">
+              <a:rPr lang="en-ES" smtClean="0"/>
+              <a:t>28</a:t>
+            </a:fld>
+            <a:endParaRPr lang="en-ES"/>
+          </a:p>
+        </p:txBody>
+      </p:sp>
+    </p:spTree>
+    <p:extLst>
+      <p:ext uri="{BB962C8B-B14F-4D97-AF65-F5344CB8AC3E}">
+        <p14:creationId xmlns:p14="http://schemas.microsoft.com/office/powerpoint/2010/main" val="3722191960"/>
+      </p:ext>
+    </p:extLst>
+  </p:cSld>
+  <p:clrMapOvr>
+    <a:masterClrMapping/>
+  </p:clrMapOvr>
+</p:sld>
+</file>
+
+<file path=ppt/slides/slide29.xml><?xml version="1.0" encoding="utf-8"?>
+<p:sld xmlns:a="http://schemas.openxmlformats.org/drawingml/2006/main" xmlns:r="http://schemas.openxmlformats.org/officeDocument/2006/relationships" xmlns:p="http://schemas.openxmlformats.org/presentationml/2006/main">
+  <p:cSld>
+    <p:spTree>
+      <p:nvGrpSpPr>
+        <p:cNvPr id="1" name=""/>
+        <p:cNvGrpSpPr/>
+        <p:nvPr/>
+      </p:nvGrpSpPr>
+      <p:grpSpPr>
+        <a:xfrm>
+          <a:off x="0" y="0"/>
+          <a:ext cx="0" cy="0"/>
+          <a:chOff x="0" y="0"/>
+          <a:chExt cx="0" cy="0"/>
+        </a:xfrm>
+      </p:grpSpPr>
+      <p:sp>
+        <p:nvSpPr>
+          <p:cNvPr id="2" name="Title 1">
+            <a:extLst>
+              <a:ext uri="{FF2B5EF4-FFF2-40B4-BE49-F238E27FC236}">
+                <a16:creationId xmlns:a16="http://schemas.microsoft.com/office/drawing/2014/main" id="{7140819F-B14D-A044-A4F9-1B86DBBCCEC8}"/>
+              </a:ext>
+            </a:extLst>
+          </p:cNvPr>
+          <p:cNvSpPr>
+            <a:spLocks noGrp="1"/>
+          </p:cNvSpPr>
+          <p:nvPr>
+            <p:ph type="title"/>
+          </p:nvPr>
+        </p:nvSpPr>
+        <p:spPr/>
+        <p:txBody>
+          <a:bodyPr/>
+          <a:lstStyle/>
+          <a:p>
+            <a:r>
+              <a:rPr lang="en-ES" dirty="0"/>
+              <a:t>Operadores aritméticos</a:t>
+            </a:r>
+          </a:p>
+        </p:txBody>
+      </p:sp>
+      <p:sp>
+        <p:nvSpPr>
+          <p:cNvPr id="3" name="Content Placeholder 2">
+            <a:extLst>
+              <a:ext uri="{FF2B5EF4-FFF2-40B4-BE49-F238E27FC236}">
+                <a16:creationId xmlns:a16="http://schemas.microsoft.com/office/drawing/2014/main" id="{E8D8AFD9-E30B-B148-9524-2D247E43141B}"/>
+              </a:ext>
+            </a:extLst>
+          </p:cNvPr>
+          <p:cNvSpPr>
+            <a:spLocks noGrp="1"/>
+          </p:cNvSpPr>
+          <p:nvPr>
+            <p:ph idx="1"/>
+          </p:nvPr>
+        </p:nvSpPr>
+        <p:spPr>
+          <a:xfrm>
+            <a:off x="838200" y="1825625"/>
+            <a:ext cx="10515600" cy="2157652"/>
+          </a:xfrm>
+        </p:spPr>
+        <p:txBody>
+          <a:bodyPr/>
+          <a:lstStyle/>
+          <a:p>
+            <a:r>
+              <a:rPr lang="en-ES" dirty="0"/>
+              <a:t>Realizan operaciones aritméticas sobre tipos numéricos (para sorpresa de: nadie)</a:t>
+            </a:r>
+          </a:p>
+          <a:p>
+            <a:r>
+              <a:rPr lang="en-ES" dirty="0"/>
+              <a:t>Los operadores aritméticos pueden ser unarios o binarios</a:t>
+            </a:r>
+          </a:p>
+          <a:p>
+            <a:pPr lvl="1"/>
+            <a:r>
+              <a:rPr lang="en-ES" dirty="0"/>
+              <a:t>Unarios: operan sobre una única variable</a:t>
+            </a:r>
+          </a:p>
+          <a:p>
+            <a:pPr lvl="1"/>
+            <a:r>
+              <a:rPr lang="en-ES" dirty="0"/>
+              <a:t>Binarios: operan sobre dos variables</a:t>
+            </a:r>
+          </a:p>
+        </p:txBody>
+      </p:sp>
+      <p:sp>
+        <p:nvSpPr>
+          <p:cNvPr id="4" name="Slide Number Placeholder 3">
+            <a:extLst>
+              <a:ext uri="{FF2B5EF4-FFF2-40B4-BE49-F238E27FC236}">
+                <a16:creationId xmlns:a16="http://schemas.microsoft.com/office/drawing/2014/main" id="{00ABB730-6D48-164E-900D-E3035745AEF8}"/>
+              </a:ext>
+            </a:extLst>
+          </p:cNvPr>
+          <p:cNvSpPr>
+            <a:spLocks noGrp="1"/>
+          </p:cNvSpPr>
+          <p:nvPr>
+            <p:ph type="sldNum" sz="quarter" idx="12"/>
+          </p:nvPr>
+        </p:nvSpPr>
+        <p:spPr/>
+        <p:txBody>
+          <a:bodyPr/>
+          <a:lstStyle/>
+          <a:p>
+            <a:fld id="{AA58ECC7-594B-3F4D-BC70-865823762D99}" type="slidenum">
+              <a:rPr lang="en-ES" smtClean="0"/>
+              <a:t>29</a:t>
+            </a:fld>
+            <a:endParaRPr lang="en-ES"/>
+          </a:p>
+        </p:txBody>
+      </p:sp>
+      <p:sp>
+        <p:nvSpPr>
+          <p:cNvPr id="5" name="TextBox 4">
+            <a:extLst>
+              <a:ext uri="{FF2B5EF4-FFF2-40B4-BE49-F238E27FC236}">
+                <a16:creationId xmlns:a16="http://schemas.microsoft.com/office/drawing/2014/main" id="{4C1EE1EF-7EAF-674A-8089-5B410E0FEB8A}"/>
+              </a:ext>
+            </a:extLst>
+          </p:cNvPr>
+          <p:cNvSpPr txBox="1"/>
+          <p:nvPr/>
+        </p:nvSpPr>
+        <p:spPr>
+          <a:xfrm>
+            <a:off x="2443842" y="4118214"/>
+            <a:ext cx="7304315" cy="1569660"/>
+          </a:xfrm>
+          <a:prstGeom prst="rect">
+            <a:avLst/>
+          </a:prstGeom>
+          <a:solidFill>
+            <a:srgbClr val="002060"/>
+          </a:solidFill>
+        </p:spPr>
+        <p:txBody>
+          <a:bodyPr wrap="square" rtlCol="0">
+            <a:spAutoFit/>
+          </a:bodyPr>
+          <a:lstStyle/>
+          <a:p>
+            <a:r>
+              <a:rPr lang="es-ES" sz="2400" dirty="0" err="1">
+                <a:solidFill>
+                  <a:schemeClr val="bg1"/>
+                </a:solidFill>
+                <a:latin typeface="Consolas" panose="020B0609020204030204" pitchFamily="49" charset="0"/>
+                <a:cs typeface="Consolas" panose="020B0609020204030204" pitchFamily="49" charset="0"/>
+              </a:rPr>
+              <a:t>int</a:t>
+            </a:r>
+            <a:r>
+              <a:rPr lang="es-ES" sz="2400" dirty="0">
+                <a:solidFill>
+                  <a:schemeClr val="bg1"/>
+                </a:solidFill>
+                <a:latin typeface="Consolas" panose="020B0609020204030204" pitchFamily="49" charset="0"/>
+                <a:cs typeface="Consolas" panose="020B0609020204030204" pitchFamily="49" charset="0"/>
+              </a:rPr>
+              <a:t> a = 5;</a:t>
+            </a:r>
+          </a:p>
+          <a:p>
+            <a:r>
+              <a:rPr lang="es-ES" sz="2400" dirty="0" err="1">
+                <a:solidFill>
+                  <a:schemeClr val="bg1"/>
+                </a:solidFill>
+                <a:latin typeface="Consolas" panose="020B0609020204030204" pitchFamily="49" charset="0"/>
+                <a:cs typeface="Consolas" panose="020B0609020204030204" pitchFamily="49" charset="0"/>
+              </a:rPr>
+              <a:t>int</a:t>
+            </a:r>
+            <a:r>
+              <a:rPr lang="es-ES" sz="2400" dirty="0">
+                <a:solidFill>
+                  <a:schemeClr val="bg1"/>
+                </a:solidFill>
+                <a:latin typeface="Consolas" panose="020B0609020204030204" pitchFamily="49" charset="0"/>
+                <a:cs typeface="Consolas" panose="020B0609020204030204" pitchFamily="49" charset="0"/>
+              </a:rPr>
+              <a:t> b = 4;</a:t>
+            </a:r>
+          </a:p>
+          <a:p>
+            <a:r>
+              <a:rPr lang="es-ES" sz="2400" dirty="0">
+                <a:solidFill>
+                  <a:schemeClr val="bg1"/>
+                </a:solidFill>
+                <a:latin typeface="Consolas" panose="020B0609020204030204" pitchFamily="49" charset="0"/>
+                <a:cs typeface="Consolas" panose="020B0609020204030204" pitchFamily="49" charset="0"/>
+              </a:rPr>
+              <a:t>a++; // Operador unario</a:t>
+            </a:r>
+          </a:p>
+          <a:p>
+            <a:r>
+              <a:rPr lang="es-ES" sz="2400" dirty="0" err="1">
+                <a:solidFill>
+                  <a:schemeClr val="bg1"/>
+                </a:solidFill>
+                <a:latin typeface="Consolas" panose="020B0609020204030204" pitchFamily="49" charset="0"/>
+                <a:cs typeface="Consolas" panose="020B0609020204030204" pitchFamily="49" charset="0"/>
+              </a:rPr>
+              <a:t>int</a:t>
+            </a:r>
+            <a:r>
+              <a:rPr lang="es-ES" sz="2400" dirty="0">
+                <a:solidFill>
+                  <a:schemeClr val="bg1"/>
+                </a:solidFill>
+                <a:latin typeface="Consolas" panose="020B0609020204030204" pitchFamily="49" charset="0"/>
+                <a:cs typeface="Consolas" panose="020B0609020204030204" pitchFamily="49" charset="0"/>
+              </a:rPr>
+              <a:t> c = a + b; // Operador binario</a:t>
+            </a:r>
+            <a:endParaRPr lang="en-ES" sz="2400" dirty="0">
+              <a:solidFill>
+                <a:schemeClr val="bg1"/>
+              </a:solidFill>
+              <a:latin typeface="Consolas" panose="020B0609020204030204" pitchFamily="49" charset="0"/>
+              <a:cs typeface="Consolas" panose="020B0609020204030204" pitchFamily="49" charset="0"/>
+            </a:endParaRPr>
+          </a:p>
+        </p:txBody>
+      </p:sp>
+    </p:spTree>
+    <p:extLst>
+      <p:ext uri="{BB962C8B-B14F-4D97-AF65-F5344CB8AC3E}">
+        <p14:creationId xmlns:p14="http://schemas.microsoft.com/office/powerpoint/2010/main" val="3609553607"/>
       </p:ext>
     </p:extLst>
   </p:cSld>
@@ -7233,6 +8424,2718 @@
     <p:extLst>
       <p:ext uri="{BB962C8B-B14F-4D97-AF65-F5344CB8AC3E}">
         <p14:creationId xmlns:p14="http://schemas.microsoft.com/office/powerpoint/2010/main" val="1241250115"/>
+      </p:ext>
+    </p:extLst>
+  </p:cSld>
+  <p:clrMapOvr>
+    <a:masterClrMapping/>
+  </p:clrMapOvr>
+</p:sld>
+</file>
+
+<file path=ppt/slides/slide30.xml><?xml version="1.0" encoding="utf-8"?>
+<p:sld xmlns:a="http://schemas.openxmlformats.org/drawingml/2006/main" xmlns:r="http://schemas.openxmlformats.org/officeDocument/2006/relationships" xmlns:p="http://schemas.openxmlformats.org/presentationml/2006/main">
+  <p:cSld>
+    <p:spTree>
+      <p:nvGrpSpPr>
+        <p:cNvPr id="1" name=""/>
+        <p:cNvGrpSpPr/>
+        <p:nvPr/>
+      </p:nvGrpSpPr>
+      <p:grpSpPr>
+        <a:xfrm>
+          <a:off x="0" y="0"/>
+          <a:ext cx="0" cy="0"/>
+          <a:chOff x="0" y="0"/>
+          <a:chExt cx="0" cy="0"/>
+        </a:xfrm>
+      </p:grpSpPr>
+      <p:sp>
+        <p:nvSpPr>
+          <p:cNvPr id="2" name="Title 1">
+            <a:extLst>
+              <a:ext uri="{FF2B5EF4-FFF2-40B4-BE49-F238E27FC236}">
+                <a16:creationId xmlns:a16="http://schemas.microsoft.com/office/drawing/2014/main" id="{65EDD991-AC9C-3242-B202-6F170A7D7333}"/>
+              </a:ext>
+            </a:extLst>
+          </p:cNvPr>
+          <p:cNvSpPr>
+            <a:spLocks noGrp="1"/>
+          </p:cNvSpPr>
+          <p:nvPr>
+            <p:ph type="title"/>
+          </p:nvPr>
+        </p:nvSpPr>
+        <p:spPr/>
+        <p:txBody>
+          <a:bodyPr/>
+          <a:lstStyle/>
+          <a:p>
+            <a:r>
+              <a:rPr lang="en-ES" dirty="0"/>
+              <a:t>Operadores de comparación (I)</a:t>
+            </a:r>
+          </a:p>
+        </p:txBody>
+      </p:sp>
+      <p:sp>
+        <p:nvSpPr>
+          <p:cNvPr id="3" name="Content Placeholder 2">
+            <a:extLst>
+              <a:ext uri="{FF2B5EF4-FFF2-40B4-BE49-F238E27FC236}">
+                <a16:creationId xmlns:a16="http://schemas.microsoft.com/office/drawing/2014/main" id="{ECA0B7DA-A8EE-3249-BECE-89B6C649A125}"/>
+              </a:ext>
+            </a:extLst>
+          </p:cNvPr>
+          <p:cNvSpPr>
+            <a:spLocks noGrp="1"/>
+          </p:cNvSpPr>
+          <p:nvPr>
+            <p:ph idx="1"/>
+          </p:nvPr>
+        </p:nvSpPr>
+        <p:spPr>
+          <a:xfrm>
+            <a:off x="838200" y="1825625"/>
+            <a:ext cx="10515600" cy="1806923"/>
+          </a:xfrm>
+        </p:spPr>
+        <p:txBody>
+          <a:bodyPr>
+            <a:normAutofit/>
+          </a:bodyPr>
+          <a:lstStyle/>
+          <a:p>
+            <a:r>
+              <a:rPr lang="en-ES" dirty="0"/>
+              <a:t>Son siempre binarios</a:t>
+            </a:r>
+          </a:p>
+          <a:p>
+            <a:r>
+              <a:rPr lang="en-ES" dirty="0"/>
+              <a:t>Los operadores de comparación pueden utilizarse para:</a:t>
+            </a:r>
+          </a:p>
+          <a:p>
+            <a:pPr lvl="1"/>
+            <a:r>
+              <a:rPr lang="en-ES" dirty="0"/>
+              <a:t>Determinar la (des)igualdad entre los operandos (</a:t>
+            </a:r>
+            <a:r>
+              <a:rPr lang="en-ES" dirty="0">
+                <a:latin typeface="Consolas" panose="020B0609020204030204" pitchFamily="49" charset="0"/>
+                <a:cs typeface="Consolas" panose="020B0609020204030204" pitchFamily="49" charset="0"/>
+              </a:rPr>
+              <a:t>==</a:t>
+            </a:r>
+            <a:r>
+              <a:rPr lang="en-ES" dirty="0"/>
+              <a:t> y </a:t>
+            </a:r>
+            <a:r>
+              <a:rPr lang="en-ES" dirty="0">
+                <a:latin typeface="Consolas" panose="020B0609020204030204" pitchFamily="49" charset="0"/>
+                <a:cs typeface="Consolas" panose="020B0609020204030204" pitchFamily="49" charset="0"/>
+              </a:rPr>
+              <a:t>!=</a:t>
+            </a:r>
+            <a:r>
+              <a:rPr lang="en-ES" dirty="0"/>
+              <a:t>)</a:t>
+            </a:r>
+          </a:p>
+          <a:p>
+            <a:pPr lvl="1"/>
+            <a:r>
+              <a:rPr lang="en-ES" dirty="0"/>
+              <a:t>Determinar un orden de precedencia entre los operandos (</a:t>
+            </a:r>
+            <a:r>
+              <a:rPr lang="en-ES" dirty="0">
+                <a:latin typeface="Consolas" panose="020B0609020204030204" pitchFamily="49" charset="0"/>
+                <a:cs typeface="Consolas" panose="020B0609020204030204" pitchFamily="49" charset="0"/>
+              </a:rPr>
+              <a:t>&lt;</a:t>
+            </a:r>
+            <a:r>
+              <a:rPr lang="en-ES" dirty="0"/>
+              <a:t>, </a:t>
+            </a:r>
+            <a:r>
+              <a:rPr lang="en-ES" dirty="0">
+                <a:latin typeface="Consolas" panose="020B0609020204030204" pitchFamily="49" charset="0"/>
+                <a:cs typeface="Consolas" panose="020B0609020204030204" pitchFamily="49" charset="0"/>
+              </a:rPr>
+              <a:t>&gt;</a:t>
+            </a:r>
+            <a:r>
+              <a:rPr lang="en-ES" dirty="0"/>
+              <a:t>, </a:t>
+            </a:r>
+            <a:r>
+              <a:rPr lang="en-ES" dirty="0">
+                <a:latin typeface="Consolas" panose="020B0609020204030204" pitchFamily="49" charset="0"/>
+                <a:cs typeface="Consolas" panose="020B0609020204030204" pitchFamily="49" charset="0"/>
+              </a:rPr>
+              <a:t>&lt;=</a:t>
+            </a:r>
+            <a:r>
+              <a:rPr lang="en-ES" dirty="0"/>
+              <a:t>, </a:t>
+            </a:r>
+            <a:r>
+              <a:rPr lang="en-ES" dirty="0">
+                <a:latin typeface="Consolas" panose="020B0609020204030204" pitchFamily="49" charset="0"/>
+                <a:cs typeface="Consolas" panose="020B0609020204030204" pitchFamily="49" charset="0"/>
+              </a:rPr>
+              <a:t>&gt;=</a:t>
+            </a:r>
+            <a:r>
+              <a:rPr lang="en-ES" dirty="0"/>
+              <a:t>)</a:t>
+            </a:r>
+          </a:p>
+        </p:txBody>
+      </p:sp>
+      <p:sp>
+        <p:nvSpPr>
+          <p:cNvPr id="4" name="Slide Number Placeholder 3">
+            <a:extLst>
+              <a:ext uri="{FF2B5EF4-FFF2-40B4-BE49-F238E27FC236}">
+                <a16:creationId xmlns:a16="http://schemas.microsoft.com/office/drawing/2014/main" id="{A924EF66-C0E8-B64C-844B-D70FA03C4266}"/>
+              </a:ext>
+            </a:extLst>
+          </p:cNvPr>
+          <p:cNvSpPr>
+            <a:spLocks noGrp="1"/>
+          </p:cNvSpPr>
+          <p:nvPr>
+            <p:ph type="sldNum" sz="quarter" idx="12"/>
+          </p:nvPr>
+        </p:nvSpPr>
+        <p:spPr/>
+        <p:txBody>
+          <a:bodyPr/>
+          <a:lstStyle/>
+          <a:p>
+            <a:fld id="{AA58ECC7-594B-3F4D-BC70-865823762D99}" type="slidenum">
+              <a:rPr lang="en-ES" smtClean="0"/>
+              <a:t>30</a:t>
+            </a:fld>
+            <a:endParaRPr lang="en-ES"/>
+          </a:p>
+        </p:txBody>
+      </p:sp>
+      <p:sp>
+        <p:nvSpPr>
+          <p:cNvPr id="5" name="TextBox 4">
+            <a:extLst>
+              <a:ext uri="{FF2B5EF4-FFF2-40B4-BE49-F238E27FC236}">
+                <a16:creationId xmlns:a16="http://schemas.microsoft.com/office/drawing/2014/main" id="{1F2C3477-69C6-1C4E-9212-D84D53713B4E}"/>
+              </a:ext>
+            </a:extLst>
+          </p:cNvPr>
+          <p:cNvSpPr txBox="1"/>
+          <p:nvPr/>
+        </p:nvSpPr>
+        <p:spPr>
+          <a:xfrm>
+            <a:off x="2443842" y="3767485"/>
+            <a:ext cx="7304315" cy="1569660"/>
+          </a:xfrm>
+          <a:prstGeom prst="rect">
+            <a:avLst/>
+          </a:prstGeom>
+          <a:solidFill>
+            <a:srgbClr val="002060"/>
+          </a:solidFill>
+        </p:spPr>
+        <p:txBody>
+          <a:bodyPr wrap="square" rtlCol="0">
+            <a:spAutoFit/>
+          </a:bodyPr>
+          <a:lstStyle/>
+          <a:p>
+            <a:r>
+              <a:rPr lang="es-ES" sz="2400" dirty="0" err="1">
+                <a:solidFill>
+                  <a:schemeClr val="bg1"/>
+                </a:solidFill>
+                <a:latin typeface="Consolas" panose="020B0609020204030204" pitchFamily="49" charset="0"/>
+                <a:cs typeface="Consolas" panose="020B0609020204030204" pitchFamily="49" charset="0"/>
+              </a:rPr>
+              <a:t>int</a:t>
+            </a:r>
+            <a:r>
+              <a:rPr lang="es-ES" sz="2400" dirty="0">
+                <a:solidFill>
+                  <a:schemeClr val="bg1"/>
+                </a:solidFill>
+                <a:latin typeface="Consolas" panose="020B0609020204030204" pitchFamily="49" charset="0"/>
+                <a:cs typeface="Consolas" panose="020B0609020204030204" pitchFamily="49" charset="0"/>
+              </a:rPr>
+              <a:t> a = 5;</a:t>
+            </a:r>
+          </a:p>
+          <a:p>
+            <a:r>
+              <a:rPr lang="es-ES" sz="2400" dirty="0" err="1">
+                <a:solidFill>
+                  <a:schemeClr val="bg1"/>
+                </a:solidFill>
+                <a:latin typeface="Consolas" panose="020B0609020204030204" pitchFamily="49" charset="0"/>
+                <a:cs typeface="Consolas" panose="020B0609020204030204" pitchFamily="49" charset="0"/>
+              </a:rPr>
+              <a:t>int</a:t>
+            </a:r>
+            <a:r>
+              <a:rPr lang="es-ES" sz="2400" dirty="0">
+                <a:solidFill>
+                  <a:schemeClr val="bg1"/>
+                </a:solidFill>
+                <a:latin typeface="Consolas" panose="020B0609020204030204" pitchFamily="49" charset="0"/>
+                <a:cs typeface="Consolas" panose="020B0609020204030204" pitchFamily="49" charset="0"/>
+              </a:rPr>
+              <a:t> b = 4;</a:t>
+            </a:r>
+          </a:p>
+          <a:p>
+            <a:r>
+              <a:rPr lang="es-ES" sz="2400" dirty="0" err="1">
+                <a:solidFill>
+                  <a:schemeClr val="bg1"/>
+                </a:solidFill>
+                <a:latin typeface="Consolas" panose="020B0609020204030204" pitchFamily="49" charset="0"/>
+                <a:cs typeface="Consolas" panose="020B0609020204030204" pitchFamily="49" charset="0"/>
+              </a:rPr>
+              <a:t>Console.WriteLine</a:t>
+            </a:r>
+            <a:r>
+              <a:rPr lang="es-ES" sz="2400" dirty="0">
+                <a:solidFill>
+                  <a:schemeClr val="bg1"/>
+                </a:solidFill>
+                <a:latin typeface="Consolas" panose="020B0609020204030204" pitchFamily="49" charset="0"/>
+                <a:cs typeface="Consolas" panose="020B0609020204030204" pitchFamily="49" charset="0"/>
+              </a:rPr>
+              <a:t>(a == b); // False</a:t>
+            </a:r>
+          </a:p>
+          <a:p>
+            <a:r>
+              <a:rPr lang="es-ES" sz="2400" dirty="0" err="1">
+                <a:solidFill>
+                  <a:schemeClr val="bg1"/>
+                </a:solidFill>
+                <a:latin typeface="Consolas" panose="020B0609020204030204" pitchFamily="49" charset="0"/>
+                <a:cs typeface="Consolas" panose="020B0609020204030204" pitchFamily="49" charset="0"/>
+              </a:rPr>
+              <a:t>Console.WriteLine</a:t>
+            </a:r>
+            <a:r>
+              <a:rPr lang="es-ES" sz="2400" dirty="0">
+                <a:solidFill>
+                  <a:schemeClr val="bg1"/>
+                </a:solidFill>
+                <a:latin typeface="Consolas" panose="020B0609020204030204" pitchFamily="49" charset="0"/>
+                <a:cs typeface="Consolas" panose="020B0609020204030204" pitchFamily="49" charset="0"/>
+              </a:rPr>
+              <a:t>(a &gt; b); // True</a:t>
+            </a:r>
+            <a:endParaRPr lang="en-ES" sz="2400" dirty="0">
+              <a:solidFill>
+                <a:schemeClr val="bg1"/>
+              </a:solidFill>
+              <a:latin typeface="Consolas" panose="020B0609020204030204" pitchFamily="49" charset="0"/>
+              <a:cs typeface="Consolas" panose="020B0609020204030204" pitchFamily="49" charset="0"/>
+            </a:endParaRPr>
+          </a:p>
+        </p:txBody>
+      </p:sp>
+    </p:spTree>
+    <p:extLst>
+      <p:ext uri="{BB962C8B-B14F-4D97-AF65-F5344CB8AC3E}">
+        <p14:creationId xmlns:p14="http://schemas.microsoft.com/office/powerpoint/2010/main" val="1786398404"/>
+      </p:ext>
+    </p:extLst>
+  </p:cSld>
+  <p:clrMapOvr>
+    <a:masterClrMapping/>
+  </p:clrMapOvr>
+</p:sld>
+</file>
+
+<file path=ppt/slides/slide31.xml><?xml version="1.0" encoding="utf-8"?>
+<p:sld xmlns:a="http://schemas.openxmlformats.org/drawingml/2006/main" xmlns:r="http://schemas.openxmlformats.org/officeDocument/2006/relationships" xmlns:p="http://schemas.openxmlformats.org/presentationml/2006/main">
+  <p:cSld>
+    <p:spTree>
+      <p:nvGrpSpPr>
+        <p:cNvPr id="1" name=""/>
+        <p:cNvGrpSpPr/>
+        <p:nvPr/>
+      </p:nvGrpSpPr>
+      <p:grpSpPr>
+        <a:xfrm>
+          <a:off x="0" y="0"/>
+          <a:ext cx="0" cy="0"/>
+          <a:chOff x="0" y="0"/>
+          <a:chExt cx="0" cy="0"/>
+        </a:xfrm>
+      </p:grpSpPr>
+      <p:sp>
+        <p:nvSpPr>
+          <p:cNvPr id="2" name="Title 1">
+            <a:extLst>
+              <a:ext uri="{FF2B5EF4-FFF2-40B4-BE49-F238E27FC236}">
+                <a16:creationId xmlns:a16="http://schemas.microsoft.com/office/drawing/2014/main" id="{946A1E0F-AA4B-7C4A-8A0C-688AE57389CB}"/>
+              </a:ext>
+            </a:extLst>
+          </p:cNvPr>
+          <p:cNvSpPr>
+            <a:spLocks noGrp="1"/>
+          </p:cNvSpPr>
+          <p:nvPr>
+            <p:ph type="title"/>
+          </p:nvPr>
+        </p:nvSpPr>
+        <p:spPr/>
+        <p:txBody>
+          <a:bodyPr/>
+          <a:lstStyle/>
+          <a:p>
+            <a:r>
+              <a:rPr lang="en-ES" dirty="0"/>
+              <a:t>Operadores de comparación (II)</a:t>
+            </a:r>
+          </a:p>
+        </p:txBody>
+      </p:sp>
+      <p:sp>
+        <p:nvSpPr>
+          <p:cNvPr id="3" name="Content Placeholder 2">
+            <a:extLst>
+              <a:ext uri="{FF2B5EF4-FFF2-40B4-BE49-F238E27FC236}">
+                <a16:creationId xmlns:a16="http://schemas.microsoft.com/office/drawing/2014/main" id="{2A5D42E8-52B6-9D4F-BF01-0A3504967713}"/>
+              </a:ext>
+            </a:extLst>
+          </p:cNvPr>
+          <p:cNvSpPr>
+            <a:spLocks noGrp="1"/>
+          </p:cNvSpPr>
+          <p:nvPr>
+            <p:ph idx="1"/>
+          </p:nvPr>
+        </p:nvSpPr>
+        <p:spPr>
+          <a:xfrm>
+            <a:off x="838200" y="1825625"/>
+            <a:ext cx="10515600" cy="504216"/>
+          </a:xfrm>
+        </p:spPr>
+        <p:txBody>
+          <a:bodyPr/>
+          <a:lstStyle/>
+          <a:p>
+            <a:r>
+              <a:rPr lang="en-ES" dirty="0"/>
+              <a:t>En Java hay algo completamente prohibidísimo:</a:t>
+            </a:r>
+          </a:p>
+        </p:txBody>
+      </p:sp>
+      <p:sp>
+        <p:nvSpPr>
+          <p:cNvPr id="4" name="Slide Number Placeholder 3">
+            <a:extLst>
+              <a:ext uri="{FF2B5EF4-FFF2-40B4-BE49-F238E27FC236}">
+                <a16:creationId xmlns:a16="http://schemas.microsoft.com/office/drawing/2014/main" id="{A987A9C5-9BDA-0642-B304-4C5EC94878CD}"/>
+              </a:ext>
+            </a:extLst>
+          </p:cNvPr>
+          <p:cNvSpPr>
+            <a:spLocks noGrp="1"/>
+          </p:cNvSpPr>
+          <p:nvPr>
+            <p:ph type="sldNum" sz="quarter" idx="12"/>
+          </p:nvPr>
+        </p:nvSpPr>
+        <p:spPr/>
+        <p:txBody>
+          <a:bodyPr/>
+          <a:lstStyle/>
+          <a:p>
+            <a:fld id="{AA58ECC7-594B-3F4D-BC70-865823762D99}" type="slidenum">
+              <a:rPr lang="en-ES" smtClean="0"/>
+              <a:t>31</a:t>
+            </a:fld>
+            <a:endParaRPr lang="en-ES"/>
+          </a:p>
+        </p:txBody>
+      </p:sp>
+      <p:sp>
+        <p:nvSpPr>
+          <p:cNvPr id="5" name="TextBox 4">
+            <a:extLst>
+              <a:ext uri="{FF2B5EF4-FFF2-40B4-BE49-F238E27FC236}">
+                <a16:creationId xmlns:a16="http://schemas.microsoft.com/office/drawing/2014/main" id="{29C71080-7578-2145-9EDA-E8EB0291D932}"/>
+              </a:ext>
+            </a:extLst>
+          </p:cNvPr>
+          <p:cNvSpPr txBox="1"/>
+          <p:nvPr/>
+        </p:nvSpPr>
+        <p:spPr>
+          <a:xfrm>
+            <a:off x="2443842" y="2464778"/>
+            <a:ext cx="7304315" cy="1200329"/>
+          </a:xfrm>
+          <a:prstGeom prst="rect">
+            <a:avLst/>
+          </a:prstGeom>
+          <a:solidFill>
+            <a:srgbClr val="002060"/>
+          </a:solidFill>
+        </p:spPr>
+        <p:txBody>
+          <a:bodyPr wrap="square" rtlCol="0">
+            <a:spAutoFit/>
+          </a:bodyPr>
+          <a:lstStyle/>
+          <a:p>
+            <a:r>
+              <a:rPr lang="en-ES" sz="2400" dirty="0">
+                <a:solidFill>
+                  <a:schemeClr val="bg1"/>
+                </a:solidFill>
+                <a:latin typeface="Consolas" panose="020B0609020204030204" pitchFamily="49" charset="0"/>
+                <a:cs typeface="Consolas" panose="020B0609020204030204" pitchFamily="49" charset="0"/>
+              </a:rPr>
+              <a:t>String a = "Mi nombre es Pepito";</a:t>
+            </a:r>
+          </a:p>
+          <a:p>
+            <a:r>
+              <a:rPr lang="en-ES" sz="2400" dirty="0">
+                <a:solidFill>
+                  <a:schemeClr val="bg1"/>
+                </a:solidFill>
+                <a:latin typeface="Consolas" panose="020B0609020204030204" pitchFamily="49" charset="0"/>
+                <a:cs typeface="Consolas" panose="020B0609020204030204" pitchFamily="49" charset="0"/>
+              </a:rPr>
+              <a:t>String b = "Mi nombre es Pepito";</a:t>
+            </a:r>
+          </a:p>
+          <a:p>
+            <a:r>
+              <a:rPr lang="en-ES" sz="2400" dirty="0">
+                <a:solidFill>
+                  <a:schemeClr val="bg1"/>
+                </a:solidFill>
+                <a:latin typeface="Consolas" panose="020B0609020204030204" pitchFamily="49" charset="0"/>
+                <a:cs typeface="Consolas" panose="020B0609020204030204" pitchFamily="49" charset="0"/>
+              </a:rPr>
+              <a:t>System.out.println(a == b); // False!</a:t>
+            </a:r>
+          </a:p>
+        </p:txBody>
+      </p:sp>
+      <p:sp>
+        <p:nvSpPr>
+          <p:cNvPr id="6" name="Content Placeholder 2">
+            <a:extLst>
+              <a:ext uri="{FF2B5EF4-FFF2-40B4-BE49-F238E27FC236}">
+                <a16:creationId xmlns:a16="http://schemas.microsoft.com/office/drawing/2014/main" id="{7998510A-6A06-4A45-9994-210A17B068D4}"/>
+              </a:ext>
+            </a:extLst>
+          </p:cNvPr>
+          <p:cNvSpPr txBox="1">
+            <a:spLocks/>
+          </p:cNvSpPr>
+          <p:nvPr/>
+        </p:nvSpPr>
+        <p:spPr>
+          <a:xfrm>
+            <a:off x="838200" y="3800044"/>
+            <a:ext cx="10515600" cy="504216"/>
+          </a:xfrm>
+          <a:prstGeom prst="rect">
+            <a:avLst/>
+          </a:prstGeom>
+        </p:spPr>
+        <p:txBody>
+          <a:bodyPr vert="horz" lIns="91440" tIns="45720" rIns="91440" bIns="45720" rtlCol="0">
+            <a:normAutofit/>
+          </a:bodyPr>
+          <a:lstStyle>
+            <a:lvl1pPr marL="228600" indent="-228600" algn="l" defTabSz="914400" rtl="0" eaLnBrk="1" latinLnBrk="0" hangingPunct="1">
+              <a:lnSpc>
+                <a:spcPct val="90000"/>
+              </a:lnSpc>
+              <a:spcBef>
+                <a:spcPts val="1000"/>
+              </a:spcBef>
+              <a:buFont typeface="Arial" panose="020B0604020202020204" pitchFamily="34" charset="0"/>
+              <a:buChar char="•"/>
+              <a:defRPr sz="2800" kern="1200">
+                <a:solidFill>
+                  <a:schemeClr val="tx1"/>
+                </a:solidFill>
+                <a:latin typeface="+mn-lt"/>
+                <a:ea typeface="+mn-ea"/>
+                <a:cs typeface="+mn-cs"/>
+              </a:defRPr>
+            </a:lvl1pPr>
+            <a:lvl2pPr marL="685800" indent="-228600" algn="l" defTabSz="914400" rtl="0" eaLnBrk="1" latinLnBrk="0" hangingPunct="1">
+              <a:lnSpc>
+                <a:spcPct val="90000"/>
+              </a:lnSpc>
+              <a:spcBef>
+                <a:spcPts val="500"/>
+              </a:spcBef>
+              <a:buFont typeface="Arial" panose="020B0604020202020204" pitchFamily="34" charset="0"/>
+              <a:buChar char="•"/>
+              <a:defRPr sz="2400" kern="1200">
+                <a:solidFill>
+                  <a:schemeClr val="tx1"/>
+                </a:solidFill>
+                <a:latin typeface="+mn-lt"/>
+                <a:ea typeface="+mn-ea"/>
+                <a:cs typeface="+mn-cs"/>
+              </a:defRPr>
+            </a:lvl2pPr>
+            <a:lvl3pPr marL="1143000" indent="-228600" algn="l" defTabSz="914400" rtl="0" eaLnBrk="1" latinLnBrk="0" hangingPunct="1">
+              <a:lnSpc>
+                <a:spcPct val="90000"/>
+              </a:lnSpc>
+              <a:spcBef>
+                <a:spcPts val="500"/>
+              </a:spcBef>
+              <a:buFont typeface="Arial" panose="020B0604020202020204" pitchFamily="34" charset="0"/>
+              <a:buChar char="•"/>
+              <a:defRPr sz="2000" kern="1200">
+                <a:solidFill>
+                  <a:schemeClr val="tx1"/>
+                </a:solidFill>
+                <a:latin typeface="+mn-lt"/>
+                <a:ea typeface="+mn-ea"/>
+                <a:cs typeface="+mn-cs"/>
+              </a:defRPr>
+            </a:lvl3pPr>
+            <a:lvl4pPr marL="1600200" indent="-228600" algn="l" defTabSz="914400" rtl="0" eaLnBrk="1" latinLnBrk="0" hangingPunct="1">
+              <a:lnSpc>
+                <a:spcPct val="90000"/>
+              </a:lnSpc>
+              <a:spcBef>
+                <a:spcPts val="500"/>
+              </a:spcBef>
+              <a:buFont typeface="Arial" panose="020B0604020202020204" pitchFamily="34" charset="0"/>
+              <a:buChar char="•"/>
+              <a:defRPr sz="1800" kern="1200">
+                <a:solidFill>
+                  <a:schemeClr val="tx1"/>
+                </a:solidFill>
+                <a:latin typeface="+mn-lt"/>
+                <a:ea typeface="+mn-ea"/>
+                <a:cs typeface="+mn-cs"/>
+              </a:defRPr>
+            </a:lvl4pPr>
+            <a:lvl5pPr marL="2057400" indent="-228600" algn="l" defTabSz="914400" rtl="0" eaLnBrk="1" latinLnBrk="0" hangingPunct="1">
+              <a:lnSpc>
+                <a:spcPct val="90000"/>
+              </a:lnSpc>
+              <a:spcBef>
+                <a:spcPts val="500"/>
+              </a:spcBef>
+              <a:buFont typeface="Arial" panose="020B0604020202020204" pitchFamily="34" charset="0"/>
+              <a:buChar char="•"/>
+              <a:defRPr sz="1800" kern="1200">
+                <a:solidFill>
+                  <a:schemeClr val="tx1"/>
+                </a:solidFill>
+                <a:latin typeface="+mn-lt"/>
+                <a:ea typeface="+mn-ea"/>
+                <a:cs typeface="+mn-cs"/>
+              </a:defRPr>
+            </a:lvl5pPr>
+            <a:lvl6pPr marL="2514600" indent="-228600" algn="l" defTabSz="914400" rtl="0" eaLnBrk="1" latinLnBrk="0" hangingPunct="1">
+              <a:lnSpc>
+                <a:spcPct val="90000"/>
+              </a:lnSpc>
+              <a:spcBef>
+                <a:spcPts val="500"/>
+              </a:spcBef>
+              <a:buFont typeface="Arial" panose="020B0604020202020204" pitchFamily="34" charset="0"/>
+              <a:buChar char="•"/>
+              <a:defRPr sz="1800" kern="1200">
+                <a:solidFill>
+                  <a:schemeClr val="tx1"/>
+                </a:solidFill>
+                <a:latin typeface="+mn-lt"/>
+                <a:ea typeface="+mn-ea"/>
+                <a:cs typeface="+mn-cs"/>
+              </a:defRPr>
+            </a:lvl6pPr>
+            <a:lvl7pPr marL="2971800" indent="-228600" algn="l" defTabSz="914400" rtl="0" eaLnBrk="1" latinLnBrk="0" hangingPunct="1">
+              <a:lnSpc>
+                <a:spcPct val="90000"/>
+              </a:lnSpc>
+              <a:spcBef>
+                <a:spcPts val="500"/>
+              </a:spcBef>
+              <a:buFont typeface="Arial" panose="020B0604020202020204" pitchFamily="34" charset="0"/>
+              <a:buChar char="•"/>
+              <a:defRPr sz="1800" kern="1200">
+                <a:solidFill>
+                  <a:schemeClr val="tx1"/>
+                </a:solidFill>
+                <a:latin typeface="+mn-lt"/>
+                <a:ea typeface="+mn-ea"/>
+                <a:cs typeface="+mn-cs"/>
+              </a:defRPr>
+            </a:lvl7pPr>
+            <a:lvl8pPr marL="3429000" indent="-228600" algn="l" defTabSz="914400" rtl="0" eaLnBrk="1" latinLnBrk="0" hangingPunct="1">
+              <a:lnSpc>
+                <a:spcPct val="90000"/>
+              </a:lnSpc>
+              <a:spcBef>
+                <a:spcPts val="500"/>
+              </a:spcBef>
+              <a:buFont typeface="Arial" panose="020B0604020202020204" pitchFamily="34" charset="0"/>
+              <a:buChar char="•"/>
+              <a:defRPr sz="1800" kern="1200">
+                <a:solidFill>
+                  <a:schemeClr val="tx1"/>
+                </a:solidFill>
+                <a:latin typeface="+mn-lt"/>
+                <a:ea typeface="+mn-ea"/>
+                <a:cs typeface="+mn-cs"/>
+              </a:defRPr>
+            </a:lvl8pPr>
+            <a:lvl9pPr marL="3886200" indent="-228600" algn="l" defTabSz="914400" rtl="0" eaLnBrk="1" latinLnBrk="0" hangingPunct="1">
+              <a:lnSpc>
+                <a:spcPct val="90000"/>
+              </a:lnSpc>
+              <a:spcBef>
+                <a:spcPts val="500"/>
+              </a:spcBef>
+              <a:buFont typeface="Arial" panose="020B0604020202020204" pitchFamily="34" charset="0"/>
+              <a:buChar char="•"/>
+              <a:defRPr sz="1800" kern="1200">
+                <a:solidFill>
+                  <a:schemeClr val="tx1"/>
+                </a:solidFill>
+                <a:latin typeface="+mn-lt"/>
+                <a:ea typeface="+mn-ea"/>
+                <a:cs typeface="+mn-cs"/>
+              </a:defRPr>
+            </a:lvl9pPr>
+          </a:lstStyle>
+          <a:p>
+            <a:r>
+              <a:rPr lang="en-ES" dirty="0"/>
+              <a:t>En C# (en general*) también puedes comparar strings con '</a:t>
+            </a:r>
+            <a:r>
+              <a:rPr lang="en-ES" dirty="0">
+                <a:latin typeface="Consolas" panose="020B0609020204030204" pitchFamily="49" charset="0"/>
+                <a:cs typeface="Consolas" panose="020B0609020204030204" pitchFamily="49" charset="0"/>
+              </a:rPr>
+              <a:t>==</a:t>
+            </a:r>
+            <a:r>
+              <a:rPr lang="en-ES" dirty="0"/>
+              <a:t>':</a:t>
+            </a:r>
+          </a:p>
+        </p:txBody>
+      </p:sp>
+      <p:sp>
+        <p:nvSpPr>
+          <p:cNvPr id="7" name="TextBox 6">
+            <a:extLst>
+              <a:ext uri="{FF2B5EF4-FFF2-40B4-BE49-F238E27FC236}">
+                <a16:creationId xmlns:a16="http://schemas.microsoft.com/office/drawing/2014/main" id="{D838B4BA-BAC1-9F42-BB24-D9625554D919}"/>
+              </a:ext>
+            </a:extLst>
+          </p:cNvPr>
+          <p:cNvSpPr txBox="1"/>
+          <p:nvPr/>
+        </p:nvSpPr>
+        <p:spPr>
+          <a:xfrm>
+            <a:off x="2443841" y="4381931"/>
+            <a:ext cx="7304315" cy="1200329"/>
+          </a:xfrm>
+          <a:prstGeom prst="rect">
+            <a:avLst/>
+          </a:prstGeom>
+          <a:solidFill>
+            <a:srgbClr val="002060"/>
+          </a:solidFill>
+        </p:spPr>
+        <p:txBody>
+          <a:bodyPr wrap="square" rtlCol="0">
+            <a:spAutoFit/>
+          </a:bodyPr>
+          <a:lstStyle/>
+          <a:p>
+            <a:r>
+              <a:rPr lang="en-ES" sz="2400" dirty="0">
+                <a:solidFill>
+                  <a:schemeClr val="bg1"/>
+                </a:solidFill>
+                <a:latin typeface="Consolas" panose="020B0609020204030204" pitchFamily="49" charset="0"/>
+                <a:cs typeface="Consolas" panose="020B0609020204030204" pitchFamily="49" charset="0"/>
+              </a:rPr>
+              <a:t>string a = "Mi nombre es Pepito";</a:t>
+            </a:r>
+          </a:p>
+          <a:p>
+            <a:r>
+              <a:rPr lang="en-ES" sz="2400" dirty="0">
+                <a:solidFill>
+                  <a:schemeClr val="bg1"/>
+                </a:solidFill>
+                <a:latin typeface="Consolas" panose="020B0609020204030204" pitchFamily="49" charset="0"/>
+                <a:cs typeface="Consolas" panose="020B0609020204030204" pitchFamily="49" charset="0"/>
+              </a:rPr>
+              <a:t>string b = "Mi nombre es Pepito";</a:t>
+            </a:r>
+          </a:p>
+          <a:p>
+            <a:r>
+              <a:rPr lang="en-ES" sz="2400" dirty="0">
+                <a:solidFill>
+                  <a:schemeClr val="bg1"/>
+                </a:solidFill>
+                <a:latin typeface="Consolas" panose="020B0609020204030204" pitchFamily="49" charset="0"/>
+                <a:cs typeface="Consolas" panose="020B0609020204030204" pitchFamily="49" charset="0"/>
+              </a:rPr>
+              <a:t>Console.WriteLine(a == b); // True!</a:t>
+            </a:r>
+          </a:p>
+        </p:txBody>
+      </p:sp>
+      <p:sp>
+        <p:nvSpPr>
+          <p:cNvPr id="8" name="Content Placeholder 2">
+            <a:extLst>
+              <a:ext uri="{FF2B5EF4-FFF2-40B4-BE49-F238E27FC236}">
+                <a16:creationId xmlns:a16="http://schemas.microsoft.com/office/drawing/2014/main" id="{81D9E2CE-1BB7-A347-9073-77FF3E8B8A51}"/>
+              </a:ext>
+            </a:extLst>
+          </p:cNvPr>
+          <p:cNvSpPr txBox="1">
+            <a:spLocks/>
+          </p:cNvSpPr>
+          <p:nvPr/>
+        </p:nvSpPr>
+        <p:spPr>
+          <a:xfrm>
+            <a:off x="838200" y="5659931"/>
+            <a:ext cx="10515600" cy="504216"/>
+          </a:xfrm>
+          <a:prstGeom prst="rect">
+            <a:avLst/>
+          </a:prstGeom>
+        </p:spPr>
+        <p:txBody>
+          <a:bodyPr vert="horz" lIns="91440" tIns="45720" rIns="91440" bIns="45720" rtlCol="0" anchor="b">
+            <a:normAutofit/>
+          </a:bodyPr>
+          <a:lstStyle>
+            <a:lvl1pPr marL="228600" indent="-228600" algn="l" defTabSz="914400" rtl="0" eaLnBrk="1" latinLnBrk="0" hangingPunct="1">
+              <a:lnSpc>
+                <a:spcPct val="90000"/>
+              </a:lnSpc>
+              <a:spcBef>
+                <a:spcPts val="1000"/>
+              </a:spcBef>
+              <a:buFont typeface="Arial" panose="020B0604020202020204" pitchFamily="34" charset="0"/>
+              <a:buChar char="•"/>
+              <a:defRPr sz="2800" kern="1200">
+                <a:solidFill>
+                  <a:schemeClr val="tx1"/>
+                </a:solidFill>
+                <a:latin typeface="+mn-lt"/>
+                <a:ea typeface="+mn-ea"/>
+                <a:cs typeface="+mn-cs"/>
+              </a:defRPr>
+            </a:lvl1pPr>
+            <a:lvl2pPr marL="685800" indent="-228600" algn="l" defTabSz="914400" rtl="0" eaLnBrk="1" latinLnBrk="0" hangingPunct="1">
+              <a:lnSpc>
+                <a:spcPct val="90000"/>
+              </a:lnSpc>
+              <a:spcBef>
+                <a:spcPts val="500"/>
+              </a:spcBef>
+              <a:buFont typeface="Arial" panose="020B0604020202020204" pitchFamily="34" charset="0"/>
+              <a:buChar char="•"/>
+              <a:defRPr sz="2400" kern="1200">
+                <a:solidFill>
+                  <a:schemeClr val="tx1"/>
+                </a:solidFill>
+                <a:latin typeface="+mn-lt"/>
+                <a:ea typeface="+mn-ea"/>
+                <a:cs typeface="+mn-cs"/>
+              </a:defRPr>
+            </a:lvl2pPr>
+            <a:lvl3pPr marL="1143000" indent="-228600" algn="l" defTabSz="914400" rtl="0" eaLnBrk="1" latinLnBrk="0" hangingPunct="1">
+              <a:lnSpc>
+                <a:spcPct val="90000"/>
+              </a:lnSpc>
+              <a:spcBef>
+                <a:spcPts val="500"/>
+              </a:spcBef>
+              <a:buFont typeface="Arial" panose="020B0604020202020204" pitchFamily="34" charset="0"/>
+              <a:buChar char="•"/>
+              <a:defRPr sz="2000" kern="1200">
+                <a:solidFill>
+                  <a:schemeClr val="tx1"/>
+                </a:solidFill>
+                <a:latin typeface="+mn-lt"/>
+                <a:ea typeface="+mn-ea"/>
+                <a:cs typeface="+mn-cs"/>
+              </a:defRPr>
+            </a:lvl3pPr>
+            <a:lvl4pPr marL="1600200" indent="-228600" algn="l" defTabSz="914400" rtl="0" eaLnBrk="1" latinLnBrk="0" hangingPunct="1">
+              <a:lnSpc>
+                <a:spcPct val="90000"/>
+              </a:lnSpc>
+              <a:spcBef>
+                <a:spcPts val="500"/>
+              </a:spcBef>
+              <a:buFont typeface="Arial" panose="020B0604020202020204" pitchFamily="34" charset="0"/>
+              <a:buChar char="•"/>
+              <a:defRPr sz="1800" kern="1200">
+                <a:solidFill>
+                  <a:schemeClr val="tx1"/>
+                </a:solidFill>
+                <a:latin typeface="+mn-lt"/>
+                <a:ea typeface="+mn-ea"/>
+                <a:cs typeface="+mn-cs"/>
+              </a:defRPr>
+            </a:lvl4pPr>
+            <a:lvl5pPr marL="2057400" indent="-228600" algn="l" defTabSz="914400" rtl="0" eaLnBrk="1" latinLnBrk="0" hangingPunct="1">
+              <a:lnSpc>
+                <a:spcPct val="90000"/>
+              </a:lnSpc>
+              <a:spcBef>
+                <a:spcPts val="500"/>
+              </a:spcBef>
+              <a:buFont typeface="Arial" panose="020B0604020202020204" pitchFamily="34" charset="0"/>
+              <a:buChar char="•"/>
+              <a:defRPr sz="1800" kern="1200">
+                <a:solidFill>
+                  <a:schemeClr val="tx1"/>
+                </a:solidFill>
+                <a:latin typeface="+mn-lt"/>
+                <a:ea typeface="+mn-ea"/>
+                <a:cs typeface="+mn-cs"/>
+              </a:defRPr>
+            </a:lvl5pPr>
+            <a:lvl6pPr marL="2514600" indent="-228600" algn="l" defTabSz="914400" rtl="0" eaLnBrk="1" latinLnBrk="0" hangingPunct="1">
+              <a:lnSpc>
+                <a:spcPct val="90000"/>
+              </a:lnSpc>
+              <a:spcBef>
+                <a:spcPts val="500"/>
+              </a:spcBef>
+              <a:buFont typeface="Arial" panose="020B0604020202020204" pitchFamily="34" charset="0"/>
+              <a:buChar char="•"/>
+              <a:defRPr sz="1800" kern="1200">
+                <a:solidFill>
+                  <a:schemeClr val="tx1"/>
+                </a:solidFill>
+                <a:latin typeface="+mn-lt"/>
+                <a:ea typeface="+mn-ea"/>
+                <a:cs typeface="+mn-cs"/>
+              </a:defRPr>
+            </a:lvl6pPr>
+            <a:lvl7pPr marL="2971800" indent="-228600" algn="l" defTabSz="914400" rtl="0" eaLnBrk="1" latinLnBrk="0" hangingPunct="1">
+              <a:lnSpc>
+                <a:spcPct val="90000"/>
+              </a:lnSpc>
+              <a:spcBef>
+                <a:spcPts val="500"/>
+              </a:spcBef>
+              <a:buFont typeface="Arial" panose="020B0604020202020204" pitchFamily="34" charset="0"/>
+              <a:buChar char="•"/>
+              <a:defRPr sz="1800" kern="1200">
+                <a:solidFill>
+                  <a:schemeClr val="tx1"/>
+                </a:solidFill>
+                <a:latin typeface="+mn-lt"/>
+                <a:ea typeface="+mn-ea"/>
+                <a:cs typeface="+mn-cs"/>
+              </a:defRPr>
+            </a:lvl7pPr>
+            <a:lvl8pPr marL="3429000" indent="-228600" algn="l" defTabSz="914400" rtl="0" eaLnBrk="1" latinLnBrk="0" hangingPunct="1">
+              <a:lnSpc>
+                <a:spcPct val="90000"/>
+              </a:lnSpc>
+              <a:spcBef>
+                <a:spcPts val="500"/>
+              </a:spcBef>
+              <a:buFont typeface="Arial" panose="020B0604020202020204" pitchFamily="34" charset="0"/>
+              <a:buChar char="•"/>
+              <a:defRPr sz="1800" kern="1200">
+                <a:solidFill>
+                  <a:schemeClr val="tx1"/>
+                </a:solidFill>
+                <a:latin typeface="+mn-lt"/>
+                <a:ea typeface="+mn-ea"/>
+                <a:cs typeface="+mn-cs"/>
+              </a:defRPr>
+            </a:lvl8pPr>
+            <a:lvl9pPr marL="3886200" indent="-228600" algn="l" defTabSz="914400" rtl="0" eaLnBrk="1" latinLnBrk="0" hangingPunct="1">
+              <a:lnSpc>
+                <a:spcPct val="90000"/>
+              </a:lnSpc>
+              <a:spcBef>
+                <a:spcPts val="500"/>
+              </a:spcBef>
+              <a:buFont typeface="Arial" panose="020B0604020202020204" pitchFamily="34" charset="0"/>
+              <a:buChar char="•"/>
+              <a:defRPr sz="1800" kern="1200">
+                <a:solidFill>
+                  <a:schemeClr val="tx1"/>
+                </a:solidFill>
+                <a:latin typeface="+mn-lt"/>
+                <a:ea typeface="+mn-ea"/>
+                <a:cs typeface="+mn-cs"/>
+              </a:defRPr>
+            </a:lvl9pPr>
+          </a:lstStyle>
+          <a:p>
+            <a:pPr marL="0" indent="0" algn="r">
+              <a:buNone/>
+            </a:pPr>
+            <a:r>
+              <a:rPr lang="en-ES" sz="1800" i="1" dirty="0"/>
+              <a:t>* Hasta que entráis en el maravilloso mundo de los encodings</a:t>
+            </a:r>
+          </a:p>
+        </p:txBody>
+      </p:sp>
+    </p:spTree>
+    <p:extLst>
+      <p:ext uri="{BB962C8B-B14F-4D97-AF65-F5344CB8AC3E}">
+        <p14:creationId xmlns:p14="http://schemas.microsoft.com/office/powerpoint/2010/main" val="1837523031"/>
+      </p:ext>
+    </p:extLst>
+  </p:cSld>
+  <p:clrMapOvr>
+    <a:masterClrMapping/>
+  </p:clrMapOvr>
+</p:sld>
+</file>
+
+<file path=ppt/slides/slide32.xml><?xml version="1.0" encoding="utf-8"?>
+<p:sld xmlns:a="http://schemas.openxmlformats.org/drawingml/2006/main" xmlns:r="http://schemas.openxmlformats.org/officeDocument/2006/relationships" xmlns:p="http://schemas.openxmlformats.org/presentationml/2006/main">
+  <p:cSld>
+    <p:spTree>
+      <p:nvGrpSpPr>
+        <p:cNvPr id="1" name=""/>
+        <p:cNvGrpSpPr/>
+        <p:nvPr/>
+      </p:nvGrpSpPr>
+      <p:grpSpPr>
+        <a:xfrm>
+          <a:off x="0" y="0"/>
+          <a:ext cx="0" cy="0"/>
+          <a:chOff x="0" y="0"/>
+          <a:chExt cx="0" cy="0"/>
+        </a:xfrm>
+      </p:grpSpPr>
+      <p:sp>
+        <p:nvSpPr>
+          <p:cNvPr id="2" name="Title 1">
+            <a:extLst>
+              <a:ext uri="{FF2B5EF4-FFF2-40B4-BE49-F238E27FC236}">
+                <a16:creationId xmlns:a16="http://schemas.microsoft.com/office/drawing/2014/main" id="{392A37A6-1F1A-F341-93A5-F00731E99B86}"/>
+              </a:ext>
+            </a:extLst>
+          </p:cNvPr>
+          <p:cNvSpPr>
+            <a:spLocks noGrp="1"/>
+          </p:cNvSpPr>
+          <p:nvPr>
+            <p:ph type="title"/>
+          </p:nvPr>
+        </p:nvSpPr>
+        <p:spPr/>
+        <p:txBody>
+          <a:bodyPr/>
+          <a:lstStyle/>
+          <a:p>
+            <a:r>
+              <a:rPr lang="en-ES" dirty="0"/>
+              <a:t>Operadores de lógica booleana</a:t>
+            </a:r>
+          </a:p>
+        </p:txBody>
+      </p:sp>
+      <p:sp>
+        <p:nvSpPr>
+          <p:cNvPr id="3" name="Content Placeholder 2">
+            <a:extLst>
+              <a:ext uri="{FF2B5EF4-FFF2-40B4-BE49-F238E27FC236}">
+                <a16:creationId xmlns:a16="http://schemas.microsoft.com/office/drawing/2014/main" id="{4DD2A0E8-7A03-804C-9ABA-D09F6F80ACF5}"/>
+              </a:ext>
+            </a:extLst>
+          </p:cNvPr>
+          <p:cNvSpPr>
+            <a:spLocks noGrp="1"/>
+          </p:cNvSpPr>
+          <p:nvPr>
+            <p:ph idx="1"/>
+          </p:nvPr>
+        </p:nvSpPr>
+        <p:spPr>
+          <a:xfrm>
+            <a:off x="838200" y="1825625"/>
+            <a:ext cx="10515600" cy="1756818"/>
+          </a:xfrm>
+        </p:spPr>
+        <p:txBody>
+          <a:bodyPr>
+            <a:normAutofit/>
+          </a:bodyPr>
+          <a:lstStyle/>
+          <a:p>
+            <a:r>
+              <a:rPr lang="en-ES" dirty="0"/>
+              <a:t>De la misma forma que los aritméticos, pueden ser unarios o binarios</a:t>
+            </a:r>
+          </a:p>
+          <a:p>
+            <a:pPr lvl="1"/>
+            <a:r>
+              <a:rPr lang="en-ES" dirty="0"/>
+              <a:t>Unarios: negación ('</a:t>
+            </a:r>
+            <a:r>
+              <a:rPr lang="en-ES" dirty="0">
+                <a:latin typeface="Consolas" panose="020B0609020204030204" pitchFamily="49" charset="0"/>
+                <a:cs typeface="Consolas" panose="020B0609020204030204" pitchFamily="49" charset="0"/>
+              </a:rPr>
+              <a:t>!</a:t>
+            </a:r>
+            <a:r>
+              <a:rPr lang="en-ES" dirty="0"/>
+              <a:t>')</a:t>
+            </a:r>
+          </a:p>
+          <a:p>
+            <a:pPr lvl="1"/>
+            <a:r>
+              <a:rPr lang="en-ES" dirty="0"/>
+              <a:t>Binarios lógicos: AND lógico ('</a:t>
+            </a:r>
+            <a:r>
+              <a:rPr lang="en-ES" dirty="0">
+                <a:latin typeface="Consolas" panose="020B0609020204030204" pitchFamily="49" charset="0"/>
+                <a:cs typeface="Consolas" panose="020B0609020204030204" pitchFamily="49" charset="0"/>
+              </a:rPr>
+              <a:t>&amp;</a:t>
+            </a:r>
+            <a:r>
+              <a:rPr lang="en-ES" dirty="0"/>
+              <a:t>'), OR lógico ('</a:t>
+            </a:r>
+            <a:r>
+              <a:rPr lang="en-ES" dirty="0">
+                <a:latin typeface="Consolas" panose="020B0609020204030204" pitchFamily="49" charset="0"/>
+                <a:cs typeface="Consolas" panose="020B0609020204030204" pitchFamily="49" charset="0"/>
+              </a:rPr>
+              <a:t>|</a:t>
+            </a:r>
+            <a:r>
+              <a:rPr lang="en-ES" dirty="0"/>
+              <a:t>') y OR exclusivo lógico ('</a:t>
+            </a:r>
+            <a:r>
+              <a:rPr lang="en-ES" dirty="0">
+                <a:latin typeface="Consolas" panose="020B0609020204030204" pitchFamily="49" charset="0"/>
+                <a:cs typeface="Consolas" panose="020B0609020204030204" pitchFamily="49" charset="0"/>
+              </a:rPr>
+              <a:t>^</a:t>
+            </a:r>
+            <a:r>
+              <a:rPr lang="en-ES" dirty="0"/>
+              <a:t>')</a:t>
+            </a:r>
+          </a:p>
+          <a:p>
+            <a:pPr lvl="1"/>
+            <a:r>
+              <a:rPr lang="en-ES" dirty="0"/>
+              <a:t>Binarios condicionales: AND condicional (‘</a:t>
+            </a:r>
+            <a:r>
+              <a:rPr lang="en-ES" dirty="0">
+                <a:latin typeface="Consolas" panose="020B0609020204030204" pitchFamily="49" charset="0"/>
+                <a:cs typeface="Consolas" panose="020B0609020204030204" pitchFamily="49" charset="0"/>
+              </a:rPr>
+              <a:t>&amp;&amp;</a:t>
+            </a:r>
+            <a:r>
+              <a:rPr lang="en-ES" dirty="0"/>
+              <a:t>') y OR condicional ('</a:t>
+            </a:r>
+            <a:r>
+              <a:rPr lang="en-ES" dirty="0">
+                <a:latin typeface="Consolas" panose="020B0609020204030204" pitchFamily="49" charset="0"/>
+                <a:cs typeface="Consolas" panose="020B0609020204030204" pitchFamily="49" charset="0"/>
+              </a:rPr>
+              <a:t>||</a:t>
+            </a:r>
+            <a:r>
+              <a:rPr lang="en-ES" dirty="0"/>
+              <a:t>')</a:t>
+            </a:r>
+          </a:p>
+        </p:txBody>
+      </p:sp>
+      <p:sp>
+        <p:nvSpPr>
+          <p:cNvPr id="4" name="Slide Number Placeholder 3">
+            <a:extLst>
+              <a:ext uri="{FF2B5EF4-FFF2-40B4-BE49-F238E27FC236}">
+                <a16:creationId xmlns:a16="http://schemas.microsoft.com/office/drawing/2014/main" id="{2169C28E-54EE-FD41-A471-B985E50EB953}"/>
+              </a:ext>
+            </a:extLst>
+          </p:cNvPr>
+          <p:cNvSpPr>
+            <a:spLocks noGrp="1"/>
+          </p:cNvSpPr>
+          <p:nvPr>
+            <p:ph type="sldNum" sz="quarter" idx="12"/>
+          </p:nvPr>
+        </p:nvSpPr>
+        <p:spPr/>
+        <p:txBody>
+          <a:bodyPr/>
+          <a:lstStyle/>
+          <a:p>
+            <a:fld id="{AA58ECC7-594B-3F4D-BC70-865823762D99}" type="slidenum">
+              <a:rPr lang="en-ES" smtClean="0"/>
+              <a:t>32</a:t>
+            </a:fld>
+            <a:endParaRPr lang="en-ES"/>
+          </a:p>
+        </p:txBody>
+      </p:sp>
+      <p:sp>
+        <p:nvSpPr>
+          <p:cNvPr id="5" name="TextBox 4">
+            <a:extLst>
+              <a:ext uri="{FF2B5EF4-FFF2-40B4-BE49-F238E27FC236}">
+                <a16:creationId xmlns:a16="http://schemas.microsoft.com/office/drawing/2014/main" id="{26478347-80BE-B24F-A0EA-2B4BAC673BCF}"/>
+              </a:ext>
+            </a:extLst>
+          </p:cNvPr>
+          <p:cNvSpPr txBox="1"/>
+          <p:nvPr/>
+        </p:nvSpPr>
+        <p:spPr>
+          <a:xfrm>
+            <a:off x="2443842" y="3717380"/>
+            <a:ext cx="7304315" cy="1200329"/>
+          </a:xfrm>
+          <a:prstGeom prst="rect">
+            <a:avLst/>
+          </a:prstGeom>
+          <a:solidFill>
+            <a:srgbClr val="002060"/>
+          </a:solidFill>
+        </p:spPr>
+        <p:txBody>
+          <a:bodyPr wrap="square" rtlCol="0">
+            <a:spAutoFit/>
+          </a:bodyPr>
+          <a:lstStyle/>
+          <a:p>
+            <a:r>
+              <a:rPr lang="en-GB" sz="2400" dirty="0">
+                <a:solidFill>
+                  <a:schemeClr val="bg1"/>
+                </a:solidFill>
+                <a:latin typeface="Consolas" panose="020B0609020204030204" pitchFamily="49" charset="0"/>
+                <a:cs typeface="Consolas" panose="020B0609020204030204" pitchFamily="49" charset="0"/>
+              </a:rPr>
+              <a:t>// Will </a:t>
+            </a:r>
+            <a:r>
+              <a:rPr lang="en-GB" sz="2400" dirty="0" err="1">
+                <a:solidFill>
+                  <a:schemeClr val="bg1"/>
+                </a:solidFill>
+                <a:latin typeface="Consolas" panose="020B0609020204030204" pitchFamily="49" charset="0"/>
+                <a:cs typeface="Consolas" panose="020B0609020204030204" pitchFamily="49" charset="0"/>
+              </a:rPr>
+              <a:t>Method_B</a:t>
+            </a:r>
+            <a:r>
+              <a:rPr lang="en-GB" sz="2400" dirty="0">
+                <a:solidFill>
+                  <a:schemeClr val="bg1"/>
+                </a:solidFill>
+                <a:latin typeface="Consolas" panose="020B0609020204030204" pitchFamily="49" charset="0"/>
+                <a:cs typeface="Consolas" panose="020B0609020204030204" pitchFamily="49" charset="0"/>
+              </a:rPr>
+              <a:t> always run...?</a:t>
+            </a:r>
+          </a:p>
+          <a:p>
+            <a:r>
+              <a:rPr lang="en-GB" sz="2400" dirty="0">
+                <a:solidFill>
+                  <a:schemeClr val="bg1"/>
+                </a:solidFill>
+                <a:latin typeface="Consolas" panose="020B0609020204030204" pitchFamily="49" charset="0"/>
+                <a:cs typeface="Consolas" panose="020B0609020204030204" pitchFamily="49" charset="0"/>
+              </a:rPr>
+              <a:t>bool result = </a:t>
+            </a:r>
+            <a:r>
+              <a:rPr lang="en-GB" sz="2400" dirty="0" err="1">
+                <a:solidFill>
+                  <a:schemeClr val="bg1"/>
+                </a:solidFill>
+                <a:latin typeface="Consolas" panose="020B0609020204030204" pitchFamily="49" charset="0"/>
+                <a:cs typeface="Consolas" panose="020B0609020204030204" pitchFamily="49" charset="0"/>
+              </a:rPr>
+              <a:t>Method_A</a:t>
+            </a:r>
+            <a:r>
+              <a:rPr lang="en-GB" sz="2400" dirty="0">
+                <a:solidFill>
+                  <a:schemeClr val="bg1"/>
+                </a:solidFill>
+                <a:latin typeface="Consolas" panose="020B0609020204030204" pitchFamily="49" charset="0"/>
+                <a:cs typeface="Consolas" panose="020B0609020204030204" pitchFamily="49" charset="0"/>
+              </a:rPr>
+              <a:t>() &amp; </a:t>
+            </a:r>
+            <a:r>
+              <a:rPr lang="en-GB" sz="2400" dirty="0" err="1">
+                <a:solidFill>
+                  <a:schemeClr val="bg1"/>
+                </a:solidFill>
+                <a:latin typeface="Consolas" panose="020B0609020204030204" pitchFamily="49" charset="0"/>
+                <a:cs typeface="Consolas" panose="020B0609020204030204" pitchFamily="49" charset="0"/>
+              </a:rPr>
+              <a:t>Method_B</a:t>
+            </a:r>
+            <a:r>
+              <a:rPr lang="en-GB" sz="2400" dirty="0">
+                <a:solidFill>
+                  <a:schemeClr val="bg1"/>
+                </a:solidFill>
+                <a:latin typeface="Consolas" panose="020B0609020204030204" pitchFamily="49" charset="0"/>
+                <a:cs typeface="Consolas" panose="020B0609020204030204" pitchFamily="49" charset="0"/>
+              </a:rPr>
+              <a:t>();</a:t>
+            </a:r>
+          </a:p>
+          <a:p>
+            <a:r>
+              <a:rPr lang="en-GB" sz="2400" dirty="0">
+                <a:solidFill>
+                  <a:schemeClr val="bg1"/>
+                </a:solidFill>
+                <a:latin typeface="Consolas" panose="020B0609020204030204" pitchFamily="49" charset="0"/>
+                <a:cs typeface="Consolas" panose="020B0609020204030204" pitchFamily="49" charset="0"/>
+              </a:rPr>
+              <a:t>bool result = </a:t>
+            </a:r>
+            <a:r>
+              <a:rPr lang="en-GB" sz="2400" dirty="0" err="1">
+                <a:solidFill>
+                  <a:schemeClr val="bg1"/>
+                </a:solidFill>
+                <a:latin typeface="Consolas" panose="020B0609020204030204" pitchFamily="49" charset="0"/>
+                <a:cs typeface="Consolas" panose="020B0609020204030204" pitchFamily="49" charset="0"/>
+              </a:rPr>
+              <a:t>Method_A</a:t>
+            </a:r>
+            <a:r>
+              <a:rPr lang="en-GB" sz="2400" dirty="0">
+                <a:solidFill>
+                  <a:schemeClr val="bg1"/>
+                </a:solidFill>
+                <a:latin typeface="Consolas" panose="020B0609020204030204" pitchFamily="49" charset="0"/>
+                <a:cs typeface="Consolas" panose="020B0609020204030204" pitchFamily="49" charset="0"/>
+              </a:rPr>
+              <a:t>() &amp;&amp; </a:t>
+            </a:r>
+            <a:r>
+              <a:rPr lang="en-GB" sz="2400" dirty="0" err="1">
+                <a:solidFill>
+                  <a:schemeClr val="bg1"/>
+                </a:solidFill>
+                <a:latin typeface="Consolas" panose="020B0609020204030204" pitchFamily="49" charset="0"/>
+                <a:cs typeface="Consolas" panose="020B0609020204030204" pitchFamily="49" charset="0"/>
+              </a:rPr>
+              <a:t>Method_B</a:t>
+            </a:r>
+            <a:r>
+              <a:rPr lang="en-GB" sz="2400" dirty="0">
+                <a:solidFill>
+                  <a:schemeClr val="bg1"/>
+                </a:solidFill>
+                <a:latin typeface="Consolas" panose="020B0609020204030204" pitchFamily="49" charset="0"/>
+                <a:cs typeface="Consolas" panose="020B0609020204030204" pitchFamily="49" charset="0"/>
+              </a:rPr>
+              <a:t>();</a:t>
+            </a:r>
+            <a:endParaRPr lang="en-ES" sz="2400" dirty="0">
+              <a:solidFill>
+                <a:schemeClr val="bg1"/>
+              </a:solidFill>
+              <a:latin typeface="Consolas" panose="020B0609020204030204" pitchFamily="49" charset="0"/>
+              <a:cs typeface="Consolas" panose="020B0609020204030204" pitchFamily="49" charset="0"/>
+            </a:endParaRPr>
+          </a:p>
+        </p:txBody>
+      </p:sp>
+    </p:spTree>
+    <p:extLst>
+      <p:ext uri="{BB962C8B-B14F-4D97-AF65-F5344CB8AC3E}">
+        <p14:creationId xmlns:p14="http://schemas.microsoft.com/office/powerpoint/2010/main" val="351440605"/>
+      </p:ext>
+    </p:extLst>
+  </p:cSld>
+  <p:clrMapOvr>
+    <a:masterClrMapping/>
+  </p:clrMapOvr>
+</p:sld>
+</file>
+
+<file path=ppt/slides/slide33.xml><?xml version="1.0" encoding="utf-8"?>
+<p:sld xmlns:a="http://schemas.openxmlformats.org/drawingml/2006/main" xmlns:r="http://schemas.openxmlformats.org/officeDocument/2006/relationships" xmlns:p="http://schemas.openxmlformats.org/presentationml/2006/main" show="0">
+  <p:cSld>
+    <p:spTree>
+      <p:nvGrpSpPr>
+        <p:cNvPr id="1" name=""/>
+        <p:cNvGrpSpPr/>
+        <p:nvPr/>
+      </p:nvGrpSpPr>
+      <p:grpSpPr>
+        <a:xfrm>
+          <a:off x="0" y="0"/>
+          <a:ext cx="0" cy="0"/>
+          <a:chOff x="0" y="0"/>
+          <a:chExt cx="0" cy="0"/>
+        </a:xfrm>
+      </p:grpSpPr>
+      <p:sp>
+        <p:nvSpPr>
+          <p:cNvPr id="2" name="Title 1">
+            <a:extLst>
+              <a:ext uri="{FF2B5EF4-FFF2-40B4-BE49-F238E27FC236}">
+                <a16:creationId xmlns:a16="http://schemas.microsoft.com/office/drawing/2014/main" id="{FB308175-0E2C-DA42-AF3F-6B65AA77CDCF}"/>
+              </a:ext>
+            </a:extLst>
+          </p:cNvPr>
+          <p:cNvSpPr>
+            <a:spLocks noGrp="1"/>
+          </p:cNvSpPr>
+          <p:nvPr>
+            <p:ph type="title"/>
+          </p:nvPr>
+        </p:nvSpPr>
+        <p:spPr/>
+        <p:txBody>
+          <a:bodyPr/>
+          <a:lstStyle/>
+          <a:p>
+            <a:r>
+              <a:rPr lang="en-ES" dirty="0"/>
+              <a:t>Ejercicio de ampliación (VI)</a:t>
+            </a:r>
+          </a:p>
+        </p:txBody>
+      </p:sp>
+      <p:sp>
+        <p:nvSpPr>
+          <p:cNvPr id="3" name="Content Placeholder 2">
+            <a:extLst>
+              <a:ext uri="{FF2B5EF4-FFF2-40B4-BE49-F238E27FC236}">
+                <a16:creationId xmlns:a16="http://schemas.microsoft.com/office/drawing/2014/main" id="{E87F4F92-68BC-FF44-8C1B-0564628CF302}"/>
+              </a:ext>
+            </a:extLst>
+          </p:cNvPr>
+          <p:cNvSpPr>
+            <a:spLocks noGrp="1"/>
+          </p:cNvSpPr>
+          <p:nvPr>
+            <p:ph idx="1"/>
+          </p:nvPr>
+        </p:nvSpPr>
+        <p:spPr>
+          <a:xfrm>
+            <a:off x="838200" y="1825625"/>
+            <a:ext cx="10515600" cy="1496617"/>
+          </a:xfrm>
+        </p:spPr>
+        <p:txBody>
+          <a:bodyPr>
+            <a:normAutofit/>
+          </a:bodyPr>
+          <a:lstStyle/>
+          <a:p>
+            <a:r>
+              <a:rPr lang="en-ES" dirty="0"/>
+              <a:t>Los operadores de lógica booleana '</a:t>
+            </a:r>
+            <a:r>
+              <a:rPr lang="en-ES" dirty="0">
+                <a:latin typeface="Consolas" panose="020B0609020204030204" pitchFamily="49" charset="0"/>
+                <a:cs typeface="Consolas" panose="020B0609020204030204" pitchFamily="49" charset="0"/>
+              </a:rPr>
+              <a:t>&amp;</a:t>
+            </a:r>
+            <a:r>
+              <a:rPr lang="en-ES" dirty="0"/>
+              <a:t>', '</a:t>
+            </a:r>
+            <a:r>
+              <a:rPr lang="en-ES" dirty="0">
+                <a:latin typeface="Consolas" panose="020B0609020204030204" pitchFamily="49" charset="0"/>
+                <a:cs typeface="Consolas" panose="020B0609020204030204" pitchFamily="49" charset="0"/>
+              </a:rPr>
+              <a:t>|</a:t>
+            </a:r>
+            <a:r>
+              <a:rPr lang="en-ES" dirty="0"/>
+              <a:t>' y '</a:t>
+            </a:r>
+            <a:r>
+              <a:rPr lang="en-ES" dirty="0">
+                <a:latin typeface="Consolas" panose="020B0609020204030204" pitchFamily="49" charset="0"/>
+                <a:cs typeface="Consolas" panose="020B0609020204030204" pitchFamily="49" charset="0"/>
+              </a:rPr>
+              <a:t>^</a:t>
+            </a:r>
+            <a:r>
+              <a:rPr lang="en-ES" dirty="0"/>
+              <a:t>' se pueden utilizar también con tipos numéricos</a:t>
+            </a:r>
+          </a:p>
+          <a:p>
+            <a:r>
+              <a:rPr lang="en-ES" dirty="0"/>
+              <a:t>¿Adivinas cuál es el resultado?</a:t>
+            </a:r>
+          </a:p>
+        </p:txBody>
+      </p:sp>
+      <p:sp>
+        <p:nvSpPr>
+          <p:cNvPr id="4" name="Slide Number Placeholder 3">
+            <a:extLst>
+              <a:ext uri="{FF2B5EF4-FFF2-40B4-BE49-F238E27FC236}">
+                <a16:creationId xmlns:a16="http://schemas.microsoft.com/office/drawing/2014/main" id="{E2F2A385-D86D-4C4E-B8A7-DED0D8AAF902}"/>
+              </a:ext>
+            </a:extLst>
+          </p:cNvPr>
+          <p:cNvSpPr>
+            <a:spLocks noGrp="1"/>
+          </p:cNvSpPr>
+          <p:nvPr>
+            <p:ph type="sldNum" sz="quarter" idx="12"/>
+          </p:nvPr>
+        </p:nvSpPr>
+        <p:spPr/>
+        <p:txBody>
+          <a:bodyPr/>
+          <a:lstStyle/>
+          <a:p>
+            <a:fld id="{AA58ECC7-594B-3F4D-BC70-865823762D99}" type="slidenum">
+              <a:rPr lang="en-ES" smtClean="0"/>
+              <a:t>33</a:t>
+            </a:fld>
+            <a:endParaRPr lang="en-ES"/>
+          </a:p>
+        </p:txBody>
+      </p:sp>
+      <p:sp>
+        <p:nvSpPr>
+          <p:cNvPr id="5" name="TextBox 4">
+            <a:extLst>
+              <a:ext uri="{FF2B5EF4-FFF2-40B4-BE49-F238E27FC236}">
+                <a16:creationId xmlns:a16="http://schemas.microsoft.com/office/drawing/2014/main" id="{7264F4AB-3CE8-2B44-8F14-7D7230C4450D}"/>
+              </a:ext>
+            </a:extLst>
+          </p:cNvPr>
+          <p:cNvSpPr txBox="1"/>
+          <p:nvPr/>
+        </p:nvSpPr>
+        <p:spPr>
+          <a:xfrm>
+            <a:off x="3829422" y="3535759"/>
+            <a:ext cx="4533155" cy="1200329"/>
+          </a:xfrm>
+          <a:prstGeom prst="rect">
+            <a:avLst/>
+          </a:prstGeom>
+          <a:solidFill>
+            <a:srgbClr val="002060"/>
+          </a:solidFill>
+        </p:spPr>
+        <p:txBody>
+          <a:bodyPr wrap="square" rtlCol="0">
+            <a:spAutoFit/>
+          </a:bodyPr>
+          <a:lstStyle/>
+          <a:p>
+            <a:r>
+              <a:rPr lang="en-ES" sz="2400" dirty="0">
+                <a:solidFill>
+                  <a:schemeClr val="bg1"/>
+                </a:solidFill>
+                <a:latin typeface="Consolas" panose="020B0609020204030204" pitchFamily="49" charset="0"/>
+                <a:cs typeface="Consolas" panose="020B0609020204030204" pitchFamily="49" charset="0"/>
+              </a:rPr>
+              <a:t>int a = 4;</a:t>
+            </a:r>
+          </a:p>
+          <a:p>
+            <a:r>
+              <a:rPr lang="en-ES" sz="2400" dirty="0">
+                <a:solidFill>
+                  <a:schemeClr val="bg1"/>
+                </a:solidFill>
+                <a:latin typeface="Consolas" panose="020B0609020204030204" pitchFamily="49" charset="0"/>
+                <a:cs typeface="Consolas" panose="020B0609020204030204" pitchFamily="49" charset="0"/>
+              </a:rPr>
+              <a:t>int b = 5;</a:t>
+            </a:r>
+          </a:p>
+          <a:p>
+            <a:r>
+              <a:rPr lang="en-ES" sz="2400" dirty="0">
+                <a:solidFill>
+                  <a:schemeClr val="bg1"/>
+                </a:solidFill>
+                <a:latin typeface="Consolas" panose="020B0609020204030204" pitchFamily="49" charset="0"/>
+                <a:cs typeface="Consolas" panose="020B0609020204030204" pitchFamily="49" charset="0"/>
+              </a:rPr>
+              <a:t>int c = a | b;</a:t>
+            </a:r>
+          </a:p>
+        </p:txBody>
+      </p:sp>
+    </p:spTree>
+    <p:extLst>
+      <p:ext uri="{BB962C8B-B14F-4D97-AF65-F5344CB8AC3E}">
+        <p14:creationId xmlns:p14="http://schemas.microsoft.com/office/powerpoint/2010/main" val="2879956041"/>
+      </p:ext>
+    </p:extLst>
+  </p:cSld>
+  <p:clrMapOvr>
+    <a:masterClrMapping/>
+  </p:clrMapOvr>
+</p:sld>
+</file>
+
+<file path=ppt/slides/slide34.xml><?xml version="1.0" encoding="utf-8"?>
+<p:sld xmlns:a="http://schemas.openxmlformats.org/drawingml/2006/main" xmlns:r="http://schemas.openxmlformats.org/officeDocument/2006/relationships" xmlns:p="http://schemas.openxmlformats.org/presentationml/2006/main">
+  <p:cSld>
+    <p:spTree>
+      <p:nvGrpSpPr>
+        <p:cNvPr id="1" name=""/>
+        <p:cNvGrpSpPr/>
+        <p:nvPr/>
+      </p:nvGrpSpPr>
+      <p:grpSpPr>
+        <a:xfrm>
+          <a:off x="0" y="0"/>
+          <a:ext cx="0" cy="0"/>
+          <a:chOff x="0" y="0"/>
+          <a:chExt cx="0" cy="0"/>
+        </a:xfrm>
+      </p:grpSpPr>
+      <p:sp>
+        <p:nvSpPr>
+          <p:cNvPr id="2" name="Title 1">
+            <a:extLst>
+              <a:ext uri="{FF2B5EF4-FFF2-40B4-BE49-F238E27FC236}">
+                <a16:creationId xmlns:a16="http://schemas.microsoft.com/office/drawing/2014/main" id="{06BEEBF2-7088-2F40-9301-E9CB25859668}"/>
+              </a:ext>
+            </a:extLst>
+          </p:cNvPr>
+          <p:cNvSpPr>
+            <a:spLocks noGrp="1"/>
+          </p:cNvSpPr>
+          <p:nvPr>
+            <p:ph type="title"/>
+          </p:nvPr>
+        </p:nvSpPr>
+        <p:spPr/>
+        <p:txBody>
+          <a:bodyPr/>
+          <a:lstStyle/>
+          <a:p>
+            <a:r>
+              <a:rPr lang="en-ES" dirty="0"/>
+              <a:t>Control de flujo</a:t>
+            </a:r>
+          </a:p>
+        </p:txBody>
+      </p:sp>
+      <p:sp>
+        <p:nvSpPr>
+          <p:cNvPr id="3" name="Content Placeholder 2">
+            <a:extLst>
+              <a:ext uri="{FF2B5EF4-FFF2-40B4-BE49-F238E27FC236}">
+                <a16:creationId xmlns:a16="http://schemas.microsoft.com/office/drawing/2014/main" id="{D764BFF6-9BA1-C849-9B46-4D0BE5BE69CE}"/>
+              </a:ext>
+            </a:extLst>
+          </p:cNvPr>
+          <p:cNvSpPr>
+            <a:spLocks noGrp="1"/>
+          </p:cNvSpPr>
+          <p:nvPr>
+            <p:ph idx="1"/>
+          </p:nvPr>
+        </p:nvSpPr>
+        <p:spPr>
+          <a:xfrm>
+            <a:off x="838200" y="1825625"/>
+            <a:ext cx="10515600" cy="1969761"/>
+          </a:xfrm>
+        </p:spPr>
+        <p:txBody>
+          <a:bodyPr>
+            <a:normAutofit/>
+          </a:bodyPr>
+          <a:lstStyle/>
+          <a:p>
+            <a:r>
+              <a:rPr lang="en-ES" dirty="0"/>
+              <a:t>C# soporta '</a:t>
+            </a:r>
+            <a:r>
+              <a:rPr lang="en-ES" dirty="0">
+                <a:latin typeface="Consolas" panose="020B0609020204030204" pitchFamily="49" charset="0"/>
+                <a:cs typeface="Consolas" panose="020B0609020204030204" pitchFamily="49" charset="0"/>
+              </a:rPr>
+              <a:t>goto</a:t>
+            </a:r>
+            <a:r>
+              <a:rPr lang="en-ES" dirty="0"/>
+              <a:t>'</a:t>
+            </a:r>
+          </a:p>
+          <a:p>
+            <a:r>
+              <a:rPr lang="en-ES" dirty="0"/>
+              <a:t>Si lo usas probablemente te hagan un '</a:t>
+            </a:r>
+            <a:r>
+              <a:rPr lang="en-ES" dirty="0">
+                <a:latin typeface="Consolas" panose="020B0609020204030204" pitchFamily="49" charset="0"/>
+                <a:cs typeface="Consolas" panose="020B0609020204030204" pitchFamily="49" charset="0"/>
+              </a:rPr>
+              <a:t>goto ColaDelParo</a:t>
+            </a:r>
+            <a:r>
+              <a:rPr lang="en-ES" dirty="0"/>
+              <a:t>' directo</a:t>
+            </a:r>
+          </a:p>
+          <a:p>
+            <a:r>
+              <a:rPr lang="en-ES" dirty="0"/>
+              <a:t>Por lo demás, disponéis de las palabras clave habituales – funcionan como en Java</a:t>
+            </a:r>
+          </a:p>
+        </p:txBody>
+      </p:sp>
+      <p:sp>
+        <p:nvSpPr>
+          <p:cNvPr id="4" name="Slide Number Placeholder 3">
+            <a:extLst>
+              <a:ext uri="{FF2B5EF4-FFF2-40B4-BE49-F238E27FC236}">
+                <a16:creationId xmlns:a16="http://schemas.microsoft.com/office/drawing/2014/main" id="{734517E3-EE17-B344-B03C-951B687BE312}"/>
+              </a:ext>
+            </a:extLst>
+          </p:cNvPr>
+          <p:cNvSpPr>
+            <a:spLocks noGrp="1"/>
+          </p:cNvSpPr>
+          <p:nvPr>
+            <p:ph type="sldNum" sz="quarter" idx="12"/>
+          </p:nvPr>
+        </p:nvSpPr>
+        <p:spPr/>
+        <p:txBody>
+          <a:bodyPr/>
+          <a:lstStyle/>
+          <a:p>
+            <a:fld id="{AA58ECC7-594B-3F4D-BC70-865823762D99}" type="slidenum">
+              <a:rPr lang="en-ES" smtClean="0"/>
+              <a:t>34</a:t>
+            </a:fld>
+            <a:endParaRPr lang="en-ES"/>
+          </a:p>
+        </p:txBody>
+      </p:sp>
+      <p:sp>
+        <p:nvSpPr>
+          <p:cNvPr id="5" name="TextBox 4">
+            <a:extLst>
+              <a:ext uri="{FF2B5EF4-FFF2-40B4-BE49-F238E27FC236}">
+                <a16:creationId xmlns:a16="http://schemas.microsoft.com/office/drawing/2014/main" id="{8EB0CB88-8170-F54C-84E7-D15AC488CF3F}"/>
+              </a:ext>
+            </a:extLst>
+          </p:cNvPr>
+          <p:cNvSpPr txBox="1"/>
+          <p:nvPr/>
+        </p:nvSpPr>
+        <p:spPr>
+          <a:xfrm>
+            <a:off x="838199" y="3930323"/>
+            <a:ext cx="10515599" cy="2092881"/>
+          </a:xfrm>
+          <a:prstGeom prst="rect">
+            <a:avLst/>
+          </a:prstGeom>
+          <a:noFill/>
+        </p:spPr>
+        <p:txBody>
+          <a:bodyPr wrap="square" numCol="2" rtlCol="0">
+            <a:spAutoFit/>
+          </a:bodyPr>
+          <a:lstStyle/>
+          <a:p>
+            <a:pPr marL="285750" indent="-285750">
+              <a:buFont typeface="Arial" panose="020B0604020202020204" pitchFamily="34" charset="0"/>
+              <a:buChar char="•"/>
+            </a:pPr>
+            <a:r>
+              <a:rPr lang="en-ES" sz="2800" dirty="0">
+                <a:latin typeface="Consolas" panose="020B0609020204030204" pitchFamily="49" charset="0"/>
+                <a:cs typeface="Consolas" panose="020B0609020204030204" pitchFamily="49" charset="0"/>
+              </a:rPr>
+              <a:t>if / else if / else</a:t>
+            </a:r>
+          </a:p>
+          <a:p>
+            <a:pPr marL="285750" indent="-285750">
+              <a:buFont typeface="Arial" panose="020B0604020202020204" pitchFamily="34" charset="0"/>
+              <a:buChar char="•"/>
+            </a:pPr>
+            <a:r>
+              <a:rPr lang="en-ES" sz="2800" dirty="0">
+                <a:latin typeface="Consolas" panose="020B0609020204030204" pitchFamily="49" charset="0"/>
+                <a:cs typeface="Consolas" panose="020B0609020204030204" pitchFamily="49" charset="0"/>
+              </a:rPr>
+              <a:t>for</a:t>
+            </a:r>
+          </a:p>
+          <a:p>
+            <a:pPr marL="285750" indent="-285750">
+              <a:buFont typeface="Arial" panose="020B0604020202020204" pitchFamily="34" charset="0"/>
+              <a:buChar char="•"/>
+            </a:pPr>
+            <a:r>
+              <a:rPr lang="en-ES" sz="2800" dirty="0">
+                <a:latin typeface="Consolas" panose="020B0609020204030204" pitchFamily="49" charset="0"/>
+                <a:cs typeface="Consolas" panose="020B0609020204030204" pitchFamily="49" charset="0"/>
+              </a:rPr>
+              <a:t>foreach</a:t>
+            </a:r>
+          </a:p>
+          <a:p>
+            <a:pPr marL="285750" indent="-285750">
+              <a:buFont typeface="Arial" panose="020B0604020202020204" pitchFamily="34" charset="0"/>
+              <a:buChar char="•"/>
+            </a:pPr>
+            <a:r>
+              <a:rPr lang="en-ES" sz="2800" dirty="0">
+                <a:latin typeface="Consolas" panose="020B0609020204030204" pitchFamily="49" charset="0"/>
+                <a:cs typeface="Consolas" panose="020B0609020204030204" pitchFamily="49" charset="0"/>
+              </a:rPr>
+              <a:t>while</a:t>
+            </a:r>
+          </a:p>
+          <a:p>
+            <a:pPr marL="285750" indent="-285750">
+              <a:buFont typeface="Arial" panose="020B0604020202020204" pitchFamily="34" charset="0"/>
+              <a:buChar char="•"/>
+            </a:pPr>
+            <a:r>
+              <a:rPr lang="en-GB" sz="2800" dirty="0">
+                <a:latin typeface="Consolas" panose="020B0609020204030204" pitchFamily="49" charset="0"/>
+                <a:cs typeface="Consolas" panose="020B0609020204030204" pitchFamily="49" charset="0"/>
+              </a:rPr>
+              <a:t>do while</a:t>
+            </a:r>
+          </a:p>
+          <a:p>
+            <a:pPr marL="285750" indent="-285750">
+              <a:buFont typeface="Arial" panose="020B0604020202020204" pitchFamily="34" charset="0"/>
+              <a:buChar char="•"/>
+            </a:pPr>
+            <a:r>
+              <a:rPr lang="en-GB" sz="2800" dirty="0">
+                <a:latin typeface="Consolas" panose="020B0609020204030204" pitchFamily="49" charset="0"/>
+                <a:cs typeface="Consolas" panose="020B0609020204030204" pitchFamily="49" charset="0"/>
+              </a:rPr>
+              <a:t>switch</a:t>
+            </a:r>
+          </a:p>
+          <a:p>
+            <a:pPr marL="285750" indent="-285750">
+              <a:buFont typeface="Arial" panose="020B0604020202020204" pitchFamily="34" charset="0"/>
+              <a:buChar char="•"/>
+            </a:pPr>
+            <a:r>
+              <a:rPr lang="en-GB" sz="2800" dirty="0">
+                <a:latin typeface="Consolas" panose="020B0609020204030204" pitchFamily="49" charset="0"/>
+                <a:cs typeface="Consolas" panose="020B0609020204030204" pitchFamily="49" charset="0"/>
+              </a:rPr>
+              <a:t>break</a:t>
+            </a:r>
+          </a:p>
+          <a:p>
+            <a:pPr marL="285750" indent="-285750">
+              <a:buFont typeface="Arial" panose="020B0604020202020204" pitchFamily="34" charset="0"/>
+              <a:buChar char="•"/>
+            </a:pPr>
+            <a:r>
+              <a:rPr lang="en-GB" sz="2800" dirty="0">
+                <a:latin typeface="Consolas" panose="020B0609020204030204" pitchFamily="49" charset="0"/>
+                <a:cs typeface="Consolas" panose="020B0609020204030204" pitchFamily="49" charset="0"/>
+              </a:rPr>
+              <a:t>continue</a:t>
+            </a:r>
+          </a:p>
+          <a:p>
+            <a:endParaRPr lang="en-ES" dirty="0"/>
+          </a:p>
+        </p:txBody>
+      </p:sp>
+    </p:spTree>
+    <p:extLst>
+      <p:ext uri="{BB962C8B-B14F-4D97-AF65-F5344CB8AC3E}">
+        <p14:creationId xmlns:p14="http://schemas.microsoft.com/office/powerpoint/2010/main" val="1589959971"/>
+      </p:ext>
+    </p:extLst>
+  </p:cSld>
+  <p:clrMapOvr>
+    <a:masterClrMapping/>
+  </p:clrMapOvr>
+</p:sld>
+</file>
+
+<file path=ppt/slides/slide35.xml><?xml version="1.0" encoding="utf-8"?>
+<p:sld xmlns:a="http://schemas.openxmlformats.org/drawingml/2006/main" xmlns:r="http://schemas.openxmlformats.org/officeDocument/2006/relationships" xmlns:p="http://schemas.openxmlformats.org/presentationml/2006/main">
+  <p:cSld>
+    <p:spTree>
+      <p:nvGrpSpPr>
+        <p:cNvPr id="1" name=""/>
+        <p:cNvGrpSpPr/>
+        <p:nvPr/>
+      </p:nvGrpSpPr>
+      <p:grpSpPr>
+        <a:xfrm>
+          <a:off x="0" y="0"/>
+          <a:ext cx="0" cy="0"/>
+          <a:chOff x="0" y="0"/>
+          <a:chExt cx="0" cy="0"/>
+        </a:xfrm>
+      </p:grpSpPr>
+      <p:sp>
+        <p:nvSpPr>
+          <p:cNvPr id="2" name="Title 1">
+            <a:extLst>
+              <a:ext uri="{FF2B5EF4-FFF2-40B4-BE49-F238E27FC236}">
+                <a16:creationId xmlns:a16="http://schemas.microsoft.com/office/drawing/2014/main" id="{882D9404-5A9F-2F41-B5A3-845B2EA5E7FE}"/>
+              </a:ext>
+            </a:extLst>
+          </p:cNvPr>
+          <p:cNvSpPr>
+            <a:spLocks noGrp="1"/>
+          </p:cNvSpPr>
+          <p:nvPr>
+            <p:ph type="title"/>
+          </p:nvPr>
+        </p:nvSpPr>
+        <p:spPr/>
+        <p:txBody>
+          <a:bodyPr/>
+          <a:lstStyle/>
+          <a:p>
+            <a:r>
+              <a:rPr lang="en-ES" dirty="0"/>
+              <a:t>Entrada y salida básica</a:t>
+            </a:r>
+          </a:p>
+        </p:txBody>
+      </p:sp>
+      <p:sp>
+        <p:nvSpPr>
+          <p:cNvPr id="3" name="Content Placeholder 2">
+            <a:extLst>
+              <a:ext uri="{FF2B5EF4-FFF2-40B4-BE49-F238E27FC236}">
+                <a16:creationId xmlns:a16="http://schemas.microsoft.com/office/drawing/2014/main" id="{19AB53D8-D8F9-1D45-B6CC-85BB8C144B80}"/>
+              </a:ext>
+            </a:extLst>
+          </p:cNvPr>
+          <p:cNvSpPr>
+            <a:spLocks noGrp="1"/>
+          </p:cNvSpPr>
+          <p:nvPr>
+            <p:ph idx="1"/>
+          </p:nvPr>
+        </p:nvSpPr>
+        <p:spPr/>
+        <p:txBody>
+          <a:bodyPr/>
+          <a:lstStyle/>
+          <a:p>
+            <a:r>
+              <a:rPr lang="en-ES" dirty="0"/>
+              <a:t>Existen muchas formas de intercambiar información con una aplicación</a:t>
+            </a:r>
+          </a:p>
+          <a:p>
+            <a:r>
+              <a:rPr lang="en-ES" dirty="0"/>
+              <a:t>La más sencilla es a través de la consola</a:t>
+            </a:r>
+          </a:p>
+          <a:p>
+            <a:r>
+              <a:rPr lang="en-ES" dirty="0"/>
+              <a:t>La clase Console proporciona una amplia variedad de métodos y propiedades para interactuar con la consola</a:t>
+            </a:r>
+          </a:p>
+          <a:p>
+            <a:r>
+              <a:rPr lang="en-ES" dirty="0"/>
+              <a:t>Las dos más usadas son, sin duda:</a:t>
+            </a:r>
+          </a:p>
+          <a:p>
+            <a:pPr lvl="1"/>
+            <a:r>
+              <a:rPr lang="en-ES" dirty="0"/>
+              <a:t>Console.WriteLine: escribe en la consola y termina con retorno de línea</a:t>
+            </a:r>
+          </a:p>
+          <a:p>
+            <a:pPr lvl="1"/>
+            <a:r>
+              <a:rPr lang="en-ES" dirty="0"/>
+              <a:t>Console.ReadLine: lee desde la consola hasta el siguiente retorno de línea</a:t>
+            </a:r>
+          </a:p>
+        </p:txBody>
+      </p:sp>
+      <p:sp>
+        <p:nvSpPr>
+          <p:cNvPr id="4" name="Slide Number Placeholder 3">
+            <a:extLst>
+              <a:ext uri="{FF2B5EF4-FFF2-40B4-BE49-F238E27FC236}">
+                <a16:creationId xmlns:a16="http://schemas.microsoft.com/office/drawing/2014/main" id="{834A35AC-BE98-3241-B6E7-DDCAA43DDEED}"/>
+              </a:ext>
+            </a:extLst>
+          </p:cNvPr>
+          <p:cNvSpPr>
+            <a:spLocks noGrp="1"/>
+          </p:cNvSpPr>
+          <p:nvPr>
+            <p:ph type="sldNum" sz="quarter" idx="12"/>
+          </p:nvPr>
+        </p:nvSpPr>
+        <p:spPr/>
+        <p:txBody>
+          <a:bodyPr/>
+          <a:lstStyle/>
+          <a:p>
+            <a:fld id="{AA58ECC7-594B-3F4D-BC70-865823762D99}" type="slidenum">
+              <a:rPr lang="en-ES" smtClean="0"/>
+              <a:t>35</a:t>
+            </a:fld>
+            <a:endParaRPr lang="en-ES"/>
+          </a:p>
+        </p:txBody>
+      </p:sp>
+    </p:spTree>
+    <p:extLst>
+      <p:ext uri="{BB962C8B-B14F-4D97-AF65-F5344CB8AC3E}">
+        <p14:creationId xmlns:p14="http://schemas.microsoft.com/office/powerpoint/2010/main" val="2773390054"/>
+      </p:ext>
+    </p:extLst>
+  </p:cSld>
+  <p:clrMapOvr>
+    <a:masterClrMapping/>
+  </p:clrMapOvr>
+</p:sld>
+</file>
+
+<file path=ppt/slides/slide36.xml><?xml version="1.0" encoding="utf-8"?>
+<p:sld xmlns:a="http://schemas.openxmlformats.org/drawingml/2006/main" xmlns:r="http://schemas.openxmlformats.org/officeDocument/2006/relationships" xmlns:p="http://schemas.openxmlformats.org/presentationml/2006/main">
+  <p:cSld>
+    <p:spTree>
+      <p:nvGrpSpPr>
+        <p:cNvPr id="1" name=""/>
+        <p:cNvGrpSpPr/>
+        <p:nvPr/>
+      </p:nvGrpSpPr>
+      <p:grpSpPr>
+        <a:xfrm>
+          <a:off x="0" y="0"/>
+          <a:ext cx="0" cy="0"/>
+          <a:chOff x="0" y="0"/>
+          <a:chExt cx="0" cy="0"/>
+        </a:xfrm>
+      </p:grpSpPr>
+      <p:sp>
+        <p:nvSpPr>
+          <p:cNvPr id="2" name="Title 1">
+            <a:extLst>
+              <a:ext uri="{FF2B5EF4-FFF2-40B4-BE49-F238E27FC236}">
+                <a16:creationId xmlns:a16="http://schemas.microsoft.com/office/drawing/2014/main" id="{B949DA81-F459-4848-B3E1-6CEE665ED05D}"/>
+              </a:ext>
+            </a:extLst>
+          </p:cNvPr>
+          <p:cNvSpPr>
+            <a:spLocks noGrp="1"/>
+          </p:cNvSpPr>
+          <p:nvPr>
+            <p:ph type="title"/>
+          </p:nvPr>
+        </p:nvSpPr>
+        <p:spPr/>
+        <p:txBody>
+          <a:bodyPr/>
+          <a:lstStyle/>
+          <a:p>
+            <a:r>
+              <a:rPr lang="en-ES" dirty="0"/>
+              <a:t>Parseo de datos a tipos primitivos</a:t>
+            </a:r>
+          </a:p>
+        </p:txBody>
+      </p:sp>
+      <p:sp>
+        <p:nvSpPr>
+          <p:cNvPr id="3" name="Content Placeholder 2">
+            <a:extLst>
+              <a:ext uri="{FF2B5EF4-FFF2-40B4-BE49-F238E27FC236}">
+                <a16:creationId xmlns:a16="http://schemas.microsoft.com/office/drawing/2014/main" id="{F55D4817-59BE-DB48-A6F6-4014F1C7F642}"/>
+              </a:ext>
+            </a:extLst>
+          </p:cNvPr>
+          <p:cNvSpPr>
+            <a:spLocks noGrp="1"/>
+          </p:cNvSpPr>
+          <p:nvPr>
+            <p:ph idx="1"/>
+          </p:nvPr>
+        </p:nvSpPr>
+        <p:spPr/>
+        <p:txBody>
+          <a:bodyPr/>
+          <a:lstStyle/>
+          <a:p>
+            <a:r>
+              <a:rPr lang="en-ES" dirty="0"/>
+              <a:t>Todo lo que devuelve Console.ReadLine son strings</a:t>
+            </a:r>
+          </a:p>
+          <a:p>
+            <a:r>
+              <a:rPr lang="en-ES" dirty="0"/>
+              <a:t>¿Cómo convertimos lo leído a un tipo primitivo?</a:t>
+            </a:r>
+          </a:p>
+          <a:p>
+            <a:pPr lvl="1"/>
+            <a:r>
+              <a:rPr lang="en-ES" dirty="0">
+                <a:latin typeface="Consolas" panose="020B0609020204030204" pitchFamily="49" charset="0"/>
+                <a:cs typeface="Consolas" panose="020B0609020204030204" pitchFamily="49" charset="0"/>
+              </a:rPr>
+              <a:t>int.Parse(string s) : void</a:t>
+            </a:r>
+          </a:p>
+          <a:p>
+            <a:pPr lvl="1"/>
+            <a:r>
+              <a:rPr lang="en-ES" dirty="0">
+                <a:latin typeface="Consolas" panose="020B0609020204030204" pitchFamily="49" charset="0"/>
+                <a:cs typeface="Consolas" panose="020B0609020204030204" pitchFamily="49" charset="0"/>
+              </a:rPr>
+              <a:t>int.TryParse(string s, out int result) : bool</a:t>
+            </a:r>
+          </a:p>
+        </p:txBody>
+      </p:sp>
+      <p:sp>
+        <p:nvSpPr>
+          <p:cNvPr id="4" name="Slide Number Placeholder 3">
+            <a:extLst>
+              <a:ext uri="{FF2B5EF4-FFF2-40B4-BE49-F238E27FC236}">
+                <a16:creationId xmlns:a16="http://schemas.microsoft.com/office/drawing/2014/main" id="{191833F6-E09C-3E45-81A0-11CE465BD3FF}"/>
+              </a:ext>
+            </a:extLst>
+          </p:cNvPr>
+          <p:cNvSpPr>
+            <a:spLocks noGrp="1"/>
+          </p:cNvSpPr>
+          <p:nvPr>
+            <p:ph type="sldNum" sz="quarter" idx="12"/>
+          </p:nvPr>
+        </p:nvSpPr>
+        <p:spPr/>
+        <p:txBody>
+          <a:bodyPr/>
+          <a:lstStyle/>
+          <a:p>
+            <a:fld id="{AA58ECC7-594B-3F4D-BC70-865823762D99}" type="slidenum">
+              <a:rPr lang="en-ES" smtClean="0"/>
+              <a:t>36</a:t>
+            </a:fld>
+            <a:endParaRPr lang="en-ES"/>
+          </a:p>
+        </p:txBody>
+      </p:sp>
+    </p:spTree>
+    <p:extLst>
+      <p:ext uri="{BB962C8B-B14F-4D97-AF65-F5344CB8AC3E}">
+        <p14:creationId xmlns:p14="http://schemas.microsoft.com/office/powerpoint/2010/main" val="4225709482"/>
+      </p:ext>
+    </p:extLst>
+  </p:cSld>
+  <p:clrMapOvr>
+    <a:masterClrMapping/>
+  </p:clrMapOvr>
+</p:sld>
+</file>
+
+<file path=ppt/slides/slide37.xml><?xml version="1.0" encoding="utf-8"?>
+<p:sld xmlns:a="http://schemas.openxmlformats.org/drawingml/2006/main" xmlns:r="http://schemas.openxmlformats.org/officeDocument/2006/relationships" xmlns:p="http://schemas.openxmlformats.org/presentationml/2006/main" show="0">
+  <p:cSld>
+    <p:spTree>
+      <p:nvGrpSpPr>
+        <p:cNvPr id="1" name=""/>
+        <p:cNvGrpSpPr/>
+        <p:nvPr/>
+      </p:nvGrpSpPr>
+      <p:grpSpPr>
+        <a:xfrm>
+          <a:off x="0" y="0"/>
+          <a:ext cx="0" cy="0"/>
+          <a:chOff x="0" y="0"/>
+          <a:chExt cx="0" cy="0"/>
+        </a:xfrm>
+      </p:grpSpPr>
+      <p:sp>
+        <p:nvSpPr>
+          <p:cNvPr id="2" name="Title 1">
+            <a:extLst>
+              <a:ext uri="{FF2B5EF4-FFF2-40B4-BE49-F238E27FC236}">
+                <a16:creationId xmlns:a16="http://schemas.microsoft.com/office/drawing/2014/main" id="{ACD57ACB-D4BD-EC42-A0AB-98740410D017}"/>
+              </a:ext>
+            </a:extLst>
+          </p:cNvPr>
+          <p:cNvSpPr>
+            <a:spLocks noGrp="1"/>
+          </p:cNvSpPr>
+          <p:nvPr>
+            <p:ph type="title"/>
+          </p:nvPr>
+        </p:nvSpPr>
+        <p:spPr/>
+        <p:txBody>
+          <a:bodyPr/>
+          <a:lstStyle/>
+          <a:p>
+            <a:r>
+              <a:rPr lang="en-ES" dirty="0"/>
+              <a:t>Ejercicio de ampliación (VI)</a:t>
+            </a:r>
+          </a:p>
+        </p:txBody>
+      </p:sp>
+      <p:sp>
+        <p:nvSpPr>
+          <p:cNvPr id="3" name="Content Placeholder 2">
+            <a:extLst>
+              <a:ext uri="{FF2B5EF4-FFF2-40B4-BE49-F238E27FC236}">
+                <a16:creationId xmlns:a16="http://schemas.microsoft.com/office/drawing/2014/main" id="{B4E49976-C940-6C42-BF16-2DFA0838841D}"/>
+              </a:ext>
+            </a:extLst>
+          </p:cNvPr>
+          <p:cNvSpPr>
+            <a:spLocks noGrp="1"/>
+          </p:cNvSpPr>
+          <p:nvPr>
+            <p:ph idx="1"/>
+          </p:nvPr>
+        </p:nvSpPr>
+        <p:spPr>
+          <a:xfrm>
+            <a:off x="838200" y="1825625"/>
+            <a:ext cx="10515600" cy="541794"/>
+          </a:xfrm>
+        </p:spPr>
+        <p:txBody>
+          <a:bodyPr>
+            <a:normAutofit/>
+          </a:bodyPr>
+          <a:lstStyle/>
+          <a:p>
+            <a:r>
+              <a:rPr lang="en-ES" dirty="0"/>
+              <a:t>C# es un lenguaje fuertemente tipado, no permite </a:t>
+            </a:r>
+            <a:r>
+              <a:rPr lang="en-ES" i="1" dirty="0"/>
+              <a:t>tipos anónimos</a:t>
+            </a:r>
+            <a:endParaRPr lang="en-ES" dirty="0"/>
+          </a:p>
+        </p:txBody>
+      </p:sp>
+      <p:sp>
+        <p:nvSpPr>
+          <p:cNvPr id="4" name="Slide Number Placeholder 3">
+            <a:extLst>
+              <a:ext uri="{FF2B5EF4-FFF2-40B4-BE49-F238E27FC236}">
+                <a16:creationId xmlns:a16="http://schemas.microsoft.com/office/drawing/2014/main" id="{11D11E2A-88D5-164B-B226-53EA0EBFD548}"/>
+              </a:ext>
+            </a:extLst>
+          </p:cNvPr>
+          <p:cNvSpPr>
+            <a:spLocks noGrp="1"/>
+          </p:cNvSpPr>
+          <p:nvPr>
+            <p:ph type="sldNum" sz="quarter" idx="12"/>
+          </p:nvPr>
+        </p:nvSpPr>
+        <p:spPr/>
+        <p:txBody>
+          <a:bodyPr/>
+          <a:lstStyle/>
+          <a:p>
+            <a:fld id="{AA58ECC7-594B-3F4D-BC70-865823762D99}" type="slidenum">
+              <a:rPr lang="en-ES" smtClean="0"/>
+              <a:t>37</a:t>
+            </a:fld>
+            <a:endParaRPr lang="en-ES"/>
+          </a:p>
+        </p:txBody>
+      </p:sp>
+      <p:pic>
+        <p:nvPicPr>
+          <p:cNvPr id="6" name="Picture 5" descr="A picture containing square&#10;&#10;Description automatically generated">
+            <a:extLst>
+              <a:ext uri="{FF2B5EF4-FFF2-40B4-BE49-F238E27FC236}">
+                <a16:creationId xmlns:a16="http://schemas.microsoft.com/office/drawing/2014/main" id="{35AEDF67-54E8-AC41-A48B-98D66813DD41}"/>
+              </a:ext>
+            </a:extLst>
+          </p:cNvPr>
+          <p:cNvPicPr>
+            <a:picLocks noChangeAspect="1"/>
+          </p:cNvPicPr>
+          <p:nvPr/>
+        </p:nvPicPr>
+        <p:blipFill>
+          <a:blip r:embed="rId2"/>
+          <a:stretch>
+            <a:fillRect/>
+          </a:stretch>
+        </p:blipFill>
+        <p:spPr>
+          <a:xfrm>
+            <a:off x="4517330" y="2360361"/>
+            <a:ext cx="3157339" cy="1505448"/>
+          </a:xfrm>
+          <a:prstGeom prst="rect">
+            <a:avLst/>
+          </a:prstGeom>
+        </p:spPr>
+      </p:pic>
+      <p:sp>
+        <p:nvSpPr>
+          <p:cNvPr id="7" name="Content Placeholder 2">
+            <a:extLst>
+              <a:ext uri="{FF2B5EF4-FFF2-40B4-BE49-F238E27FC236}">
+                <a16:creationId xmlns:a16="http://schemas.microsoft.com/office/drawing/2014/main" id="{5B6BDC1C-6774-9F4D-A840-B9998B3B8242}"/>
+              </a:ext>
+            </a:extLst>
+          </p:cNvPr>
+          <p:cNvSpPr txBox="1">
+            <a:spLocks/>
+          </p:cNvSpPr>
+          <p:nvPr/>
+        </p:nvSpPr>
+        <p:spPr>
+          <a:xfrm>
+            <a:off x="838199" y="3961853"/>
+            <a:ext cx="10515600" cy="2150848"/>
+          </a:xfrm>
+          <a:prstGeom prst="rect">
+            <a:avLst/>
+          </a:prstGeom>
+        </p:spPr>
+        <p:txBody>
+          <a:bodyPr vert="horz" lIns="91440" tIns="45720" rIns="91440" bIns="45720" rtlCol="0">
+            <a:normAutofit/>
+          </a:bodyPr>
+          <a:lstStyle>
+            <a:lvl1pPr marL="228600" indent="-228600" algn="l" defTabSz="914400" rtl="0" eaLnBrk="1" latinLnBrk="0" hangingPunct="1">
+              <a:lnSpc>
+                <a:spcPct val="90000"/>
+              </a:lnSpc>
+              <a:spcBef>
+                <a:spcPts val="1000"/>
+              </a:spcBef>
+              <a:buFont typeface="Arial" panose="020B0604020202020204" pitchFamily="34" charset="0"/>
+              <a:buChar char="•"/>
+              <a:defRPr sz="2800" kern="1200">
+                <a:solidFill>
+                  <a:schemeClr val="tx1"/>
+                </a:solidFill>
+                <a:latin typeface="+mn-lt"/>
+                <a:ea typeface="+mn-ea"/>
+                <a:cs typeface="+mn-cs"/>
+              </a:defRPr>
+            </a:lvl1pPr>
+            <a:lvl2pPr marL="685800" indent="-228600" algn="l" defTabSz="914400" rtl="0" eaLnBrk="1" latinLnBrk="0" hangingPunct="1">
+              <a:lnSpc>
+                <a:spcPct val="90000"/>
+              </a:lnSpc>
+              <a:spcBef>
+                <a:spcPts val="500"/>
+              </a:spcBef>
+              <a:buFont typeface="Arial" panose="020B0604020202020204" pitchFamily="34" charset="0"/>
+              <a:buChar char="•"/>
+              <a:defRPr sz="2400" kern="1200">
+                <a:solidFill>
+                  <a:schemeClr val="tx1"/>
+                </a:solidFill>
+                <a:latin typeface="+mn-lt"/>
+                <a:ea typeface="+mn-ea"/>
+                <a:cs typeface="+mn-cs"/>
+              </a:defRPr>
+            </a:lvl2pPr>
+            <a:lvl3pPr marL="1143000" indent="-228600" algn="l" defTabSz="914400" rtl="0" eaLnBrk="1" latinLnBrk="0" hangingPunct="1">
+              <a:lnSpc>
+                <a:spcPct val="90000"/>
+              </a:lnSpc>
+              <a:spcBef>
+                <a:spcPts val="500"/>
+              </a:spcBef>
+              <a:buFont typeface="Arial" panose="020B0604020202020204" pitchFamily="34" charset="0"/>
+              <a:buChar char="•"/>
+              <a:defRPr sz="2000" kern="1200">
+                <a:solidFill>
+                  <a:schemeClr val="tx1"/>
+                </a:solidFill>
+                <a:latin typeface="+mn-lt"/>
+                <a:ea typeface="+mn-ea"/>
+                <a:cs typeface="+mn-cs"/>
+              </a:defRPr>
+            </a:lvl3pPr>
+            <a:lvl4pPr marL="1600200" indent="-228600" algn="l" defTabSz="914400" rtl="0" eaLnBrk="1" latinLnBrk="0" hangingPunct="1">
+              <a:lnSpc>
+                <a:spcPct val="90000"/>
+              </a:lnSpc>
+              <a:spcBef>
+                <a:spcPts val="500"/>
+              </a:spcBef>
+              <a:buFont typeface="Arial" panose="020B0604020202020204" pitchFamily="34" charset="0"/>
+              <a:buChar char="•"/>
+              <a:defRPr sz="1800" kern="1200">
+                <a:solidFill>
+                  <a:schemeClr val="tx1"/>
+                </a:solidFill>
+                <a:latin typeface="+mn-lt"/>
+                <a:ea typeface="+mn-ea"/>
+                <a:cs typeface="+mn-cs"/>
+              </a:defRPr>
+            </a:lvl4pPr>
+            <a:lvl5pPr marL="2057400" indent="-228600" algn="l" defTabSz="914400" rtl="0" eaLnBrk="1" latinLnBrk="0" hangingPunct="1">
+              <a:lnSpc>
+                <a:spcPct val="90000"/>
+              </a:lnSpc>
+              <a:spcBef>
+                <a:spcPts val="500"/>
+              </a:spcBef>
+              <a:buFont typeface="Arial" panose="020B0604020202020204" pitchFamily="34" charset="0"/>
+              <a:buChar char="•"/>
+              <a:defRPr sz="1800" kern="1200">
+                <a:solidFill>
+                  <a:schemeClr val="tx1"/>
+                </a:solidFill>
+                <a:latin typeface="+mn-lt"/>
+                <a:ea typeface="+mn-ea"/>
+                <a:cs typeface="+mn-cs"/>
+              </a:defRPr>
+            </a:lvl5pPr>
+            <a:lvl6pPr marL="2514600" indent="-228600" algn="l" defTabSz="914400" rtl="0" eaLnBrk="1" latinLnBrk="0" hangingPunct="1">
+              <a:lnSpc>
+                <a:spcPct val="90000"/>
+              </a:lnSpc>
+              <a:spcBef>
+                <a:spcPts val="500"/>
+              </a:spcBef>
+              <a:buFont typeface="Arial" panose="020B0604020202020204" pitchFamily="34" charset="0"/>
+              <a:buChar char="•"/>
+              <a:defRPr sz="1800" kern="1200">
+                <a:solidFill>
+                  <a:schemeClr val="tx1"/>
+                </a:solidFill>
+                <a:latin typeface="+mn-lt"/>
+                <a:ea typeface="+mn-ea"/>
+                <a:cs typeface="+mn-cs"/>
+              </a:defRPr>
+            </a:lvl6pPr>
+            <a:lvl7pPr marL="2971800" indent="-228600" algn="l" defTabSz="914400" rtl="0" eaLnBrk="1" latinLnBrk="0" hangingPunct="1">
+              <a:lnSpc>
+                <a:spcPct val="90000"/>
+              </a:lnSpc>
+              <a:spcBef>
+                <a:spcPts val="500"/>
+              </a:spcBef>
+              <a:buFont typeface="Arial" panose="020B0604020202020204" pitchFamily="34" charset="0"/>
+              <a:buChar char="•"/>
+              <a:defRPr sz="1800" kern="1200">
+                <a:solidFill>
+                  <a:schemeClr val="tx1"/>
+                </a:solidFill>
+                <a:latin typeface="+mn-lt"/>
+                <a:ea typeface="+mn-ea"/>
+                <a:cs typeface="+mn-cs"/>
+              </a:defRPr>
+            </a:lvl7pPr>
+            <a:lvl8pPr marL="3429000" indent="-228600" algn="l" defTabSz="914400" rtl="0" eaLnBrk="1" latinLnBrk="0" hangingPunct="1">
+              <a:lnSpc>
+                <a:spcPct val="90000"/>
+              </a:lnSpc>
+              <a:spcBef>
+                <a:spcPts val="500"/>
+              </a:spcBef>
+              <a:buFont typeface="Arial" panose="020B0604020202020204" pitchFamily="34" charset="0"/>
+              <a:buChar char="•"/>
+              <a:defRPr sz="1800" kern="1200">
+                <a:solidFill>
+                  <a:schemeClr val="tx1"/>
+                </a:solidFill>
+                <a:latin typeface="+mn-lt"/>
+                <a:ea typeface="+mn-ea"/>
+                <a:cs typeface="+mn-cs"/>
+              </a:defRPr>
+            </a:lvl8pPr>
+            <a:lvl9pPr marL="3886200" indent="-228600" algn="l" defTabSz="914400" rtl="0" eaLnBrk="1" latinLnBrk="0" hangingPunct="1">
+              <a:lnSpc>
+                <a:spcPct val="90000"/>
+              </a:lnSpc>
+              <a:spcBef>
+                <a:spcPts val="500"/>
+              </a:spcBef>
+              <a:buFont typeface="Arial" panose="020B0604020202020204" pitchFamily="34" charset="0"/>
+              <a:buChar char="•"/>
+              <a:defRPr sz="1800" kern="1200">
+                <a:solidFill>
+                  <a:schemeClr val="tx1"/>
+                </a:solidFill>
+                <a:latin typeface="+mn-lt"/>
+                <a:ea typeface="+mn-ea"/>
+                <a:cs typeface="+mn-cs"/>
+              </a:defRPr>
+            </a:lvl9pPr>
+          </a:lstStyle>
+          <a:p>
+            <a:r>
+              <a:rPr lang="en-ES" dirty="0"/>
+              <a:t>Los tipos anónimos permiten encapsular propiedades de solo lectura en un objeto sin tener que definir antes una clase para dicho objeto</a:t>
+            </a:r>
+          </a:p>
+          <a:p>
+            <a:r>
+              <a:rPr lang="en-ES" dirty="0"/>
+              <a:t>Aprende más sobre los tipos anónimos aquí:</a:t>
+            </a:r>
+          </a:p>
+          <a:p>
+            <a:pPr lvl="1"/>
+            <a:r>
+              <a:rPr lang="en-GB" dirty="0">
+                <a:hlinkClick r:id="rId3"/>
+              </a:rPr>
+              <a:t>https://</a:t>
+            </a:r>
+            <a:r>
+              <a:rPr lang="en-GB" dirty="0" err="1">
+                <a:hlinkClick r:id="rId3"/>
+              </a:rPr>
+              <a:t>docs.microsoft.com</a:t>
+            </a:r>
+            <a:r>
+              <a:rPr lang="en-GB" dirty="0">
+                <a:hlinkClick r:id="rId3"/>
+              </a:rPr>
+              <a:t>/</a:t>
+            </a:r>
+            <a:r>
+              <a:rPr lang="en-GB" dirty="0" err="1">
+                <a:hlinkClick r:id="rId3"/>
+              </a:rPr>
+              <a:t>en</a:t>
+            </a:r>
+            <a:r>
+              <a:rPr lang="en-GB" dirty="0">
+                <a:hlinkClick r:id="rId3"/>
+              </a:rPr>
+              <a:t>-us/dotnet/</a:t>
+            </a:r>
+            <a:r>
+              <a:rPr lang="en-GB" dirty="0" err="1">
+                <a:hlinkClick r:id="rId3"/>
+              </a:rPr>
+              <a:t>csharp</a:t>
+            </a:r>
+            <a:r>
+              <a:rPr lang="en-GB" dirty="0">
+                <a:hlinkClick r:id="rId3"/>
+              </a:rPr>
+              <a:t>/fundamentals/types/anonymous-types</a:t>
+            </a:r>
+            <a:endParaRPr lang="en-ES" dirty="0"/>
+          </a:p>
+        </p:txBody>
+      </p:sp>
+    </p:spTree>
+    <p:extLst>
+      <p:ext uri="{BB962C8B-B14F-4D97-AF65-F5344CB8AC3E}">
+        <p14:creationId xmlns:p14="http://schemas.microsoft.com/office/powerpoint/2010/main" val="3266951964"/>
+      </p:ext>
+    </p:extLst>
+  </p:cSld>
+  <p:clrMapOvr>
+    <a:masterClrMapping/>
+  </p:clrMapOvr>
+</p:sld>
+</file>
+
+<file path=ppt/slides/slide38.xml><?xml version="1.0" encoding="utf-8"?>
+<p:sld xmlns:a="http://schemas.openxmlformats.org/drawingml/2006/main" xmlns:r="http://schemas.openxmlformats.org/officeDocument/2006/relationships" xmlns:p="http://schemas.openxmlformats.org/presentationml/2006/main">
+  <p:cSld>
+    <p:spTree>
+      <p:nvGrpSpPr>
+        <p:cNvPr id="1" name=""/>
+        <p:cNvGrpSpPr/>
+        <p:nvPr/>
+      </p:nvGrpSpPr>
+      <p:grpSpPr>
+        <a:xfrm>
+          <a:off x="0" y="0"/>
+          <a:ext cx="0" cy="0"/>
+          <a:chOff x="0" y="0"/>
+          <a:chExt cx="0" cy="0"/>
+        </a:xfrm>
+      </p:grpSpPr>
+      <p:sp>
+        <p:nvSpPr>
+          <p:cNvPr id="2" name="Title 1">
+            <a:extLst>
+              <a:ext uri="{FF2B5EF4-FFF2-40B4-BE49-F238E27FC236}">
+                <a16:creationId xmlns:a16="http://schemas.microsoft.com/office/drawing/2014/main" id="{9CC47F85-40BB-BB40-8545-FE58638D9295}"/>
+              </a:ext>
+            </a:extLst>
+          </p:cNvPr>
+          <p:cNvSpPr>
+            <a:spLocks noGrp="1"/>
+          </p:cNvSpPr>
+          <p:nvPr>
+            <p:ph type="ctrTitle"/>
+          </p:nvPr>
+        </p:nvSpPr>
+        <p:spPr/>
+        <p:txBody>
+          <a:bodyPr/>
+          <a:lstStyle/>
+          <a:p>
+            <a:r>
+              <a:rPr lang="en-ES" dirty="0"/>
+              <a:t>¡Gracias!</a:t>
+            </a:r>
+          </a:p>
+        </p:txBody>
+      </p:sp>
+      <p:sp>
+        <p:nvSpPr>
+          <p:cNvPr id="3" name="Subtitle 2">
+            <a:extLst>
+              <a:ext uri="{FF2B5EF4-FFF2-40B4-BE49-F238E27FC236}">
+                <a16:creationId xmlns:a16="http://schemas.microsoft.com/office/drawing/2014/main" id="{B0F5C132-69D1-1C44-B6E9-57D70FABAAF5}"/>
+              </a:ext>
+            </a:extLst>
+          </p:cNvPr>
+          <p:cNvSpPr>
+            <a:spLocks noGrp="1"/>
+          </p:cNvSpPr>
+          <p:nvPr>
+            <p:ph type="subTitle" idx="1"/>
+          </p:nvPr>
+        </p:nvSpPr>
+        <p:spPr>
+          <a:xfrm>
+            <a:off x="2884714" y="5735637"/>
+            <a:ext cx="9144000" cy="903514"/>
+          </a:xfrm>
+        </p:spPr>
+        <p:txBody>
+          <a:bodyPr anchor="b"/>
+          <a:lstStyle/>
+          <a:p>
+            <a:pPr algn="r"/>
+            <a:r>
+              <a:rPr lang="en-ES" dirty="0"/>
+              <a:t>Rubén de Alba de Andrés - @</a:t>
+            </a:r>
+            <a:r>
+              <a:rPr lang="en-ES" dirty="0">
+                <a:hlinkClick r:id="rId2"/>
+              </a:rPr>
+              <a:t>rdealbad</a:t>
+            </a:r>
+            <a:endParaRPr lang="en-ES" dirty="0"/>
+          </a:p>
+          <a:p>
+            <a:pPr algn="r"/>
+            <a:r>
+              <a:rPr lang="en-ES" dirty="0"/>
+              <a:t>Sergio Luis Para - @</a:t>
+            </a:r>
+            <a:r>
+              <a:rPr lang="en-ES" dirty="0">
+                <a:hlinkClick r:id="rId3"/>
+              </a:rPr>
+              <a:t>S_Luis</a:t>
+            </a:r>
+            <a:endParaRPr lang="en-ES" dirty="0"/>
+          </a:p>
+        </p:txBody>
+      </p:sp>
+    </p:spTree>
+    <p:extLst>
+      <p:ext uri="{BB962C8B-B14F-4D97-AF65-F5344CB8AC3E}">
+        <p14:creationId xmlns:p14="http://schemas.microsoft.com/office/powerpoint/2010/main" val="3970643930"/>
       </p:ext>
     </p:extLst>
   </p:cSld>
@@ -7431,7 +11334,7 @@
           <p:cNvPr id="2" name="Title 1">
             <a:extLst>
               <a:ext uri="{FF2B5EF4-FFF2-40B4-BE49-F238E27FC236}">
-                <a16:creationId xmlns:a16="http://schemas.microsoft.com/office/drawing/2014/main" id="{09F3EFD3-E3F5-1044-8E09-9D4FC7C407F4}"/>
+                <a16:creationId xmlns:a16="http://schemas.microsoft.com/office/drawing/2014/main" id="{91895B86-1A62-D54E-B3B4-E66087F7C748}"/>
               </a:ext>
             </a:extLst>
           </p:cNvPr>
@@ -7448,353 +11351,49 @@
           <a:lstStyle/>
           <a:p>
             <a:r>
+              <a:rPr lang="en-ES" dirty="0"/>
+              <a:t>Nuestro primer programa en C#</a:t>
+            </a:r>
+          </a:p>
+        </p:txBody>
+      </p:sp>
+      <p:sp>
+        <p:nvSpPr>
+          <p:cNvPr id="3" name="Text Placeholder 2">
+            <a:extLst>
+              <a:ext uri="{FF2B5EF4-FFF2-40B4-BE49-F238E27FC236}">
+                <a16:creationId xmlns:a16="http://schemas.microsoft.com/office/drawing/2014/main" id="{17C00E32-B678-7C42-A182-6760EA4CB450}"/>
+              </a:ext>
+            </a:extLst>
+          </p:cNvPr>
+          <p:cNvSpPr>
+            <a:spLocks noGrp="1"/>
+          </p:cNvSpPr>
+          <p:nvPr>
+            <p:ph type="body" idx="1"/>
+          </p:nvPr>
+        </p:nvSpPr>
+        <p:spPr/>
+        <p:txBody>
+          <a:bodyPr/>
+          <a:lstStyle/>
+          <a:p>
+            <a:r>
               <a:rPr lang="en-ES" dirty="0">
                 <a:latin typeface="Consolas" panose="020B0609020204030204" pitchFamily="49" charset="0"/>
-                <a:ea typeface="Fira Code" panose="020B0809050000020004" pitchFamily="49" charset="0"/>
-                <a:cs typeface="Consolas" panose="020B0609020204030204" pitchFamily="49" charset="0"/>
-              </a:rPr>
-              <a:t>"Hello, world!"</a:t>
-            </a:r>
-            <a:r>
-              <a:rPr lang="en-ES" dirty="0">
-                <a:latin typeface="Corbel" panose="020B0503020204020204" pitchFamily="34" charset="0"/>
-                <a:cs typeface="Consolas" panose="020B0609020204030204" pitchFamily="49" charset="0"/>
-              </a:rPr>
-              <a:t> </a:t>
-            </a:r>
-            <a:r>
-              <a:rPr lang="en-ES" dirty="0">
-                <a:latin typeface="Calibri" panose="020F0502020204030204" pitchFamily="34" charset="0"/>
-                <a:cs typeface="Calibri" panose="020F0502020204030204" pitchFamily="34" charset="0"/>
-              </a:rPr>
-              <a:t>– Instalar .NET</a:t>
-            </a:r>
-          </a:p>
-        </p:txBody>
-      </p:sp>
-      <p:sp>
-        <p:nvSpPr>
-          <p:cNvPr id="3" name="Content Placeholder 2">
-            <a:extLst>
-              <a:ext uri="{FF2B5EF4-FFF2-40B4-BE49-F238E27FC236}">
-                <a16:creationId xmlns:a16="http://schemas.microsoft.com/office/drawing/2014/main" id="{D6B9A051-412C-AC41-B554-737C14F4D051}"/>
-              </a:ext>
-            </a:extLst>
-          </p:cNvPr>
-          <p:cNvSpPr>
-            <a:spLocks noGrp="1"/>
-          </p:cNvSpPr>
-          <p:nvPr>
-            <p:ph idx="1"/>
-          </p:nvPr>
-        </p:nvSpPr>
-        <p:spPr>
-          <a:xfrm>
-            <a:off x="838200" y="1825625"/>
-            <a:ext cx="10515600" cy="2463346"/>
-          </a:xfrm>
-        </p:spPr>
-        <p:txBody>
-          <a:bodyPr>
-            <a:normAutofit lnSpcReduction="10000"/>
-          </a:bodyPr>
-          <a:lstStyle/>
-          <a:p>
-            <a:r>
-              <a:rPr lang="en-ES" dirty="0">
-                <a:latin typeface="Calibri" panose="020F0502020204030204" pitchFamily="34" charset="0"/>
-                <a:cs typeface="Calibri" panose="020F0502020204030204" pitchFamily="34" charset="0"/>
-              </a:rPr>
-              <a:t>Descargar .NET 5 o 6 desde el sitio Web oficial de Microsoft</a:t>
-            </a:r>
-          </a:p>
-          <a:p>
-            <a:pPr lvl="1"/>
-            <a:r>
-              <a:rPr lang="en-GB" dirty="0">
-                <a:latin typeface="Calibri" panose="020F0502020204030204" pitchFamily="34" charset="0"/>
-                <a:cs typeface="Calibri" panose="020F0502020204030204" pitchFamily="34" charset="0"/>
-                <a:hlinkClick r:id="rId2"/>
-              </a:rPr>
-              <a:t>https://dotnet.microsoft.com/download/dotnet/5.0</a:t>
-            </a:r>
-            <a:endParaRPr lang="en-GB" dirty="0">
-              <a:latin typeface="Calibri" panose="020F0502020204030204" pitchFamily="34" charset="0"/>
-              <a:cs typeface="Calibri" panose="020F0502020204030204" pitchFamily="34" charset="0"/>
-            </a:endParaRPr>
-          </a:p>
-          <a:p>
-            <a:pPr lvl="1"/>
-            <a:r>
-              <a:rPr lang="en-GB" dirty="0">
-                <a:latin typeface="Calibri" panose="020F0502020204030204" pitchFamily="34" charset="0"/>
-                <a:cs typeface="Calibri" panose="020F0502020204030204" pitchFamily="34" charset="0"/>
-                <a:hlinkClick r:id="rId3"/>
-              </a:rPr>
-              <a:t>https://dotnet.microsoft.com/download/dotnet/6.0</a:t>
-            </a:r>
-            <a:endParaRPr lang="en-GB" dirty="0">
-              <a:latin typeface="Calibri" panose="020F0502020204030204" pitchFamily="34" charset="0"/>
-              <a:cs typeface="Calibri" panose="020F0502020204030204" pitchFamily="34" charset="0"/>
-            </a:endParaRPr>
-          </a:p>
-          <a:p>
-            <a:r>
-              <a:rPr lang="en-GB" dirty="0" err="1">
-                <a:latin typeface="Calibri" panose="020F0502020204030204" pitchFamily="34" charset="0"/>
-                <a:cs typeface="Calibri" panose="020F0502020204030204" pitchFamily="34" charset="0"/>
-              </a:rPr>
-              <a:t>Ejecutar</a:t>
-            </a:r>
-            <a:r>
-              <a:rPr lang="en-GB" dirty="0">
-                <a:latin typeface="Calibri" panose="020F0502020204030204" pitchFamily="34" charset="0"/>
-                <a:cs typeface="Calibri" panose="020F0502020204030204" pitchFamily="34" charset="0"/>
-              </a:rPr>
-              <a:t> el </a:t>
-            </a:r>
-            <a:r>
-              <a:rPr lang="en-GB" dirty="0" err="1">
-                <a:latin typeface="Calibri" panose="020F0502020204030204" pitchFamily="34" charset="0"/>
-                <a:cs typeface="Calibri" panose="020F0502020204030204" pitchFamily="34" charset="0"/>
-              </a:rPr>
-              <a:t>instalador</a:t>
-            </a:r>
-            <a:r>
-              <a:rPr lang="en-GB" dirty="0">
-                <a:latin typeface="Calibri" panose="020F0502020204030204" pitchFamily="34" charset="0"/>
-                <a:cs typeface="Calibri" panose="020F0502020204030204" pitchFamily="34" charset="0"/>
-              </a:rPr>
-              <a:t> </a:t>
-            </a:r>
-            <a:r>
-              <a:rPr lang="en-GB" dirty="0" err="1">
-                <a:latin typeface="Calibri" panose="020F0502020204030204" pitchFamily="34" charset="0"/>
-                <a:cs typeface="Calibri" panose="020F0502020204030204" pitchFamily="34" charset="0"/>
-              </a:rPr>
-              <a:t>descargado</a:t>
-            </a:r>
-            <a:endParaRPr lang="en-GB" dirty="0">
-              <a:latin typeface="Calibri" panose="020F0502020204030204" pitchFamily="34" charset="0"/>
-              <a:cs typeface="Calibri" panose="020F0502020204030204" pitchFamily="34" charset="0"/>
-            </a:endParaRPr>
-          </a:p>
-          <a:p>
-            <a:pPr lvl="1"/>
-            <a:r>
-              <a:rPr lang="en-GB" dirty="0">
-                <a:latin typeface="Calibri" panose="020F0502020204030204" pitchFamily="34" charset="0"/>
-                <a:cs typeface="Calibri" panose="020F0502020204030204" pitchFamily="34" charset="0"/>
-              </a:rPr>
-              <a:t>O </a:t>
-            </a:r>
-            <a:r>
-              <a:rPr lang="en-GB" dirty="0" err="1">
-                <a:latin typeface="Calibri" panose="020F0502020204030204" pitchFamily="34" charset="0"/>
-                <a:cs typeface="Calibri" panose="020F0502020204030204" pitchFamily="34" charset="0"/>
-              </a:rPr>
-              <a:t>seguir</a:t>
-            </a:r>
-            <a:r>
-              <a:rPr lang="en-GB" dirty="0">
-                <a:latin typeface="Calibri" panose="020F0502020204030204" pitchFamily="34" charset="0"/>
-                <a:cs typeface="Calibri" panose="020F0502020204030204" pitchFamily="34" charset="0"/>
-              </a:rPr>
-              <a:t> los pasos del gestor de </a:t>
-            </a:r>
-            <a:r>
-              <a:rPr lang="en-GB" dirty="0" err="1">
-                <a:latin typeface="Calibri" panose="020F0502020204030204" pitchFamily="34" charset="0"/>
-                <a:cs typeface="Calibri" panose="020F0502020204030204" pitchFamily="34" charset="0"/>
-              </a:rPr>
-              <a:t>paquetes</a:t>
-            </a:r>
-            <a:r>
-              <a:rPr lang="en-GB" dirty="0">
-                <a:latin typeface="Calibri" panose="020F0502020204030204" pitchFamily="34" charset="0"/>
-                <a:cs typeface="Calibri" panose="020F0502020204030204" pitchFamily="34" charset="0"/>
-              </a:rPr>
-              <a:t> </a:t>
-            </a:r>
-            <a:r>
-              <a:rPr lang="en-GB" dirty="0" err="1">
-                <a:latin typeface="Calibri" panose="020F0502020204030204" pitchFamily="34" charset="0"/>
-                <a:cs typeface="Calibri" panose="020F0502020204030204" pitchFamily="34" charset="0"/>
-              </a:rPr>
-              <a:t>correspondiente</a:t>
-            </a:r>
-            <a:r>
-              <a:rPr lang="en-GB" dirty="0">
-                <a:latin typeface="Calibri" panose="020F0502020204030204" pitchFamily="34" charset="0"/>
-                <a:cs typeface="Calibri" panose="020F0502020204030204" pitchFamily="34" charset="0"/>
-              </a:rPr>
-              <a:t> </a:t>
-            </a:r>
-            <a:r>
-              <a:rPr lang="en-GB" dirty="0" err="1">
-                <a:latin typeface="Calibri" panose="020F0502020204030204" pitchFamily="34" charset="0"/>
-                <a:cs typeface="Calibri" panose="020F0502020204030204" pitchFamily="34" charset="0"/>
-              </a:rPr>
-              <a:t>en</a:t>
-            </a:r>
-            <a:r>
-              <a:rPr lang="en-GB" dirty="0">
-                <a:latin typeface="Calibri" panose="020F0502020204030204" pitchFamily="34" charset="0"/>
-                <a:cs typeface="Calibri" panose="020F0502020204030204" pitchFamily="34" charset="0"/>
-              </a:rPr>
-              <a:t> GNU/Linux</a:t>
-            </a:r>
-          </a:p>
-          <a:p>
-            <a:r>
-              <a:rPr lang="en-GB" dirty="0" err="1">
-                <a:latin typeface="Calibri" panose="020F0502020204030204" pitchFamily="34" charset="0"/>
-                <a:cs typeface="Calibri" panose="020F0502020204030204" pitchFamily="34" charset="0"/>
-              </a:rPr>
-              <a:t>Abrir</a:t>
-            </a:r>
-            <a:r>
-              <a:rPr lang="en-GB" dirty="0">
-                <a:latin typeface="Calibri" panose="020F0502020204030204" pitchFamily="34" charset="0"/>
-                <a:cs typeface="Calibri" panose="020F0502020204030204" pitchFamily="34" charset="0"/>
-              </a:rPr>
-              <a:t> una terminal y </a:t>
-            </a:r>
-            <a:r>
-              <a:rPr lang="en-GB" dirty="0" err="1">
-                <a:latin typeface="Calibri" panose="020F0502020204030204" pitchFamily="34" charset="0"/>
-                <a:cs typeface="Calibri" panose="020F0502020204030204" pitchFamily="34" charset="0"/>
-              </a:rPr>
-              <a:t>comprobar</a:t>
-            </a:r>
-            <a:r>
-              <a:rPr lang="en-GB" dirty="0">
-                <a:latin typeface="Calibri" panose="020F0502020204030204" pitchFamily="34" charset="0"/>
-                <a:cs typeface="Calibri" panose="020F0502020204030204" pitchFamily="34" charset="0"/>
-              </a:rPr>
-              <a:t> que el </a:t>
-            </a:r>
-            <a:r>
-              <a:rPr lang="en-GB" i="1" dirty="0">
-                <a:latin typeface="Calibri" panose="020F0502020204030204" pitchFamily="34" charset="0"/>
-                <a:cs typeface="Calibri" panose="020F0502020204030204" pitchFamily="34" charset="0"/>
-              </a:rPr>
-              <a:t>toolchain</a:t>
-            </a:r>
-            <a:r>
-              <a:rPr lang="en-GB" dirty="0">
-                <a:latin typeface="Calibri" panose="020F0502020204030204" pitchFamily="34" charset="0"/>
-                <a:cs typeface="Calibri" panose="020F0502020204030204" pitchFamily="34" charset="0"/>
-              </a:rPr>
-              <a:t> </a:t>
-            </a:r>
-            <a:r>
-              <a:rPr lang="en-GB" dirty="0" err="1">
-                <a:latin typeface="Calibri" panose="020F0502020204030204" pitchFamily="34" charset="0"/>
-                <a:cs typeface="Calibri" panose="020F0502020204030204" pitchFamily="34" charset="0"/>
-              </a:rPr>
-              <a:t>está</a:t>
-            </a:r>
-            <a:r>
-              <a:rPr lang="en-GB" dirty="0">
-                <a:latin typeface="Calibri" panose="020F0502020204030204" pitchFamily="34" charset="0"/>
-                <a:cs typeface="Calibri" panose="020F0502020204030204" pitchFamily="34" charset="0"/>
-              </a:rPr>
-              <a:t> </a:t>
-            </a:r>
-            <a:r>
-              <a:rPr lang="en-GB" dirty="0" err="1">
-                <a:latin typeface="Calibri" panose="020F0502020204030204" pitchFamily="34" charset="0"/>
-                <a:cs typeface="Calibri" panose="020F0502020204030204" pitchFamily="34" charset="0"/>
-              </a:rPr>
-              <a:t>en</a:t>
-            </a:r>
-            <a:r>
-              <a:rPr lang="en-GB" dirty="0">
-                <a:latin typeface="Calibri" panose="020F0502020204030204" pitchFamily="34" charset="0"/>
-                <a:cs typeface="Calibri" panose="020F0502020204030204" pitchFamily="34" charset="0"/>
-              </a:rPr>
-              <a:t> el </a:t>
-            </a:r>
-            <a:r>
-              <a:rPr lang="en-GB" dirty="0">
-                <a:latin typeface="Consolas" panose="020B0609020204030204" pitchFamily="49" charset="0"/>
-                <a:ea typeface="Fira Code" panose="020B0809050000020004" pitchFamily="49" charset="0"/>
-                <a:cs typeface="Consolas" panose="020B0609020204030204" pitchFamily="49" charset="0"/>
-              </a:rPr>
-              <a:t>PATH</a:t>
-            </a:r>
-            <a:r>
-              <a:rPr lang="en-GB" dirty="0">
-                <a:latin typeface="Calibri" panose="020F0502020204030204" pitchFamily="34" charset="0"/>
-                <a:cs typeface="Calibri" panose="020F0502020204030204" pitchFamily="34" charset="0"/>
-              </a:rPr>
-              <a:t>:</a:t>
-            </a:r>
-          </a:p>
-        </p:txBody>
-      </p:sp>
-      <p:sp>
-        <p:nvSpPr>
-          <p:cNvPr id="4" name="TextBox 3">
-            <a:extLst>
-              <a:ext uri="{FF2B5EF4-FFF2-40B4-BE49-F238E27FC236}">
-                <a16:creationId xmlns:a16="http://schemas.microsoft.com/office/drawing/2014/main" id="{67804DB3-C268-504F-80E8-16E0ECC24870}"/>
-              </a:ext>
-            </a:extLst>
-          </p:cNvPr>
-          <p:cNvSpPr txBox="1"/>
-          <p:nvPr/>
-        </p:nvSpPr>
-        <p:spPr>
-          <a:xfrm>
-            <a:off x="2656114" y="4858864"/>
-            <a:ext cx="6879771" cy="954107"/>
-          </a:xfrm>
-          <a:prstGeom prst="rect">
-            <a:avLst/>
-          </a:prstGeom>
-          <a:solidFill>
-            <a:srgbClr val="002060"/>
-          </a:solidFill>
-        </p:spPr>
-        <p:txBody>
-          <a:bodyPr wrap="square" rtlCol="0">
-            <a:spAutoFit/>
-          </a:bodyPr>
-          <a:lstStyle/>
-          <a:p>
-            <a:r>
-              <a:rPr lang="en-ES" sz="2800" dirty="0">
-                <a:solidFill>
-                  <a:schemeClr val="bg1"/>
-                </a:solidFill>
-                <a:latin typeface="Consolas" panose="020B0609020204030204" pitchFamily="49" charset="0"/>
-                <a:cs typeface="Consolas" panose="020B0609020204030204" pitchFamily="49" charset="0"/>
-              </a:rPr>
-              <a:t>$ dotnet --version</a:t>
-            </a:r>
-          </a:p>
-          <a:p>
-            <a:r>
-              <a:rPr lang="en-ES" sz="2800" dirty="0">
-                <a:solidFill>
-                  <a:schemeClr val="bg1"/>
-                </a:solidFill>
-                <a:latin typeface="Consolas" panose="020B0609020204030204" pitchFamily="49" charset="0"/>
-                <a:cs typeface="Consolas" panose="020B0609020204030204" pitchFamily="49" charset="0"/>
-              </a:rPr>
-              <a:t>6.0.100</a:t>
-            </a:r>
-          </a:p>
-        </p:txBody>
-      </p:sp>
-      <p:sp>
-        <p:nvSpPr>
-          <p:cNvPr id="5" name="Slide Number Placeholder 4">
-            <a:extLst>
-              <a:ext uri="{FF2B5EF4-FFF2-40B4-BE49-F238E27FC236}">
-                <a16:creationId xmlns:a16="http://schemas.microsoft.com/office/drawing/2014/main" id="{F31781B5-891F-0C48-99E2-87A1861EB433}"/>
+                <a:cs typeface="Consolas" panose="020B0609020204030204" pitchFamily="49" charset="0"/>
+              </a:rPr>
+              <a:t>Hello, World!</a:t>
+            </a:r>
+          </a:p>
+        </p:txBody>
+      </p:sp>
+      <p:sp>
+        <p:nvSpPr>
+          <p:cNvPr id="4" name="Slide Number Placeholder 3">
+            <a:extLst>
+              <a:ext uri="{FF2B5EF4-FFF2-40B4-BE49-F238E27FC236}">
+                <a16:creationId xmlns:a16="http://schemas.microsoft.com/office/drawing/2014/main" id="{B4E4F46E-CDAD-4942-9DE1-B3D61CDB4753}"/>
               </a:ext>
             </a:extLst>
           </p:cNvPr>
@@ -7821,7 +11420,7 @@
     </p:spTree>
     <p:extLst>
       <p:ext uri="{BB962C8B-B14F-4D97-AF65-F5344CB8AC3E}">
-        <p14:creationId xmlns:p14="http://schemas.microsoft.com/office/powerpoint/2010/main" val="4156089356"/>
+        <p14:creationId xmlns:p14="http://schemas.microsoft.com/office/powerpoint/2010/main" val="3754805970"/>
       </p:ext>
     </p:extLst>
   </p:cSld>
@@ -7853,6 +11452,410 @@
           <p:cNvPr id="2" name="Title 1">
             <a:extLst>
               <a:ext uri="{FF2B5EF4-FFF2-40B4-BE49-F238E27FC236}">
+                <a16:creationId xmlns:a16="http://schemas.microsoft.com/office/drawing/2014/main" id="{09F3EFD3-E3F5-1044-8E09-9D4FC7C407F4}"/>
+              </a:ext>
+            </a:extLst>
+          </p:cNvPr>
+          <p:cNvSpPr>
+            <a:spLocks noGrp="1"/>
+          </p:cNvSpPr>
+          <p:nvPr>
+            <p:ph type="title"/>
+          </p:nvPr>
+        </p:nvSpPr>
+        <p:spPr/>
+        <p:txBody>
+          <a:bodyPr/>
+          <a:lstStyle/>
+          <a:p>
+            <a:r>
+              <a:rPr lang="en-ES" dirty="0"/>
+              <a:t>Instalar .NET</a:t>
+            </a:r>
+          </a:p>
+        </p:txBody>
+      </p:sp>
+      <p:sp>
+        <p:nvSpPr>
+          <p:cNvPr id="3" name="Content Placeholder 2">
+            <a:extLst>
+              <a:ext uri="{FF2B5EF4-FFF2-40B4-BE49-F238E27FC236}">
+                <a16:creationId xmlns:a16="http://schemas.microsoft.com/office/drawing/2014/main" id="{D6B9A051-412C-AC41-B554-737C14F4D051}"/>
+              </a:ext>
+            </a:extLst>
+          </p:cNvPr>
+          <p:cNvSpPr>
+            <a:spLocks noGrp="1"/>
+          </p:cNvSpPr>
+          <p:nvPr>
+            <p:ph idx="1"/>
+          </p:nvPr>
+        </p:nvSpPr>
+        <p:spPr>
+          <a:xfrm>
+            <a:off x="838200" y="1825625"/>
+            <a:ext cx="10515600" cy="2463346"/>
+          </a:xfrm>
+        </p:spPr>
+        <p:txBody>
+          <a:bodyPr>
+            <a:normAutofit lnSpcReduction="10000"/>
+          </a:bodyPr>
+          <a:lstStyle/>
+          <a:p>
+            <a:r>
+              <a:rPr lang="en-ES" dirty="0">
+                <a:latin typeface="Calibri" panose="020F0502020204030204" pitchFamily="34" charset="0"/>
+                <a:cs typeface="Calibri" panose="020F0502020204030204" pitchFamily="34" charset="0"/>
+              </a:rPr>
+              <a:t>Descargar .NET 5 o 6 desde el sitio Web oficial de Microsoft</a:t>
+            </a:r>
+          </a:p>
+          <a:p>
+            <a:pPr lvl="1"/>
+            <a:r>
+              <a:rPr lang="en-GB" dirty="0">
+                <a:latin typeface="Calibri" panose="020F0502020204030204" pitchFamily="34" charset="0"/>
+                <a:cs typeface="Calibri" panose="020F0502020204030204" pitchFamily="34" charset="0"/>
+                <a:hlinkClick r:id="rId2"/>
+              </a:rPr>
+              <a:t>https://dotnet.microsoft.com/download/dotnet/5.0</a:t>
+            </a:r>
+            <a:endParaRPr lang="en-GB" dirty="0">
+              <a:latin typeface="Calibri" panose="020F0502020204030204" pitchFamily="34" charset="0"/>
+              <a:cs typeface="Calibri" panose="020F0502020204030204" pitchFamily="34" charset="0"/>
+            </a:endParaRPr>
+          </a:p>
+          <a:p>
+            <a:pPr lvl="1"/>
+            <a:r>
+              <a:rPr lang="en-GB" dirty="0">
+                <a:latin typeface="Calibri" panose="020F0502020204030204" pitchFamily="34" charset="0"/>
+                <a:cs typeface="Calibri" panose="020F0502020204030204" pitchFamily="34" charset="0"/>
+                <a:hlinkClick r:id="rId3"/>
+              </a:rPr>
+              <a:t>https://dotnet.microsoft.com/download/dotnet/6.0</a:t>
+            </a:r>
+            <a:endParaRPr lang="en-GB" dirty="0">
+              <a:latin typeface="Calibri" panose="020F0502020204030204" pitchFamily="34" charset="0"/>
+              <a:cs typeface="Calibri" panose="020F0502020204030204" pitchFamily="34" charset="0"/>
+            </a:endParaRPr>
+          </a:p>
+          <a:p>
+            <a:r>
+              <a:rPr lang="en-GB" dirty="0" err="1">
+                <a:latin typeface="Calibri" panose="020F0502020204030204" pitchFamily="34" charset="0"/>
+                <a:cs typeface="Calibri" panose="020F0502020204030204" pitchFamily="34" charset="0"/>
+              </a:rPr>
+              <a:t>Ejecutar</a:t>
+            </a:r>
+            <a:r>
+              <a:rPr lang="en-GB" dirty="0">
+                <a:latin typeface="Calibri" panose="020F0502020204030204" pitchFamily="34" charset="0"/>
+                <a:cs typeface="Calibri" panose="020F0502020204030204" pitchFamily="34" charset="0"/>
+              </a:rPr>
+              <a:t> el </a:t>
+            </a:r>
+            <a:r>
+              <a:rPr lang="en-GB" dirty="0" err="1">
+                <a:latin typeface="Calibri" panose="020F0502020204030204" pitchFamily="34" charset="0"/>
+                <a:cs typeface="Calibri" panose="020F0502020204030204" pitchFamily="34" charset="0"/>
+              </a:rPr>
+              <a:t>instalador</a:t>
+            </a:r>
+            <a:r>
+              <a:rPr lang="en-GB" dirty="0">
+                <a:latin typeface="Calibri" panose="020F0502020204030204" pitchFamily="34" charset="0"/>
+                <a:cs typeface="Calibri" panose="020F0502020204030204" pitchFamily="34" charset="0"/>
+              </a:rPr>
+              <a:t> </a:t>
+            </a:r>
+            <a:r>
+              <a:rPr lang="en-GB" dirty="0" err="1">
+                <a:latin typeface="Calibri" panose="020F0502020204030204" pitchFamily="34" charset="0"/>
+                <a:cs typeface="Calibri" panose="020F0502020204030204" pitchFamily="34" charset="0"/>
+              </a:rPr>
+              <a:t>descargado</a:t>
+            </a:r>
+            <a:endParaRPr lang="en-GB" dirty="0">
+              <a:latin typeface="Calibri" panose="020F0502020204030204" pitchFamily="34" charset="0"/>
+              <a:cs typeface="Calibri" panose="020F0502020204030204" pitchFamily="34" charset="0"/>
+            </a:endParaRPr>
+          </a:p>
+          <a:p>
+            <a:pPr lvl="1"/>
+            <a:r>
+              <a:rPr lang="en-GB" dirty="0">
+                <a:latin typeface="Calibri" panose="020F0502020204030204" pitchFamily="34" charset="0"/>
+                <a:cs typeface="Calibri" panose="020F0502020204030204" pitchFamily="34" charset="0"/>
+              </a:rPr>
+              <a:t>O </a:t>
+            </a:r>
+            <a:r>
+              <a:rPr lang="en-GB" dirty="0" err="1">
+                <a:latin typeface="Calibri" panose="020F0502020204030204" pitchFamily="34" charset="0"/>
+                <a:cs typeface="Calibri" panose="020F0502020204030204" pitchFamily="34" charset="0"/>
+              </a:rPr>
+              <a:t>seguir</a:t>
+            </a:r>
+            <a:r>
+              <a:rPr lang="en-GB" dirty="0">
+                <a:latin typeface="Calibri" panose="020F0502020204030204" pitchFamily="34" charset="0"/>
+                <a:cs typeface="Calibri" panose="020F0502020204030204" pitchFamily="34" charset="0"/>
+              </a:rPr>
+              <a:t> los pasos del gestor de </a:t>
+            </a:r>
+            <a:r>
+              <a:rPr lang="en-GB" dirty="0" err="1">
+                <a:latin typeface="Calibri" panose="020F0502020204030204" pitchFamily="34" charset="0"/>
+                <a:cs typeface="Calibri" panose="020F0502020204030204" pitchFamily="34" charset="0"/>
+              </a:rPr>
+              <a:t>paquetes</a:t>
+            </a:r>
+            <a:r>
+              <a:rPr lang="en-GB" dirty="0">
+                <a:latin typeface="Calibri" panose="020F0502020204030204" pitchFamily="34" charset="0"/>
+                <a:cs typeface="Calibri" panose="020F0502020204030204" pitchFamily="34" charset="0"/>
+              </a:rPr>
+              <a:t> </a:t>
+            </a:r>
+            <a:r>
+              <a:rPr lang="en-GB" dirty="0" err="1">
+                <a:latin typeface="Calibri" panose="020F0502020204030204" pitchFamily="34" charset="0"/>
+                <a:cs typeface="Calibri" panose="020F0502020204030204" pitchFamily="34" charset="0"/>
+              </a:rPr>
+              <a:t>correspondiente</a:t>
+            </a:r>
+            <a:r>
+              <a:rPr lang="en-GB" dirty="0">
+                <a:latin typeface="Calibri" panose="020F0502020204030204" pitchFamily="34" charset="0"/>
+                <a:cs typeface="Calibri" panose="020F0502020204030204" pitchFamily="34" charset="0"/>
+              </a:rPr>
+              <a:t> </a:t>
+            </a:r>
+            <a:r>
+              <a:rPr lang="en-GB" dirty="0" err="1">
+                <a:latin typeface="Calibri" panose="020F0502020204030204" pitchFamily="34" charset="0"/>
+                <a:cs typeface="Calibri" panose="020F0502020204030204" pitchFamily="34" charset="0"/>
+              </a:rPr>
+              <a:t>en</a:t>
+            </a:r>
+            <a:r>
+              <a:rPr lang="en-GB" dirty="0">
+                <a:latin typeface="Calibri" panose="020F0502020204030204" pitchFamily="34" charset="0"/>
+                <a:cs typeface="Calibri" panose="020F0502020204030204" pitchFamily="34" charset="0"/>
+              </a:rPr>
+              <a:t> GNU/Linux</a:t>
+            </a:r>
+          </a:p>
+          <a:p>
+            <a:r>
+              <a:rPr lang="en-GB" dirty="0" err="1">
+                <a:latin typeface="Calibri" panose="020F0502020204030204" pitchFamily="34" charset="0"/>
+                <a:cs typeface="Calibri" panose="020F0502020204030204" pitchFamily="34" charset="0"/>
+              </a:rPr>
+              <a:t>Abrir</a:t>
+            </a:r>
+            <a:r>
+              <a:rPr lang="en-GB" dirty="0">
+                <a:latin typeface="Calibri" panose="020F0502020204030204" pitchFamily="34" charset="0"/>
+                <a:cs typeface="Calibri" panose="020F0502020204030204" pitchFamily="34" charset="0"/>
+              </a:rPr>
+              <a:t> una terminal y </a:t>
+            </a:r>
+            <a:r>
+              <a:rPr lang="en-GB" dirty="0" err="1">
+                <a:latin typeface="Calibri" panose="020F0502020204030204" pitchFamily="34" charset="0"/>
+                <a:cs typeface="Calibri" panose="020F0502020204030204" pitchFamily="34" charset="0"/>
+              </a:rPr>
+              <a:t>comprobar</a:t>
+            </a:r>
+            <a:r>
+              <a:rPr lang="en-GB" dirty="0">
+                <a:latin typeface="Calibri" panose="020F0502020204030204" pitchFamily="34" charset="0"/>
+                <a:cs typeface="Calibri" panose="020F0502020204030204" pitchFamily="34" charset="0"/>
+              </a:rPr>
+              <a:t> que el </a:t>
+            </a:r>
+            <a:r>
+              <a:rPr lang="en-GB" i="1" dirty="0">
+                <a:latin typeface="Calibri" panose="020F0502020204030204" pitchFamily="34" charset="0"/>
+                <a:cs typeface="Calibri" panose="020F0502020204030204" pitchFamily="34" charset="0"/>
+              </a:rPr>
+              <a:t>toolchain</a:t>
+            </a:r>
+            <a:r>
+              <a:rPr lang="en-GB" dirty="0">
+                <a:latin typeface="Calibri" panose="020F0502020204030204" pitchFamily="34" charset="0"/>
+                <a:cs typeface="Calibri" panose="020F0502020204030204" pitchFamily="34" charset="0"/>
+              </a:rPr>
+              <a:t> </a:t>
+            </a:r>
+            <a:r>
+              <a:rPr lang="en-GB" dirty="0" err="1">
+                <a:latin typeface="Calibri" panose="020F0502020204030204" pitchFamily="34" charset="0"/>
+                <a:cs typeface="Calibri" panose="020F0502020204030204" pitchFamily="34" charset="0"/>
+              </a:rPr>
+              <a:t>está</a:t>
+            </a:r>
+            <a:r>
+              <a:rPr lang="en-GB" dirty="0">
+                <a:latin typeface="Calibri" panose="020F0502020204030204" pitchFamily="34" charset="0"/>
+                <a:cs typeface="Calibri" panose="020F0502020204030204" pitchFamily="34" charset="0"/>
+              </a:rPr>
+              <a:t> </a:t>
+            </a:r>
+            <a:r>
+              <a:rPr lang="en-GB" dirty="0" err="1">
+                <a:latin typeface="Calibri" panose="020F0502020204030204" pitchFamily="34" charset="0"/>
+                <a:cs typeface="Calibri" panose="020F0502020204030204" pitchFamily="34" charset="0"/>
+              </a:rPr>
+              <a:t>en</a:t>
+            </a:r>
+            <a:r>
+              <a:rPr lang="en-GB" dirty="0">
+                <a:latin typeface="Calibri" panose="020F0502020204030204" pitchFamily="34" charset="0"/>
+                <a:cs typeface="Calibri" panose="020F0502020204030204" pitchFamily="34" charset="0"/>
+              </a:rPr>
+              <a:t> el </a:t>
+            </a:r>
+            <a:r>
+              <a:rPr lang="en-GB" dirty="0">
+                <a:latin typeface="Consolas" panose="020B0609020204030204" pitchFamily="49" charset="0"/>
+                <a:ea typeface="Fira Code" panose="020B0809050000020004" pitchFamily="49" charset="0"/>
+                <a:cs typeface="Consolas" panose="020B0609020204030204" pitchFamily="49" charset="0"/>
+              </a:rPr>
+              <a:t>PATH</a:t>
+            </a:r>
+            <a:r>
+              <a:rPr lang="en-GB" dirty="0">
+                <a:latin typeface="Calibri" panose="020F0502020204030204" pitchFamily="34" charset="0"/>
+                <a:cs typeface="Calibri" panose="020F0502020204030204" pitchFamily="34" charset="0"/>
+              </a:rPr>
+              <a:t>:</a:t>
+            </a:r>
+          </a:p>
+        </p:txBody>
+      </p:sp>
+      <p:sp>
+        <p:nvSpPr>
+          <p:cNvPr id="4" name="TextBox 3">
+            <a:extLst>
+              <a:ext uri="{FF2B5EF4-FFF2-40B4-BE49-F238E27FC236}">
+                <a16:creationId xmlns:a16="http://schemas.microsoft.com/office/drawing/2014/main" id="{67804DB3-C268-504F-80E8-16E0ECC24870}"/>
+              </a:ext>
+            </a:extLst>
+          </p:cNvPr>
+          <p:cNvSpPr txBox="1"/>
+          <p:nvPr/>
+        </p:nvSpPr>
+        <p:spPr>
+          <a:xfrm>
+            <a:off x="2656114" y="4423908"/>
+            <a:ext cx="6879771" cy="954107"/>
+          </a:xfrm>
+          <a:prstGeom prst="rect">
+            <a:avLst/>
+          </a:prstGeom>
+          <a:solidFill>
+            <a:srgbClr val="002060"/>
+          </a:solidFill>
+        </p:spPr>
+        <p:txBody>
+          <a:bodyPr wrap="square" rtlCol="0">
+            <a:spAutoFit/>
+          </a:bodyPr>
+          <a:lstStyle/>
+          <a:p>
+            <a:r>
+              <a:rPr lang="en-ES" sz="2800" dirty="0">
+                <a:solidFill>
+                  <a:schemeClr val="bg1"/>
+                </a:solidFill>
+                <a:latin typeface="Consolas" panose="020B0609020204030204" pitchFamily="49" charset="0"/>
+                <a:cs typeface="Consolas" panose="020B0609020204030204" pitchFamily="49" charset="0"/>
+              </a:rPr>
+              <a:t>$ dotnet --version</a:t>
+            </a:r>
+          </a:p>
+          <a:p>
+            <a:r>
+              <a:rPr lang="en-ES" sz="2800" dirty="0">
+                <a:solidFill>
+                  <a:schemeClr val="bg1"/>
+                </a:solidFill>
+                <a:latin typeface="Consolas" panose="020B0609020204030204" pitchFamily="49" charset="0"/>
+                <a:cs typeface="Consolas" panose="020B0609020204030204" pitchFamily="49" charset="0"/>
+              </a:rPr>
+              <a:t>6.0.100</a:t>
+            </a:r>
+          </a:p>
+        </p:txBody>
+      </p:sp>
+      <p:sp>
+        <p:nvSpPr>
+          <p:cNvPr id="5" name="Slide Number Placeholder 4">
+            <a:extLst>
+              <a:ext uri="{FF2B5EF4-FFF2-40B4-BE49-F238E27FC236}">
+                <a16:creationId xmlns:a16="http://schemas.microsoft.com/office/drawing/2014/main" id="{F31781B5-891F-0C48-99E2-87A1861EB433}"/>
+              </a:ext>
+            </a:extLst>
+          </p:cNvPr>
+          <p:cNvSpPr>
+            <a:spLocks noGrp="1"/>
+          </p:cNvSpPr>
+          <p:nvPr>
+            <p:ph type="sldNum" sz="quarter" idx="12"/>
+          </p:nvPr>
+        </p:nvSpPr>
+        <p:spPr/>
+        <p:txBody>
+          <a:bodyPr/>
+          <a:lstStyle/>
+          <a:p>
+            <a:fld id="{AA58ECC7-594B-3F4D-BC70-865823762D99}" type="slidenum">
+              <a:rPr lang="en-ES" smtClean="0"/>
+              <a:t>6</a:t>
+            </a:fld>
+            <a:endParaRPr lang="en-ES"/>
+          </a:p>
+        </p:txBody>
+      </p:sp>
+    </p:spTree>
+    <p:extLst>
+      <p:ext uri="{BB962C8B-B14F-4D97-AF65-F5344CB8AC3E}">
+        <p14:creationId xmlns:p14="http://schemas.microsoft.com/office/powerpoint/2010/main" val="4156089356"/>
+      </p:ext>
+    </p:extLst>
+  </p:cSld>
+  <p:clrMapOvr>
+    <a:masterClrMapping/>
+  </p:clrMapOvr>
+</p:sld>
+</file>
+
+<file path=ppt/slides/slide7.xml><?xml version="1.0" encoding="utf-8"?>
+<p:sld xmlns:a="http://schemas.openxmlformats.org/drawingml/2006/main" xmlns:r="http://schemas.openxmlformats.org/officeDocument/2006/relationships" xmlns:p="http://schemas.openxmlformats.org/presentationml/2006/main">
+  <p:cSld>
+    <p:spTree>
+      <p:nvGrpSpPr>
+        <p:cNvPr id="1" name=""/>
+        <p:cNvGrpSpPr/>
+        <p:nvPr/>
+      </p:nvGrpSpPr>
+      <p:grpSpPr>
+        <a:xfrm>
+          <a:off x="0" y="0"/>
+          <a:ext cx="0" cy="0"/>
+          <a:chOff x="0" y="0"/>
+          <a:chExt cx="0" cy="0"/>
+        </a:xfrm>
+      </p:grpSpPr>
+      <p:sp>
+        <p:nvSpPr>
+          <p:cNvPr id="2" name="Title 1">
+            <a:extLst>
+              <a:ext uri="{FF2B5EF4-FFF2-40B4-BE49-F238E27FC236}">
                 <a16:creationId xmlns:a16="http://schemas.microsoft.com/office/drawing/2014/main" id="{021F079D-9754-7049-A0ED-445DD5180CB3}"/>
               </a:ext>
             </a:extLst>
@@ -7870,15 +11873,8 @@
           <a:lstStyle/>
           <a:p>
             <a:r>
-              <a:rPr lang="en-ES" dirty="0">
-                <a:latin typeface="Consolas" panose="020B0609020204030204" pitchFamily="49" charset="0"/>
-                <a:cs typeface="Consolas" panose="020B0609020204030204" pitchFamily="49" charset="0"/>
-              </a:rPr>
-              <a:t>"Hello, world!"</a:t>
-            </a:r>
-            <a:r>
-              <a:rPr lang="en-ES" dirty="0"/>
-              <a:t> – Crear un proyecto de consola</a:t>
+              <a:rPr lang="en-ES" dirty="0"/>
+              <a:t>Crear un proyecto de consola</a:t>
             </a:r>
           </a:p>
         </p:txBody>
@@ -7973,7 +11969,7 @@
           <a:p>
             <a:fld id="{AA58ECC7-594B-3F4D-BC70-865823762D99}" type="slidenum">
               <a:rPr lang="en-ES" smtClean="0"/>
-              <a:t>6</a:t>
+              <a:t>7</a:t>
             </a:fld>
             <a:endParaRPr lang="en-ES"/>
           </a:p>
@@ -7993,7 +11989,7 @@
         </p:nvSpPr>
         <p:spPr>
           <a:xfrm>
-            <a:off x="968828" y="3531931"/>
+            <a:off x="968828" y="3461008"/>
             <a:ext cx="10254343" cy="2554545"/>
           </a:xfrm>
           <a:prstGeom prst="rect">
@@ -8294,7 +12290,7 @@
 </p:sld>
 </file>
 
-<file path=ppt/slides/slide7.xml><?xml version="1.0" encoding="utf-8"?>
+<file path=ppt/slides/slide8.xml><?xml version="1.0" encoding="utf-8"?>
 <p:sld xmlns:a="http://schemas.openxmlformats.org/drawingml/2006/main" xmlns:r="http://schemas.openxmlformats.org/officeDocument/2006/relationships" xmlns:p="http://schemas.openxmlformats.org/presentationml/2006/main" show="0">
   <p:cSld>
     <p:spTree>
@@ -8431,7 +12427,7 @@
           <a:p>
             <a:fld id="{AA58ECC7-594B-3F4D-BC70-865823762D99}" type="slidenum">
               <a:rPr lang="en-ES" smtClean="0"/>
-              <a:t>7</a:t>
+              <a:t>8</a:t>
             </a:fld>
             <a:endParaRPr lang="en-ES"/>
           </a:p>
@@ -8530,7 +12526,7 @@
 </p:sld>
 </file>
 
-<file path=ppt/slides/slide8.xml><?xml version="1.0" encoding="utf-8"?>
+<file path=ppt/slides/slide9.xml><?xml version="1.0" encoding="utf-8"?>
 <p:sld xmlns:a="http://schemas.openxmlformats.org/drawingml/2006/main" xmlns:r="http://schemas.openxmlformats.org/officeDocument/2006/relationships" xmlns:p="http://schemas.openxmlformats.org/presentationml/2006/main">
   <p:cSld>
     <p:spTree>
@@ -8569,15 +12565,8 @@
           <a:lstStyle/>
           <a:p>
             <a:r>
-              <a:rPr lang="en-ES" dirty="0">
-                <a:latin typeface="Consolas" panose="020B0609020204030204" pitchFamily="49" charset="0"/>
-                <a:cs typeface="Consolas" panose="020B0609020204030204" pitchFamily="49" charset="0"/>
-              </a:rPr>
-              <a:t>"Hello, world!"</a:t>
-            </a:r>
-            <a:r>
-              <a:rPr lang="en-ES" dirty="0"/>
-              <a:t> – Abrir el directorio en VS Code</a:t>
+              <a:rPr lang="en-ES" dirty="0"/>
+              <a:t>Abrir el directorio en VS Code</a:t>
             </a:r>
           </a:p>
         </p:txBody>
@@ -8681,7 +12670,7 @@
           <a:p>
             <a:fld id="{AA58ECC7-594B-3F4D-BC70-865823762D99}" type="slidenum">
               <a:rPr lang="en-ES" smtClean="0"/>
-              <a:t>8</a:t>
+              <a:t>9</a:t>
             </a:fld>
             <a:endParaRPr lang="en-ES"/>
           </a:p>
@@ -8701,7 +12690,7 @@
         </p:nvSpPr>
         <p:spPr>
           <a:xfrm>
-            <a:off x="2443842" y="5166597"/>
+            <a:off x="2443842" y="4750481"/>
             <a:ext cx="7304315" cy="461665"/>
           </a:xfrm>
           <a:prstGeom prst="rect">
@@ -8761,251 +12750,6 @@
     <p:extLst>
       <p:ext uri="{BB962C8B-B14F-4D97-AF65-F5344CB8AC3E}">
         <p14:creationId xmlns:p14="http://schemas.microsoft.com/office/powerpoint/2010/main" val="1266747812"/>
-      </p:ext>
-    </p:extLst>
-  </p:cSld>
-  <p:clrMapOvr>
-    <a:masterClrMapping/>
-  </p:clrMapOvr>
-</p:sld>
-</file>
-
-<file path=ppt/slides/slide9.xml><?xml version="1.0" encoding="utf-8"?>
-<p:sld xmlns:a="http://schemas.openxmlformats.org/drawingml/2006/main" xmlns:r="http://schemas.openxmlformats.org/officeDocument/2006/relationships" xmlns:p="http://schemas.openxmlformats.org/presentationml/2006/main" show="0">
-  <p:cSld>
-    <p:spTree>
-      <p:nvGrpSpPr>
-        <p:cNvPr id="1" name=""/>
-        <p:cNvGrpSpPr/>
-        <p:nvPr/>
-      </p:nvGrpSpPr>
-      <p:grpSpPr>
-        <a:xfrm>
-          <a:off x="0" y="0"/>
-          <a:ext cx="0" cy="0"/>
-          <a:chOff x="0" y="0"/>
-          <a:chExt cx="0" cy="0"/>
-        </a:xfrm>
-      </p:grpSpPr>
-      <p:sp>
-        <p:nvSpPr>
-          <p:cNvPr id="2" name="Title 1">
-            <a:extLst>
-              <a:ext uri="{FF2B5EF4-FFF2-40B4-BE49-F238E27FC236}">
-                <a16:creationId xmlns:a16="http://schemas.microsoft.com/office/drawing/2014/main" id="{161BC258-B37A-474F-A19E-3EFB56A41C03}"/>
-              </a:ext>
-            </a:extLst>
-          </p:cNvPr>
-          <p:cNvSpPr>
-            <a:spLocks noGrp="1"/>
-          </p:cNvSpPr>
-          <p:nvPr>
-            <p:ph type="title"/>
-          </p:nvPr>
-        </p:nvSpPr>
-        <p:spPr/>
-        <p:txBody>
-          <a:bodyPr/>
-          <a:lstStyle/>
-          <a:p>
-            <a:r>
-              <a:rPr lang="en-ES" dirty="0"/>
-              <a:t>Ejercicio de ampliación (II)</a:t>
-            </a:r>
-          </a:p>
-        </p:txBody>
-      </p:sp>
-      <p:sp>
-        <p:nvSpPr>
-          <p:cNvPr id="3" name="Content Placeholder 2">
-            <a:extLst>
-              <a:ext uri="{FF2B5EF4-FFF2-40B4-BE49-F238E27FC236}">
-                <a16:creationId xmlns:a16="http://schemas.microsoft.com/office/drawing/2014/main" id="{FDBA2B52-ED69-E240-9EA0-FC15E1B9C657}"/>
-              </a:ext>
-            </a:extLst>
-          </p:cNvPr>
-          <p:cNvSpPr>
-            <a:spLocks noGrp="1"/>
-          </p:cNvSpPr>
-          <p:nvPr>
-            <p:ph idx="1"/>
-          </p:nvPr>
-        </p:nvSpPr>
-        <p:spPr/>
-        <p:txBody>
-          <a:bodyPr/>
-          <a:lstStyle/>
-          <a:p>
-            <a:r>
-              <a:rPr lang="en-ES" dirty="0"/>
-              <a:t>Aunque en el taller vamos a usar Visual Studio Code, en realidad solo nos haría falta un navegador Web</a:t>
-            </a:r>
-          </a:p>
-          <a:p>
-            <a:r>
-              <a:rPr lang="en-ES" dirty="0"/>
-              <a:t>Navega a la siguiente aplicación Web</a:t>
-            </a:r>
-          </a:p>
-          <a:p>
-            <a:pPr lvl="1"/>
-            <a:r>
-              <a:rPr lang="en-GB" dirty="0">
-                <a:hlinkClick r:id="rId2"/>
-              </a:rPr>
-              <a:t>https://dotnetfiddle.net</a:t>
-            </a:r>
-            <a:endParaRPr lang="en-GB" dirty="0"/>
-          </a:p>
-          <a:p>
-            <a:r>
-              <a:rPr lang="en-GB" dirty="0" err="1"/>
-              <a:t>Escoge</a:t>
-            </a:r>
-            <a:r>
-              <a:rPr lang="en-GB" dirty="0"/>
-              <a:t> las </a:t>
-            </a:r>
-            <a:r>
-              <a:rPr lang="en-GB" dirty="0" err="1"/>
-              <a:t>siguientes</a:t>
-            </a:r>
-            <a:r>
-              <a:rPr lang="en-GB" dirty="0"/>
-              <a:t> </a:t>
-            </a:r>
-            <a:r>
-              <a:rPr lang="en-GB" dirty="0" err="1"/>
-              <a:t>opciones</a:t>
-            </a:r>
-            <a:r>
-              <a:rPr lang="en-GB" dirty="0"/>
-              <a:t> </a:t>
-            </a:r>
-            <a:r>
-              <a:rPr lang="en-GB" dirty="0" err="1"/>
-              <a:t>en</a:t>
-            </a:r>
-            <a:r>
-              <a:rPr lang="en-GB" dirty="0"/>
-              <a:t> el </a:t>
-            </a:r>
-            <a:r>
-              <a:rPr lang="en-GB" dirty="0" err="1"/>
-              <a:t>menú</a:t>
-            </a:r>
-            <a:r>
-              <a:rPr lang="en-GB" dirty="0"/>
-              <a:t> de la </a:t>
-            </a:r>
-            <a:r>
-              <a:rPr lang="en-GB" dirty="0" err="1"/>
-              <a:t>izquierda</a:t>
-            </a:r>
-            <a:endParaRPr lang="en-GB" dirty="0"/>
-          </a:p>
-          <a:p>
-            <a:pPr lvl="1"/>
-            <a:r>
-              <a:rPr lang="en-GB" dirty="0"/>
-              <a:t>Language &gt; C#</a:t>
-            </a:r>
-          </a:p>
-          <a:p>
-            <a:pPr lvl="1"/>
-            <a:r>
-              <a:rPr lang="en-GB" dirty="0"/>
-              <a:t>Project Type &gt; Console</a:t>
-            </a:r>
-          </a:p>
-          <a:p>
-            <a:pPr lvl="1"/>
-            <a:r>
-              <a:rPr lang="en-GB" dirty="0"/>
-              <a:t>Compiler &gt; .NET 6</a:t>
-            </a:r>
-          </a:p>
-          <a:p>
-            <a:r>
-              <a:rPr lang="en-GB" dirty="0" err="1"/>
-              <a:t>Ejecuta</a:t>
-            </a:r>
-            <a:r>
-              <a:rPr lang="en-GB" dirty="0"/>
-              <a:t> el </a:t>
-            </a:r>
-            <a:r>
-              <a:rPr lang="en-GB" dirty="0" err="1"/>
-              <a:t>programa</a:t>
-            </a:r>
-            <a:r>
-              <a:rPr lang="en-GB" dirty="0"/>
-              <a:t> </a:t>
-            </a:r>
-            <a:r>
-              <a:rPr lang="en-GB" dirty="0" err="1"/>
-              <a:t>pulsando</a:t>
-            </a:r>
-            <a:r>
-              <a:rPr lang="en-GB" dirty="0"/>
-              <a:t> "</a:t>
-            </a:r>
-            <a:r>
-              <a:rPr lang="en-GB" dirty="0">
-                <a:latin typeface="Consolas" panose="020B0609020204030204" pitchFamily="49" charset="0"/>
-                <a:cs typeface="Consolas" panose="020B0609020204030204" pitchFamily="49" charset="0"/>
-              </a:rPr>
-              <a:t>Run</a:t>
-            </a:r>
-            <a:r>
-              <a:rPr lang="en-GB" dirty="0"/>
-              <a:t>" </a:t>
-            </a:r>
-            <a:r>
-              <a:rPr lang="en-GB" dirty="0" err="1"/>
-              <a:t>en</a:t>
-            </a:r>
-            <a:r>
-              <a:rPr lang="en-GB" dirty="0"/>
-              <a:t> el panel superior</a:t>
-            </a:r>
-            <a:endParaRPr lang="en-ES" dirty="0"/>
-          </a:p>
-        </p:txBody>
-      </p:sp>
-      <p:sp>
-        <p:nvSpPr>
-          <p:cNvPr id="4" name="Slide Number Placeholder 3">
-            <a:extLst>
-              <a:ext uri="{FF2B5EF4-FFF2-40B4-BE49-F238E27FC236}">
-                <a16:creationId xmlns:a16="http://schemas.microsoft.com/office/drawing/2014/main" id="{F82F604D-2539-4C4E-9D42-0EA01F1B6B82}"/>
-              </a:ext>
-            </a:extLst>
-          </p:cNvPr>
-          <p:cNvSpPr>
-            <a:spLocks noGrp="1"/>
-          </p:cNvSpPr>
-          <p:nvPr>
-            <p:ph type="sldNum" sz="quarter" idx="12"/>
-          </p:nvPr>
-        </p:nvSpPr>
-        <p:spPr/>
-        <p:txBody>
-          <a:bodyPr/>
-          <a:lstStyle/>
-          <a:p>
-            <a:fld id="{AA58ECC7-594B-3F4D-BC70-865823762D99}" type="slidenum">
-              <a:rPr lang="en-ES" smtClean="0"/>
-              <a:t>9</a:t>
-            </a:fld>
-            <a:endParaRPr lang="en-ES"/>
-          </a:p>
-        </p:txBody>
-      </p:sp>
-    </p:spTree>
-    <p:extLst>
-      <p:ext uri="{BB962C8B-B14F-4D97-AF65-F5344CB8AC3E}">
-        <p14:creationId xmlns:p14="http://schemas.microsoft.com/office/powerpoint/2010/main" val="738537230"/>
       </p:ext>
     </p:extLst>
   </p:cSld>
